--- a/PAC-presentation.pptx
+++ b/PAC-presentation.pptx
@@ -8,29 +8,20 @@
     <p:sldMasterId id="2147483934" r:id="rId4"/>
   </p:sldMasterIdLst>
   <p:notesMasterIdLst>
-    <p:notesMasterId r:id="rId22"/>
+    <p:notesMasterId r:id="rId13"/>
   </p:notesMasterIdLst>
   <p:handoutMasterIdLst>
-    <p:handoutMasterId r:id="rId23"/>
+    <p:handoutMasterId r:id="rId14"/>
   </p:handoutMasterIdLst>
   <p:sldIdLst>
     <p:sldId id="281" r:id="rId5"/>
-    <p:sldId id="299" r:id="rId6"/>
-    <p:sldId id="313" r:id="rId7"/>
-    <p:sldId id="298" r:id="rId8"/>
-    <p:sldId id="312" r:id="rId9"/>
-    <p:sldId id="300" r:id="rId10"/>
-    <p:sldId id="311" r:id="rId11"/>
-    <p:sldId id="301" r:id="rId12"/>
-    <p:sldId id="302" r:id="rId13"/>
-    <p:sldId id="303" r:id="rId14"/>
-    <p:sldId id="304" r:id="rId15"/>
-    <p:sldId id="305" r:id="rId16"/>
-    <p:sldId id="306" r:id="rId17"/>
-    <p:sldId id="307" r:id="rId18"/>
-    <p:sldId id="308" r:id="rId19"/>
-    <p:sldId id="309" r:id="rId20"/>
-    <p:sldId id="310" r:id="rId21"/>
+    <p:sldId id="313" r:id="rId6"/>
+    <p:sldId id="298" r:id="rId7"/>
+    <p:sldId id="312" r:id="rId8"/>
+    <p:sldId id="314" r:id="rId9"/>
+    <p:sldId id="315" r:id="rId10"/>
+    <p:sldId id="316" r:id="rId11"/>
+    <p:sldId id="317" r:id="rId12"/>
   </p:sldIdLst>
   <p:sldSz cx="9144000" cy="6858000" type="screen4x3"/>
   <p:notesSz cx="6858000" cy="9144000"/>
@@ -131,7 +122,7 @@
   </p:defaultTextStyle>
   <p:extLst>
     <p:ext uri="{EFAFB233-063F-42B5-8137-9DF3F51BA10A}">
-      <p15:sldGuideLst xmlns="" xmlns:p15="http://schemas.microsoft.com/office/powerpoint/2012/main">
+      <p15:sldGuideLst xmlns:p15="http://schemas.microsoft.com/office/powerpoint/2012/main" xmlns="">
         <p15:guide id="1" pos="363" userDrawn="1">
           <p15:clr>
             <a:srgbClr val="A4A3A4"/>
@@ -243,6 +234,2635 @@
 </p:presentation>
 </file>
 
+<file path=ppt/diagrams/colors1.xml><?xml version="1.0" encoding="utf-8"?>
+<dgm:colorsDef xmlns:dgm="http://schemas.openxmlformats.org/drawingml/2006/diagram" xmlns:a="http://schemas.openxmlformats.org/drawingml/2006/main" uniqueId="urn:microsoft.com/office/officeart/2005/8/colors/accent1_2">
+  <dgm:title val=""/>
+  <dgm:desc val=""/>
+  <dgm:catLst>
+    <dgm:cat type="accent1" pri="11200"/>
+  </dgm:catLst>
+  <dgm:styleLbl name="node0">
+    <dgm:fillClrLst meth="repeat">
+      <a:schemeClr val="accent1"/>
+    </dgm:fillClrLst>
+    <dgm:linClrLst meth="repeat">
+      <a:schemeClr val="lt1"/>
+    </dgm:linClrLst>
+    <dgm:effectClrLst/>
+    <dgm:txLinClrLst/>
+    <dgm:txFillClrLst/>
+    <dgm:txEffectClrLst/>
+  </dgm:styleLbl>
+  <dgm:styleLbl name="alignNode1">
+    <dgm:fillClrLst meth="repeat">
+      <a:schemeClr val="accent1"/>
+    </dgm:fillClrLst>
+    <dgm:linClrLst meth="repeat">
+      <a:schemeClr val="accent1"/>
+    </dgm:linClrLst>
+    <dgm:effectClrLst/>
+    <dgm:txLinClrLst/>
+    <dgm:txFillClrLst/>
+    <dgm:txEffectClrLst/>
+  </dgm:styleLbl>
+  <dgm:styleLbl name="node1">
+    <dgm:fillClrLst meth="repeat">
+      <a:schemeClr val="accent1"/>
+    </dgm:fillClrLst>
+    <dgm:linClrLst meth="repeat">
+      <a:schemeClr val="lt1"/>
+    </dgm:linClrLst>
+    <dgm:effectClrLst/>
+    <dgm:txLinClrLst/>
+    <dgm:txFillClrLst/>
+    <dgm:txEffectClrLst/>
+  </dgm:styleLbl>
+  <dgm:styleLbl name="lnNode1">
+    <dgm:fillClrLst meth="repeat">
+      <a:schemeClr val="accent1"/>
+    </dgm:fillClrLst>
+    <dgm:linClrLst meth="repeat">
+      <a:schemeClr val="lt1"/>
+    </dgm:linClrLst>
+    <dgm:effectClrLst/>
+    <dgm:txLinClrLst/>
+    <dgm:txFillClrLst/>
+    <dgm:txEffectClrLst/>
+  </dgm:styleLbl>
+  <dgm:styleLbl name="vennNode1">
+    <dgm:fillClrLst meth="repeat">
+      <a:schemeClr val="accent1">
+        <a:alpha val="50000"/>
+      </a:schemeClr>
+    </dgm:fillClrLst>
+    <dgm:linClrLst meth="repeat">
+      <a:schemeClr val="lt1"/>
+    </dgm:linClrLst>
+    <dgm:effectClrLst/>
+    <dgm:txLinClrLst/>
+    <dgm:txFillClrLst/>
+    <dgm:txEffectClrLst/>
+  </dgm:styleLbl>
+  <dgm:styleLbl name="node2">
+    <dgm:fillClrLst meth="repeat">
+      <a:schemeClr val="accent1"/>
+    </dgm:fillClrLst>
+    <dgm:linClrLst meth="repeat">
+      <a:schemeClr val="lt1"/>
+    </dgm:linClrLst>
+    <dgm:effectClrLst/>
+    <dgm:txLinClrLst/>
+    <dgm:txFillClrLst/>
+    <dgm:txEffectClrLst/>
+  </dgm:styleLbl>
+  <dgm:styleLbl name="node3">
+    <dgm:fillClrLst meth="repeat">
+      <a:schemeClr val="accent1"/>
+    </dgm:fillClrLst>
+    <dgm:linClrLst meth="repeat">
+      <a:schemeClr val="lt1"/>
+    </dgm:linClrLst>
+    <dgm:effectClrLst/>
+    <dgm:txLinClrLst/>
+    <dgm:txFillClrLst/>
+    <dgm:txEffectClrLst/>
+  </dgm:styleLbl>
+  <dgm:styleLbl name="node4">
+    <dgm:fillClrLst meth="repeat">
+      <a:schemeClr val="accent1"/>
+    </dgm:fillClrLst>
+    <dgm:linClrLst meth="repeat">
+      <a:schemeClr val="lt1"/>
+    </dgm:linClrLst>
+    <dgm:effectClrLst/>
+    <dgm:txLinClrLst/>
+    <dgm:txFillClrLst/>
+    <dgm:txEffectClrLst/>
+  </dgm:styleLbl>
+  <dgm:styleLbl name="fgImgPlace1">
+    <dgm:fillClrLst meth="repeat">
+      <a:schemeClr val="accent1">
+        <a:tint val="50000"/>
+      </a:schemeClr>
+    </dgm:fillClrLst>
+    <dgm:linClrLst meth="repeat">
+      <a:schemeClr val="lt1"/>
+    </dgm:linClrLst>
+    <dgm:effectClrLst/>
+    <dgm:txLinClrLst/>
+    <dgm:txFillClrLst meth="repeat">
+      <a:schemeClr val="lt1"/>
+    </dgm:txFillClrLst>
+    <dgm:txEffectClrLst/>
+  </dgm:styleLbl>
+  <dgm:styleLbl name="alignImgPlace1">
+    <dgm:fillClrLst meth="repeat">
+      <a:schemeClr val="accent1">
+        <a:tint val="50000"/>
+      </a:schemeClr>
+    </dgm:fillClrLst>
+    <dgm:linClrLst meth="repeat">
+      <a:schemeClr val="lt1"/>
+    </dgm:linClrLst>
+    <dgm:effectClrLst/>
+    <dgm:txLinClrLst/>
+    <dgm:txFillClrLst meth="repeat">
+      <a:schemeClr val="lt1"/>
+    </dgm:txFillClrLst>
+    <dgm:txEffectClrLst/>
+  </dgm:styleLbl>
+  <dgm:styleLbl name="bgImgPlace1">
+    <dgm:fillClrLst meth="repeat">
+      <a:schemeClr val="accent1">
+        <a:tint val="50000"/>
+      </a:schemeClr>
+    </dgm:fillClrLst>
+    <dgm:linClrLst meth="repeat">
+      <a:schemeClr val="lt1"/>
+    </dgm:linClrLst>
+    <dgm:effectClrLst/>
+    <dgm:txLinClrLst/>
+    <dgm:txFillClrLst meth="repeat">
+      <a:schemeClr val="lt1"/>
+    </dgm:txFillClrLst>
+    <dgm:txEffectClrLst/>
+  </dgm:styleLbl>
+  <dgm:styleLbl name="sibTrans2D1">
+    <dgm:fillClrLst meth="repeat">
+      <a:schemeClr val="accent1">
+        <a:tint val="60000"/>
+      </a:schemeClr>
+    </dgm:fillClrLst>
+    <dgm:linClrLst meth="repeat">
+      <a:schemeClr val="accent1">
+        <a:tint val="60000"/>
+      </a:schemeClr>
+    </dgm:linClrLst>
+    <dgm:effectClrLst/>
+    <dgm:txLinClrLst/>
+    <dgm:txFillClrLst/>
+    <dgm:txEffectClrLst/>
+  </dgm:styleLbl>
+  <dgm:styleLbl name="fgSibTrans2D1">
+    <dgm:fillClrLst meth="repeat">
+      <a:schemeClr val="accent1">
+        <a:tint val="60000"/>
+      </a:schemeClr>
+    </dgm:fillClrLst>
+    <dgm:linClrLst meth="repeat">
+      <a:schemeClr val="accent1">
+        <a:tint val="60000"/>
+      </a:schemeClr>
+    </dgm:linClrLst>
+    <dgm:effectClrLst/>
+    <dgm:txLinClrLst/>
+    <dgm:txFillClrLst/>
+    <dgm:txEffectClrLst/>
+  </dgm:styleLbl>
+  <dgm:styleLbl name="bgSibTrans2D1">
+    <dgm:fillClrLst meth="repeat">
+      <a:schemeClr val="accent1">
+        <a:tint val="60000"/>
+      </a:schemeClr>
+    </dgm:fillClrLst>
+    <dgm:linClrLst meth="repeat">
+      <a:schemeClr val="accent1">
+        <a:tint val="60000"/>
+      </a:schemeClr>
+    </dgm:linClrLst>
+    <dgm:effectClrLst/>
+    <dgm:txLinClrLst/>
+    <dgm:txFillClrLst/>
+    <dgm:txEffectClrLst/>
+  </dgm:styleLbl>
+  <dgm:styleLbl name="sibTrans1D1">
+    <dgm:fillClrLst meth="repeat">
+      <a:schemeClr val="accent1"/>
+    </dgm:fillClrLst>
+    <dgm:linClrLst meth="repeat">
+      <a:schemeClr val="accent1"/>
+    </dgm:linClrLst>
+    <dgm:effectClrLst/>
+    <dgm:txLinClrLst/>
+    <dgm:txFillClrLst meth="repeat">
+      <a:schemeClr val="tx1"/>
+    </dgm:txFillClrLst>
+    <dgm:txEffectClrLst/>
+  </dgm:styleLbl>
+  <dgm:styleLbl name="callout">
+    <dgm:fillClrLst meth="repeat">
+      <a:schemeClr val="accent1"/>
+    </dgm:fillClrLst>
+    <dgm:linClrLst meth="repeat">
+      <a:schemeClr val="accent1">
+        <a:tint val="50000"/>
+      </a:schemeClr>
+    </dgm:linClrLst>
+    <dgm:effectClrLst/>
+    <dgm:txLinClrLst/>
+    <dgm:txFillClrLst meth="repeat">
+      <a:schemeClr val="tx1"/>
+    </dgm:txFillClrLst>
+    <dgm:txEffectClrLst/>
+  </dgm:styleLbl>
+  <dgm:styleLbl name="asst0">
+    <dgm:fillClrLst meth="repeat">
+      <a:schemeClr val="accent1"/>
+    </dgm:fillClrLst>
+    <dgm:linClrLst meth="repeat">
+      <a:schemeClr val="lt1"/>
+    </dgm:linClrLst>
+    <dgm:effectClrLst/>
+    <dgm:txLinClrLst/>
+    <dgm:txFillClrLst/>
+    <dgm:txEffectClrLst/>
+  </dgm:styleLbl>
+  <dgm:styleLbl name="asst1">
+    <dgm:fillClrLst meth="repeat">
+      <a:schemeClr val="accent1"/>
+    </dgm:fillClrLst>
+    <dgm:linClrLst meth="repeat">
+      <a:schemeClr val="lt1"/>
+    </dgm:linClrLst>
+    <dgm:effectClrLst/>
+    <dgm:txLinClrLst/>
+    <dgm:txFillClrLst/>
+    <dgm:txEffectClrLst/>
+  </dgm:styleLbl>
+  <dgm:styleLbl name="asst2">
+    <dgm:fillClrLst meth="repeat">
+      <a:schemeClr val="accent1"/>
+    </dgm:fillClrLst>
+    <dgm:linClrLst meth="repeat">
+      <a:schemeClr val="lt1"/>
+    </dgm:linClrLst>
+    <dgm:effectClrLst/>
+    <dgm:txLinClrLst/>
+    <dgm:txFillClrLst/>
+    <dgm:txEffectClrLst/>
+  </dgm:styleLbl>
+  <dgm:styleLbl name="asst3">
+    <dgm:fillClrLst meth="repeat">
+      <a:schemeClr val="accent1"/>
+    </dgm:fillClrLst>
+    <dgm:linClrLst meth="repeat">
+      <a:schemeClr val="lt1"/>
+    </dgm:linClrLst>
+    <dgm:effectClrLst/>
+    <dgm:txLinClrLst/>
+    <dgm:txFillClrLst/>
+    <dgm:txEffectClrLst/>
+  </dgm:styleLbl>
+  <dgm:styleLbl name="asst4">
+    <dgm:fillClrLst meth="repeat">
+      <a:schemeClr val="accent1"/>
+    </dgm:fillClrLst>
+    <dgm:linClrLst meth="repeat">
+      <a:schemeClr val="lt1"/>
+    </dgm:linClrLst>
+    <dgm:effectClrLst/>
+    <dgm:txLinClrLst/>
+    <dgm:txFillClrLst/>
+    <dgm:txEffectClrLst/>
+  </dgm:styleLbl>
+  <dgm:styleLbl name="parChTrans2D1">
+    <dgm:fillClrLst meth="repeat">
+      <a:schemeClr val="accent1">
+        <a:tint val="60000"/>
+      </a:schemeClr>
+    </dgm:fillClrLst>
+    <dgm:linClrLst meth="repeat">
+      <a:schemeClr val="accent1">
+        <a:tint val="60000"/>
+      </a:schemeClr>
+    </dgm:linClrLst>
+    <dgm:effectClrLst/>
+    <dgm:txLinClrLst/>
+    <dgm:txFillClrLst meth="repeat">
+      <a:schemeClr val="lt1"/>
+    </dgm:txFillClrLst>
+    <dgm:txEffectClrLst/>
+  </dgm:styleLbl>
+  <dgm:styleLbl name="parChTrans2D2">
+    <dgm:fillClrLst meth="repeat">
+      <a:schemeClr val="accent1"/>
+    </dgm:fillClrLst>
+    <dgm:linClrLst meth="repeat">
+      <a:schemeClr val="accent1"/>
+    </dgm:linClrLst>
+    <dgm:effectClrLst/>
+    <dgm:txLinClrLst/>
+    <dgm:txFillClrLst meth="repeat">
+      <a:schemeClr val="lt1"/>
+    </dgm:txFillClrLst>
+    <dgm:txEffectClrLst/>
+  </dgm:styleLbl>
+  <dgm:styleLbl name="parChTrans2D3">
+    <dgm:fillClrLst meth="repeat">
+      <a:schemeClr val="accent1"/>
+    </dgm:fillClrLst>
+    <dgm:linClrLst meth="repeat">
+      <a:schemeClr val="accent1"/>
+    </dgm:linClrLst>
+    <dgm:effectClrLst/>
+    <dgm:txLinClrLst/>
+    <dgm:txFillClrLst meth="repeat">
+      <a:schemeClr val="lt1"/>
+    </dgm:txFillClrLst>
+    <dgm:txEffectClrLst/>
+  </dgm:styleLbl>
+  <dgm:styleLbl name="parChTrans2D4">
+    <dgm:fillClrLst meth="repeat">
+      <a:schemeClr val="accent1"/>
+    </dgm:fillClrLst>
+    <dgm:linClrLst meth="repeat">
+      <a:schemeClr val="accent1"/>
+    </dgm:linClrLst>
+    <dgm:effectClrLst/>
+    <dgm:txLinClrLst/>
+    <dgm:txFillClrLst meth="repeat">
+      <a:schemeClr val="lt1"/>
+    </dgm:txFillClrLst>
+    <dgm:txEffectClrLst/>
+  </dgm:styleLbl>
+  <dgm:styleLbl name="parChTrans1D1">
+    <dgm:fillClrLst meth="repeat">
+      <a:schemeClr val="accent1"/>
+    </dgm:fillClrLst>
+    <dgm:linClrLst meth="repeat">
+      <a:schemeClr val="accent1">
+        <a:shade val="60000"/>
+      </a:schemeClr>
+    </dgm:linClrLst>
+    <dgm:effectClrLst/>
+    <dgm:txLinClrLst/>
+    <dgm:txFillClrLst meth="repeat">
+      <a:schemeClr val="tx1"/>
+    </dgm:txFillClrLst>
+    <dgm:txEffectClrLst/>
+  </dgm:styleLbl>
+  <dgm:styleLbl name="parChTrans1D2">
+    <dgm:fillClrLst meth="repeat">
+      <a:schemeClr val="accent1"/>
+    </dgm:fillClrLst>
+    <dgm:linClrLst meth="repeat">
+      <a:schemeClr val="accent1">
+        <a:shade val="60000"/>
+      </a:schemeClr>
+    </dgm:linClrLst>
+    <dgm:effectClrLst/>
+    <dgm:txLinClrLst/>
+    <dgm:txFillClrLst meth="repeat">
+      <a:schemeClr val="tx1"/>
+    </dgm:txFillClrLst>
+    <dgm:txEffectClrLst/>
+  </dgm:styleLbl>
+  <dgm:styleLbl name="parChTrans1D3">
+    <dgm:fillClrLst meth="repeat">
+      <a:schemeClr val="accent1"/>
+    </dgm:fillClrLst>
+    <dgm:linClrLst meth="repeat">
+      <a:schemeClr val="accent1">
+        <a:shade val="80000"/>
+      </a:schemeClr>
+    </dgm:linClrLst>
+    <dgm:effectClrLst/>
+    <dgm:txLinClrLst/>
+    <dgm:txFillClrLst meth="repeat">
+      <a:schemeClr val="tx1"/>
+    </dgm:txFillClrLst>
+    <dgm:txEffectClrLst/>
+  </dgm:styleLbl>
+  <dgm:styleLbl name="parChTrans1D4">
+    <dgm:fillClrLst meth="repeat">
+      <a:schemeClr val="accent1"/>
+    </dgm:fillClrLst>
+    <dgm:linClrLst meth="repeat">
+      <a:schemeClr val="accent1">
+        <a:shade val="80000"/>
+      </a:schemeClr>
+    </dgm:linClrLst>
+    <dgm:effectClrLst/>
+    <dgm:txLinClrLst/>
+    <dgm:txFillClrLst meth="repeat">
+      <a:schemeClr val="tx1"/>
+    </dgm:txFillClrLst>
+    <dgm:txEffectClrLst/>
+  </dgm:styleLbl>
+  <dgm:styleLbl name="fgAcc1">
+    <dgm:fillClrLst meth="repeat">
+      <a:schemeClr val="lt1">
+        <a:alpha val="90000"/>
+      </a:schemeClr>
+    </dgm:fillClrLst>
+    <dgm:linClrLst meth="repeat">
+      <a:schemeClr val="accent1"/>
+    </dgm:linClrLst>
+    <dgm:effectClrLst/>
+    <dgm:txLinClrLst/>
+    <dgm:txFillClrLst meth="repeat">
+      <a:schemeClr val="dk1"/>
+    </dgm:txFillClrLst>
+    <dgm:txEffectClrLst/>
+  </dgm:styleLbl>
+  <dgm:styleLbl name="conFgAcc1">
+    <dgm:fillClrLst meth="repeat">
+      <a:schemeClr val="lt1">
+        <a:alpha val="90000"/>
+      </a:schemeClr>
+    </dgm:fillClrLst>
+    <dgm:linClrLst meth="repeat">
+      <a:schemeClr val="accent1"/>
+    </dgm:linClrLst>
+    <dgm:effectClrLst/>
+    <dgm:txLinClrLst/>
+    <dgm:txFillClrLst meth="repeat">
+      <a:schemeClr val="dk1"/>
+    </dgm:txFillClrLst>
+    <dgm:txEffectClrLst/>
+  </dgm:styleLbl>
+  <dgm:styleLbl name="alignAcc1">
+    <dgm:fillClrLst meth="repeat">
+      <a:schemeClr val="lt1">
+        <a:alpha val="90000"/>
+      </a:schemeClr>
+    </dgm:fillClrLst>
+    <dgm:linClrLst meth="repeat">
+      <a:schemeClr val="accent1"/>
+    </dgm:linClrLst>
+    <dgm:effectClrLst/>
+    <dgm:txLinClrLst/>
+    <dgm:txFillClrLst meth="repeat">
+      <a:schemeClr val="dk1"/>
+    </dgm:txFillClrLst>
+    <dgm:txEffectClrLst/>
+  </dgm:styleLbl>
+  <dgm:styleLbl name="trAlignAcc1">
+    <dgm:fillClrLst meth="repeat">
+      <a:schemeClr val="lt1">
+        <a:alpha val="40000"/>
+      </a:schemeClr>
+    </dgm:fillClrLst>
+    <dgm:linClrLst meth="repeat">
+      <a:schemeClr val="accent1"/>
+    </dgm:linClrLst>
+    <dgm:effectClrLst/>
+    <dgm:txLinClrLst/>
+    <dgm:txFillClrLst meth="repeat">
+      <a:schemeClr val="dk1"/>
+    </dgm:txFillClrLst>
+    <dgm:txEffectClrLst/>
+  </dgm:styleLbl>
+  <dgm:styleLbl name="bgAcc1">
+    <dgm:fillClrLst meth="repeat">
+      <a:schemeClr val="lt1">
+        <a:alpha val="90000"/>
+      </a:schemeClr>
+    </dgm:fillClrLst>
+    <dgm:linClrLst meth="repeat">
+      <a:schemeClr val="accent1"/>
+    </dgm:linClrLst>
+    <dgm:effectClrLst/>
+    <dgm:txLinClrLst/>
+    <dgm:txFillClrLst meth="repeat">
+      <a:schemeClr val="dk1"/>
+    </dgm:txFillClrLst>
+    <dgm:txEffectClrLst/>
+  </dgm:styleLbl>
+  <dgm:styleLbl name="solidFgAcc1">
+    <dgm:fillClrLst meth="repeat">
+      <a:schemeClr val="lt1"/>
+    </dgm:fillClrLst>
+    <dgm:linClrLst meth="repeat">
+      <a:schemeClr val="accent1"/>
+    </dgm:linClrLst>
+    <dgm:effectClrLst/>
+    <dgm:txLinClrLst/>
+    <dgm:txFillClrLst meth="repeat">
+      <a:schemeClr val="dk1"/>
+    </dgm:txFillClrLst>
+    <dgm:txEffectClrLst/>
+  </dgm:styleLbl>
+  <dgm:styleLbl name="solidAlignAcc1">
+    <dgm:fillClrLst meth="repeat">
+      <a:schemeClr val="lt1"/>
+    </dgm:fillClrLst>
+    <dgm:linClrLst meth="repeat">
+      <a:schemeClr val="accent1"/>
+    </dgm:linClrLst>
+    <dgm:effectClrLst/>
+    <dgm:txLinClrLst/>
+    <dgm:txFillClrLst meth="repeat">
+      <a:schemeClr val="dk1"/>
+    </dgm:txFillClrLst>
+    <dgm:txEffectClrLst/>
+  </dgm:styleLbl>
+  <dgm:styleLbl name="solidBgAcc1">
+    <dgm:fillClrLst meth="repeat">
+      <a:schemeClr val="lt1"/>
+    </dgm:fillClrLst>
+    <dgm:linClrLst meth="repeat">
+      <a:schemeClr val="accent1"/>
+    </dgm:linClrLst>
+    <dgm:effectClrLst/>
+    <dgm:txLinClrLst/>
+    <dgm:txFillClrLst meth="repeat">
+      <a:schemeClr val="dk1"/>
+    </dgm:txFillClrLst>
+    <dgm:txEffectClrLst/>
+  </dgm:styleLbl>
+  <dgm:styleLbl name="fgAccFollowNode1">
+    <dgm:fillClrLst meth="repeat">
+      <a:schemeClr val="accent1">
+        <a:alpha val="90000"/>
+        <a:tint val="40000"/>
+      </a:schemeClr>
+    </dgm:fillClrLst>
+    <dgm:linClrLst meth="repeat">
+      <a:schemeClr val="accent1">
+        <a:alpha val="90000"/>
+        <a:tint val="40000"/>
+      </a:schemeClr>
+    </dgm:linClrLst>
+    <dgm:effectClrLst/>
+    <dgm:txLinClrLst/>
+    <dgm:txFillClrLst meth="repeat">
+      <a:schemeClr val="dk1"/>
+    </dgm:txFillClrLst>
+    <dgm:txEffectClrLst/>
+  </dgm:styleLbl>
+  <dgm:styleLbl name="alignAccFollowNode1">
+    <dgm:fillClrLst meth="repeat">
+      <a:schemeClr val="accent1">
+        <a:alpha val="90000"/>
+        <a:tint val="40000"/>
+      </a:schemeClr>
+    </dgm:fillClrLst>
+    <dgm:linClrLst meth="repeat">
+      <a:schemeClr val="accent1">
+        <a:alpha val="90000"/>
+        <a:tint val="40000"/>
+      </a:schemeClr>
+    </dgm:linClrLst>
+    <dgm:effectClrLst/>
+    <dgm:txLinClrLst/>
+    <dgm:txFillClrLst meth="repeat">
+      <a:schemeClr val="dk1"/>
+    </dgm:txFillClrLst>
+    <dgm:txEffectClrLst/>
+  </dgm:styleLbl>
+  <dgm:styleLbl name="bgAccFollowNode1">
+    <dgm:fillClrLst meth="repeat">
+      <a:schemeClr val="accent1">
+        <a:alpha val="90000"/>
+        <a:tint val="40000"/>
+      </a:schemeClr>
+    </dgm:fillClrLst>
+    <dgm:linClrLst meth="repeat">
+      <a:schemeClr val="accent1">
+        <a:alpha val="90000"/>
+        <a:tint val="40000"/>
+      </a:schemeClr>
+    </dgm:linClrLst>
+    <dgm:effectClrLst/>
+    <dgm:txLinClrLst/>
+    <dgm:txFillClrLst meth="repeat">
+      <a:schemeClr val="dk1"/>
+    </dgm:txFillClrLst>
+    <dgm:txEffectClrLst/>
+  </dgm:styleLbl>
+  <dgm:styleLbl name="fgAcc0">
+    <dgm:fillClrLst meth="repeat">
+      <a:schemeClr val="lt1">
+        <a:alpha val="90000"/>
+      </a:schemeClr>
+    </dgm:fillClrLst>
+    <dgm:linClrLst meth="repeat">
+      <a:schemeClr val="accent1"/>
+    </dgm:linClrLst>
+    <dgm:effectClrLst/>
+    <dgm:txLinClrLst/>
+    <dgm:txFillClrLst meth="repeat">
+      <a:schemeClr val="dk1"/>
+    </dgm:txFillClrLst>
+    <dgm:txEffectClrLst/>
+  </dgm:styleLbl>
+  <dgm:styleLbl name="fgAcc2">
+    <dgm:fillClrLst meth="repeat">
+      <a:schemeClr val="lt1">
+        <a:alpha val="90000"/>
+      </a:schemeClr>
+    </dgm:fillClrLst>
+    <dgm:linClrLst meth="repeat">
+      <a:schemeClr val="accent1"/>
+    </dgm:linClrLst>
+    <dgm:effectClrLst/>
+    <dgm:txLinClrLst/>
+    <dgm:txFillClrLst meth="repeat">
+      <a:schemeClr val="dk1"/>
+    </dgm:txFillClrLst>
+    <dgm:txEffectClrLst/>
+  </dgm:styleLbl>
+  <dgm:styleLbl name="fgAcc3">
+    <dgm:fillClrLst meth="repeat">
+      <a:schemeClr val="lt1">
+        <a:alpha val="90000"/>
+      </a:schemeClr>
+    </dgm:fillClrLst>
+    <dgm:linClrLst meth="repeat">
+      <a:schemeClr val="accent1"/>
+    </dgm:linClrLst>
+    <dgm:effectClrLst/>
+    <dgm:txLinClrLst/>
+    <dgm:txFillClrLst meth="repeat">
+      <a:schemeClr val="dk1"/>
+    </dgm:txFillClrLst>
+    <dgm:txEffectClrLst/>
+  </dgm:styleLbl>
+  <dgm:styleLbl name="fgAcc4">
+    <dgm:fillClrLst meth="repeat">
+      <a:schemeClr val="lt1">
+        <a:alpha val="90000"/>
+      </a:schemeClr>
+    </dgm:fillClrLst>
+    <dgm:linClrLst meth="repeat">
+      <a:schemeClr val="accent1"/>
+    </dgm:linClrLst>
+    <dgm:effectClrLst/>
+    <dgm:txLinClrLst/>
+    <dgm:txFillClrLst meth="repeat">
+      <a:schemeClr val="dk1"/>
+    </dgm:txFillClrLst>
+    <dgm:txEffectClrLst/>
+  </dgm:styleLbl>
+  <dgm:styleLbl name="bgShp">
+    <dgm:fillClrLst meth="repeat">
+      <a:schemeClr val="accent1">
+        <a:tint val="40000"/>
+      </a:schemeClr>
+    </dgm:fillClrLst>
+    <dgm:linClrLst meth="repeat">
+      <a:schemeClr val="accent1"/>
+    </dgm:linClrLst>
+    <dgm:effectClrLst/>
+    <dgm:txLinClrLst/>
+    <dgm:txFillClrLst meth="repeat">
+      <a:schemeClr val="dk1"/>
+    </dgm:txFillClrLst>
+    <dgm:txEffectClrLst/>
+  </dgm:styleLbl>
+  <dgm:styleLbl name="dkBgShp">
+    <dgm:fillClrLst meth="repeat">
+      <a:schemeClr val="accent1">
+        <a:shade val="80000"/>
+      </a:schemeClr>
+    </dgm:fillClrLst>
+    <dgm:linClrLst meth="repeat">
+      <a:schemeClr val="accent1"/>
+    </dgm:linClrLst>
+    <dgm:effectClrLst/>
+    <dgm:txLinClrLst/>
+    <dgm:txFillClrLst meth="repeat">
+      <a:schemeClr val="lt1"/>
+    </dgm:txFillClrLst>
+    <dgm:txEffectClrLst/>
+  </dgm:styleLbl>
+  <dgm:styleLbl name="trBgShp">
+    <dgm:fillClrLst meth="repeat">
+      <a:schemeClr val="accent1">
+        <a:tint val="50000"/>
+        <a:alpha val="40000"/>
+      </a:schemeClr>
+    </dgm:fillClrLst>
+    <dgm:linClrLst meth="repeat">
+      <a:schemeClr val="accent1"/>
+    </dgm:linClrLst>
+    <dgm:effectClrLst/>
+    <dgm:txLinClrLst/>
+    <dgm:txFillClrLst meth="repeat">
+      <a:schemeClr val="lt1"/>
+    </dgm:txFillClrLst>
+    <dgm:txEffectClrLst/>
+  </dgm:styleLbl>
+  <dgm:styleLbl name="fgShp">
+    <dgm:fillClrLst meth="repeat">
+      <a:schemeClr val="accent1">
+        <a:tint val="60000"/>
+      </a:schemeClr>
+    </dgm:fillClrLst>
+    <dgm:linClrLst meth="repeat">
+      <a:schemeClr val="lt1"/>
+    </dgm:linClrLst>
+    <dgm:effectClrLst/>
+    <dgm:txLinClrLst/>
+    <dgm:txFillClrLst meth="repeat">
+      <a:schemeClr val="dk1"/>
+    </dgm:txFillClrLst>
+    <dgm:txEffectClrLst/>
+  </dgm:styleLbl>
+  <dgm:styleLbl name="revTx">
+    <dgm:fillClrLst meth="repeat">
+      <a:schemeClr val="lt1">
+        <a:alpha val="0"/>
+      </a:schemeClr>
+    </dgm:fillClrLst>
+    <dgm:linClrLst meth="repeat">
+      <a:schemeClr val="dk1">
+        <a:alpha val="0"/>
+      </a:schemeClr>
+    </dgm:linClrLst>
+    <dgm:effectClrLst/>
+    <dgm:txLinClrLst/>
+    <dgm:txFillClrLst meth="repeat">
+      <a:schemeClr val="tx1"/>
+    </dgm:txFillClrLst>
+    <dgm:txEffectClrLst/>
+  </dgm:styleLbl>
+</dgm:colorsDef>
+</file>
+
+<file path=ppt/diagrams/data1.xml><?xml version="1.0" encoding="utf-8"?>
+<dgm:dataModel xmlns:dgm="http://schemas.openxmlformats.org/drawingml/2006/diagram" xmlns:a="http://schemas.openxmlformats.org/drawingml/2006/main">
+  <dgm:ptLst>
+    <dgm:pt modelId="{17C0D5E0-E19D-4194-B935-CB3F10DEA90F}" type="doc">
+      <dgm:prSet loTypeId="urn:microsoft.com/office/officeart/2005/8/layout/default" loCatId="list" qsTypeId="urn:microsoft.com/office/officeart/2005/8/quickstyle/simple1" qsCatId="simple" csTypeId="urn:microsoft.com/office/officeart/2005/8/colors/accent1_2" csCatId="accent1" phldr="0"/>
+      <dgm:spPr/>
+      <dgm:t>
+        <a:bodyPr/>
+        <a:lstStyle/>
+        <a:p>
+          <a:endParaRPr lang="en-US"/>
+        </a:p>
+      </dgm:t>
+    </dgm:pt>
+    <dgm:pt modelId="{D6832CB3-AB4E-4CE2-AA3C-DA5AB066FF3D}">
+      <dgm:prSet phldrT="[Text]" phldr="1"/>
+      <dgm:spPr/>
+      <dgm:t>
+        <a:bodyPr/>
+        <a:lstStyle/>
+        <a:p>
+          <a:endParaRPr lang="en-US"/>
+        </a:p>
+      </dgm:t>
+    </dgm:pt>
+    <dgm:pt modelId="{1F62F2D2-E4D6-4914-9E22-C8B47B9A1536}" type="parTrans" cxnId="{DC3A5F2B-6C89-4FD7-B628-EFD4C9563881}">
+      <dgm:prSet/>
+      <dgm:spPr/>
+      <dgm:t>
+        <a:bodyPr/>
+        <a:lstStyle/>
+        <a:p>
+          <a:endParaRPr lang="en-US"/>
+        </a:p>
+      </dgm:t>
+    </dgm:pt>
+    <dgm:pt modelId="{5A37131F-CDFA-412C-BC22-D9B2851C4E49}" type="sibTrans" cxnId="{DC3A5F2B-6C89-4FD7-B628-EFD4C9563881}">
+      <dgm:prSet/>
+      <dgm:spPr/>
+      <dgm:t>
+        <a:bodyPr/>
+        <a:lstStyle/>
+        <a:p>
+          <a:endParaRPr lang="en-US"/>
+        </a:p>
+      </dgm:t>
+    </dgm:pt>
+    <dgm:pt modelId="{7FAF3D68-A581-4C6B-BC5B-9C3C108178C5}">
+      <dgm:prSet phldrT="[Text]" phldr="1"/>
+      <dgm:spPr/>
+      <dgm:t>
+        <a:bodyPr/>
+        <a:lstStyle/>
+        <a:p>
+          <a:endParaRPr lang="en-US"/>
+        </a:p>
+      </dgm:t>
+    </dgm:pt>
+    <dgm:pt modelId="{9E4EC592-C07A-4EB7-98D2-4810891B0BFB}" type="parTrans" cxnId="{1AE2646E-65CD-44BC-8D4D-09308E02A6B5}">
+      <dgm:prSet/>
+      <dgm:spPr/>
+      <dgm:t>
+        <a:bodyPr/>
+        <a:lstStyle/>
+        <a:p>
+          <a:endParaRPr lang="en-US"/>
+        </a:p>
+      </dgm:t>
+    </dgm:pt>
+    <dgm:pt modelId="{B00E1BFC-0273-4B20-B467-A407A4BDB414}" type="sibTrans" cxnId="{1AE2646E-65CD-44BC-8D4D-09308E02A6B5}">
+      <dgm:prSet/>
+      <dgm:spPr/>
+      <dgm:t>
+        <a:bodyPr/>
+        <a:lstStyle/>
+        <a:p>
+          <a:endParaRPr lang="en-US"/>
+        </a:p>
+      </dgm:t>
+    </dgm:pt>
+    <dgm:pt modelId="{68F3559D-2183-4095-B987-CC410CD32514}">
+      <dgm:prSet phldrT="[Text]" phldr="1"/>
+      <dgm:spPr/>
+      <dgm:t>
+        <a:bodyPr/>
+        <a:lstStyle/>
+        <a:p>
+          <a:endParaRPr lang="en-US"/>
+        </a:p>
+      </dgm:t>
+    </dgm:pt>
+    <dgm:pt modelId="{86057B47-9150-4AAF-BFD7-4DBF3D3FA026}" type="parTrans" cxnId="{72FB20C7-D078-4EE2-8647-4F517C6FA19B}">
+      <dgm:prSet/>
+      <dgm:spPr/>
+      <dgm:t>
+        <a:bodyPr/>
+        <a:lstStyle/>
+        <a:p>
+          <a:endParaRPr lang="en-US"/>
+        </a:p>
+      </dgm:t>
+    </dgm:pt>
+    <dgm:pt modelId="{3053F615-BCC2-4301-B36D-5348921AFE52}" type="sibTrans" cxnId="{72FB20C7-D078-4EE2-8647-4F517C6FA19B}">
+      <dgm:prSet/>
+      <dgm:spPr/>
+      <dgm:t>
+        <a:bodyPr/>
+        <a:lstStyle/>
+        <a:p>
+          <a:endParaRPr lang="en-US"/>
+        </a:p>
+      </dgm:t>
+    </dgm:pt>
+    <dgm:pt modelId="{A0F38CDC-9344-43A1-A26F-A47F5B6FCBDC}">
+      <dgm:prSet phldrT="[Text]" phldr="1"/>
+      <dgm:spPr/>
+      <dgm:t>
+        <a:bodyPr/>
+        <a:lstStyle/>
+        <a:p>
+          <a:endParaRPr lang="en-US"/>
+        </a:p>
+      </dgm:t>
+    </dgm:pt>
+    <dgm:pt modelId="{6B9113BE-E04C-440E-8A78-F223B5E12395}" type="parTrans" cxnId="{01C3B030-BC8B-40DA-B97D-FE7D7D2DD39E}">
+      <dgm:prSet/>
+      <dgm:spPr/>
+      <dgm:t>
+        <a:bodyPr/>
+        <a:lstStyle/>
+        <a:p>
+          <a:endParaRPr lang="en-US"/>
+        </a:p>
+      </dgm:t>
+    </dgm:pt>
+    <dgm:pt modelId="{FBCB3D48-A6EA-47A1-A435-60301D8C8D18}" type="sibTrans" cxnId="{01C3B030-BC8B-40DA-B97D-FE7D7D2DD39E}">
+      <dgm:prSet/>
+      <dgm:spPr/>
+      <dgm:t>
+        <a:bodyPr/>
+        <a:lstStyle/>
+        <a:p>
+          <a:endParaRPr lang="en-US"/>
+        </a:p>
+      </dgm:t>
+    </dgm:pt>
+    <dgm:pt modelId="{A6AD0612-B44F-4211-A0C7-3CD5AA5E7B4C}">
+      <dgm:prSet phldrT="[Text]" phldr="1"/>
+      <dgm:spPr/>
+      <dgm:t>
+        <a:bodyPr/>
+        <a:lstStyle/>
+        <a:p>
+          <a:endParaRPr lang="en-US"/>
+        </a:p>
+      </dgm:t>
+    </dgm:pt>
+    <dgm:pt modelId="{897AE4EF-7DC4-4E21-A1DD-7AE49C970353}" type="parTrans" cxnId="{90FC7AA1-4934-4D2B-8C7B-1C1FE8715BEC}">
+      <dgm:prSet/>
+      <dgm:spPr/>
+      <dgm:t>
+        <a:bodyPr/>
+        <a:lstStyle/>
+        <a:p>
+          <a:endParaRPr lang="en-US"/>
+        </a:p>
+      </dgm:t>
+    </dgm:pt>
+    <dgm:pt modelId="{506CA820-93A1-4198-872D-404888FA2760}" type="sibTrans" cxnId="{90FC7AA1-4934-4D2B-8C7B-1C1FE8715BEC}">
+      <dgm:prSet/>
+      <dgm:spPr/>
+      <dgm:t>
+        <a:bodyPr/>
+        <a:lstStyle/>
+        <a:p>
+          <a:endParaRPr lang="en-US"/>
+        </a:p>
+      </dgm:t>
+    </dgm:pt>
+    <dgm:pt modelId="{EA2D227A-55D2-40A0-9DDF-AB48BCE1104B}" type="pres">
+      <dgm:prSet presAssocID="{17C0D5E0-E19D-4194-B935-CB3F10DEA90F}" presName="diagram" presStyleCnt="0">
+        <dgm:presLayoutVars>
+          <dgm:dir/>
+          <dgm:resizeHandles val="exact"/>
+        </dgm:presLayoutVars>
+      </dgm:prSet>
+      <dgm:spPr/>
+      <dgm:t>
+        <a:bodyPr/>
+        <a:lstStyle/>
+        <a:p>
+          <a:endParaRPr lang="en-US"/>
+        </a:p>
+      </dgm:t>
+    </dgm:pt>
+    <dgm:pt modelId="{BEE2EAB8-C57D-4A98-A8AB-E1C87B77A6F5}" type="pres">
+      <dgm:prSet presAssocID="{D6832CB3-AB4E-4CE2-AA3C-DA5AB066FF3D}" presName="node" presStyleLbl="node1" presStyleIdx="0" presStyleCnt="5">
+        <dgm:presLayoutVars>
+          <dgm:bulletEnabled val="1"/>
+        </dgm:presLayoutVars>
+      </dgm:prSet>
+      <dgm:spPr/>
+      <dgm:t>
+        <a:bodyPr/>
+        <a:lstStyle/>
+        <a:p>
+          <a:endParaRPr lang="en-US"/>
+        </a:p>
+      </dgm:t>
+    </dgm:pt>
+    <dgm:pt modelId="{2110334F-D63E-4916-91A5-5C80D04C9C3D}" type="pres">
+      <dgm:prSet presAssocID="{5A37131F-CDFA-412C-BC22-D9B2851C4E49}" presName="sibTrans" presStyleCnt="0"/>
+      <dgm:spPr/>
+    </dgm:pt>
+    <dgm:pt modelId="{39942797-0D34-4F94-8531-CA1BA6CF0C47}" type="pres">
+      <dgm:prSet presAssocID="{7FAF3D68-A581-4C6B-BC5B-9C3C108178C5}" presName="node" presStyleLbl="node1" presStyleIdx="1" presStyleCnt="5">
+        <dgm:presLayoutVars>
+          <dgm:bulletEnabled val="1"/>
+        </dgm:presLayoutVars>
+      </dgm:prSet>
+      <dgm:spPr/>
+      <dgm:t>
+        <a:bodyPr/>
+        <a:lstStyle/>
+        <a:p>
+          <a:endParaRPr lang="en-US"/>
+        </a:p>
+      </dgm:t>
+    </dgm:pt>
+    <dgm:pt modelId="{311666D0-D467-4AF0-8232-7DD72BBA62CF}" type="pres">
+      <dgm:prSet presAssocID="{B00E1BFC-0273-4B20-B467-A407A4BDB414}" presName="sibTrans" presStyleCnt="0"/>
+      <dgm:spPr/>
+    </dgm:pt>
+    <dgm:pt modelId="{9F135FDF-9291-4230-9E1C-9F92A4FC7A9C}" type="pres">
+      <dgm:prSet presAssocID="{68F3559D-2183-4095-B987-CC410CD32514}" presName="node" presStyleLbl="node1" presStyleIdx="2" presStyleCnt="5">
+        <dgm:presLayoutVars>
+          <dgm:bulletEnabled val="1"/>
+        </dgm:presLayoutVars>
+      </dgm:prSet>
+      <dgm:spPr/>
+      <dgm:t>
+        <a:bodyPr/>
+        <a:lstStyle/>
+        <a:p>
+          <a:endParaRPr lang="en-US"/>
+        </a:p>
+      </dgm:t>
+    </dgm:pt>
+    <dgm:pt modelId="{4178A9D5-579B-47EB-AC05-56EA105CB9A9}" type="pres">
+      <dgm:prSet presAssocID="{3053F615-BCC2-4301-B36D-5348921AFE52}" presName="sibTrans" presStyleCnt="0"/>
+      <dgm:spPr/>
+    </dgm:pt>
+    <dgm:pt modelId="{EAF0E4B3-B362-4A5A-9F2E-B1CEF5D5BFD4}" type="pres">
+      <dgm:prSet presAssocID="{A0F38CDC-9344-43A1-A26F-A47F5B6FCBDC}" presName="node" presStyleLbl="node1" presStyleIdx="3" presStyleCnt="5">
+        <dgm:presLayoutVars>
+          <dgm:bulletEnabled val="1"/>
+        </dgm:presLayoutVars>
+      </dgm:prSet>
+      <dgm:spPr/>
+      <dgm:t>
+        <a:bodyPr/>
+        <a:lstStyle/>
+        <a:p>
+          <a:endParaRPr lang="en-US"/>
+        </a:p>
+      </dgm:t>
+    </dgm:pt>
+    <dgm:pt modelId="{6D2D000A-2EEE-4AB5-9AB2-0B3022732E4B}" type="pres">
+      <dgm:prSet presAssocID="{FBCB3D48-A6EA-47A1-A435-60301D8C8D18}" presName="sibTrans" presStyleCnt="0"/>
+      <dgm:spPr/>
+    </dgm:pt>
+    <dgm:pt modelId="{369BEF8A-E838-4230-9356-27C4B6D21441}" type="pres">
+      <dgm:prSet presAssocID="{A6AD0612-B44F-4211-A0C7-3CD5AA5E7B4C}" presName="node" presStyleLbl="node1" presStyleIdx="4" presStyleCnt="5">
+        <dgm:presLayoutVars>
+          <dgm:bulletEnabled val="1"/>
+        </dgm:presLayoutVars>
+      </dgm:prSet>
+      <dgm:spPr/>
+      <dgm:t>
+        <a:bodyPr/>
+        <a:lstStyle/>
+        <a:p>
+          <a:endParaRPr lang="en-US"/>
+        </a:p>
+      </dgm:t>
+    </dgm:pt>
+  </dgm:ptLst>
+  <dgm:cxnLst>
+    <dgm:cxn modelId="{DC3A5F2B-6C89-4FD7-B628-EFD4C9563881}" srcId="{17C0D5E0-E19D-4194-B935-CB3F10DEA90F}" destId="{D6832CB3-AB4E-4CE2-AA3C-DA5AB066FF3D}" srcOrd="0" destOrd="0" parTransId="{1F62F2D2-E4D6-4914-9E22-C8B47B9A1536}" sibTransId="{5A37131F-CDFA-412C-BC22-D9B2851C4E49}"/>
+    <dgm:cxn modelId="{1AE2646E-65CD-44BC-8D4D-09308E02A6B5}" srcId="{17C0D5E0-E19D-4194-B935-CB3F10DEA90F}" destId="{7FAF3D68-A581-4C6B-BC5B-9C3C108178C5}" srcOrd="1" destOrd="0" parTransId="{9E4EC592-C07A-4EB7-98D2-4810891B0BFB}" sibTransId="{B00E1BFC-0273-4B20-B467-A407A4BDB414}"/>
+    <dgm:cxn modelId="{72FB20C7-D078-4EE2-8647-4F517C6FA19B}" srcId="{17C0D5E0-E19D-4194-B935-CB3F10DEA90F}" destId="{68F3559D-2183-4095-B987-CC410CD32514}" srcOrd="2" destOrd="0" parTransId="{86057B47-9150-4AAF-BFD7-4DBF3D3FA026}" sibTransId="{3053F615-BCC2-4301-B36D-5348921AFE52}"/>
+    <dgm:cxn modelId="{9A39B78A-1CD0-4E24-806D-B5CA69C9A288}" type="presOf" srcId="{68F3559D-2183-4095-B987-CC410CD32514}" destId="{9F135FDF-9291-4230-9E1C-9F92A4FC7A9C}" srcOrd="0" destOrd="0" presId="urn:microsoft.com/office/officeart/2005/8/layout/default"/>
+    <dgm:cxn modelId="{CCE79627-76D8-4809-B65B-BFB0D065E4E1}" type="presOf" srcId="{D6832CB3-AB4E-4CE2-AA3C-DA5AB066FF3D}" destId="{BEE2EAB8-C57D-4A98-A8AB-E1C87B77A6F5}" srcOrd="0" destOrd="0" presId="urn:microsoft.com/office/officeart/2005/8/layout/default"/>
+    <dgm:cxn modelId="{90FC7AA1-4934-4D2B-8C7B-1C1FE8715BEC}" srcId="{17C0D5E0-E19D-4194-B935-CB3F10DEA90F}" destId="{A6AD0612-B44F-4211-A0C7-3CD5AA5E7B4C}" srcOrd="4" destOrd="0" parTransId="{897AE4EF-7DC4-4E21-A1DD-7AE49C970353}" sibTransId="{506CA820-93A1-4198-872D-404888FA2760}"/>
+    <dgm:cxn modelId="{A226C546-CC5C-4094-8F18-A96D855CBB13}" type="presOf" srcId="{A0F38CDC-9344-43A1-A26F-A47F5B6FCBDC}" destId="{EAF0E4B3-B362-4A5A-9F2E-B1CEF5D5BFD4}" srcOrd="0" destOrd="0" presId="urn:microsoft.com/office/officeart/2005/8/layout/default"/>
+    <dgm:cxn modelId="{01C3B030-BC8B-40DA-B97D-FE7D7D2DD39E}" srcId="{17C0D5E0-E19D-4194-B935-CB3F10DEA90F}" destId="{A0F38CDC-9344-43A1-A26F-A47F5B6FCBDC}" srcOrd="3" destOrd="0" parTransId="{6B9113BE-E04C-440E-8A78-F223B5E12395}" sibTransId="{FBCB3D48-A6EA-47A1-A435-60301D8C8D18}"/>
+    <dgm:cxn modelId="{6D67DCFC-D1A2-44E0-A8B6-A749C7726315}" type="presOf" srcId="{17C0D5E0-E19D-4194-B935-CB3F10DEA90F}" destId="{EA2D227A-55D2-40A0-9DDF-AB48BCE1104B}" srcOrd="0" destOrd="0" presId="urn:microsoft.com/office/officeart/2005/8/layout/default"/>
+    <dgm:cxn modelId="{CD255D55-AFF9-484E-8C49-1FFBE74E8F2B}" type="presOf" srcId="{7FAF3D68-A581-4C6B-BC5B-9C3C108178C5}" destId="{39942797-0D34-4F94-8531-CA1BA6CF0C47}" srcOrd="0" destOrd="0" presId="urn:microsoft.com/office/officeart/2005/8/layout/default"/>
+    <dgm:cxn modelId="{6D2BE67E-D836-42DE-B3EF-2D8D8C02A35A}" type="presOf" srcId="{A6AD0612-B44F-4211-A0C7-3CD5AA5E7B4C}" destId="{369BEF8A-E838-4230-9356-27C4B6D21441}" srcOrd="0" destOrd="0" presId="urn:microsoft.com/office/officeart/2005/8/layout/default"/>
+    <dgm:cxn modelId="{D8F328A0-21DA-4DC1-BE65-72A907EB3709}" type="presParOf" srcId="{EA2D227A-55D2-40A0-9DDF-AB48BCE1104B}" destId="{BEE2EAB8-C57D-4A98-A8AB-E1C87B77A6F5}" srcOrd="0" destOrd="0" presId="urn:microsoft.com/office/officeart/2005/8/layout/default"/>
+    <dgm:cxn modelId="{4A1F7F77-F61B-477C-9698-7FE3661DB316}" type="presParOf" srcId="{EA2D227A-55D2-40A0-9DDF-AB48BCE1104B}" destId="{2110334F-D63E-4916-91A5-5C80D04C9C3D}" srcOrd="1" destOrd="0" presId="urn:microsoft.com/office/officeart/2005/8/layout/default"/>
+    <dgm:cxn modelId="{BE17CE70-D5B1-4161-BBEE-781F48923C81}" type="presParOf" srcId="{EA2D227A-55D2-40A0-9DDF-AB48BCE1104B}" destId="{39942797-0D34-4F94-8531-CA1BA6CF0C47}" srcOrd="2" destOrd="0" presId="urn:microsoft.com/office/officeart/2005/8/layout/default"/>
+    <dgm:cxn modelId="{6F35F7C1-C83A-4912-892D-12B38F3D2A12}" type="presParOf" srcId="{EA2D227A-55D2-40A0-9DDF-AB48BCE1104B}" destId="{311666D0-D467-4AF0-8232-7DD72BBA62CF}" srcOrd="3" destOrd="0" presId="urn:microsoft.com/office/officeart/2005/8/layout/default"/>
+    <dgm:cxn modelId="{18F896FC-C219-41C7-A6CE-5E562F519E30}" type="presParOf" srcId="{EA2D227A-55D2-40A0-9DDF-AB48BCE1104B}" destId="{9F135FDF-9291-4230-9E1C-9F92A4FC7A9C}" srcOrd="4" destOrd="0" presId="urn:microsoft.com/office/officeart/2005/8/layout/default"/>
+    <dgm:cxn modelId="{4BFC6709-7C47-47AA-9080-A2B2D3ED7390}" type="presParOf" srcId="{EA2D227A-55D2-40A0-9DDF-AB48BCE1104B}" destId="{4178A9D5-579B-47EB-AC05-56EA105CB9A9}" srcOrd="5" destOrd="0" presId="urn:microsoft.com/office/officeart/2005/8/layout/default"/>
+    <dgm:cxn modelId="{D7EFA02A-B907-471D-BCF1-C00E04742AAE}" type="presParOf" srcId="{EA2D227A-55D2-40A0-9DDF-AB48BCE1104B}" destId="{EAF0E4B3-B362-4A5A-9F2E-B1CEF5D5BFD4}" srcOrd="6" destOrd="0" presId="urn:microsoft.com/office/officeart/2005/8/layout/default"/>
+    <dgm:cxn modelId="{98F9C17B-537B-401F-B858-5F70133D5A17}" type="presParOf" srcId="{EA2D227A-55D2-40A0-9DDF-AB48BCE1104B}" destId="{6D2D000A-2EEE-4AB5-9AB2-0B3022732E4B}" srcOrd="7" destOrd="0" presId="urn:microsoft.com/office/officeart/2005/8/layout/default"/>
+    <dgm:cxn modelId="{464996C9-6BA4-4FEF-A04C-FDAD73E6D8F5}" type="presParOf" srcId="{EA2D227A-55D2-40A0-9DDF-AB48BCE1104B}" destId="{369BEF8A-E838-4230-9356-27C4B6D21441}" srcOrd="8" destOrd="0" presId="urn:microsoft.com/office/officeart/2005/8/layout/default"/>
+  </dgm:cxnLst>
+  <dgm:bg/>
+  <dgm:whole/>
+  <dgm:extLst>
+    <a:ext uri="http://schemas.microsoft.com/office/drawing/2008/diagram">
+      <dsp:dataModelExt xmlns:dsp="http://schemas.microsoft.com/office/drawing/2008/diagram" relId="rId6" minVer="http://schemas.openxmlformats.org/drawingml/2006/diagram"/>
+    </a:ext>
+  </dgm:extLst>
+</dgm:dataModel>
+</file>
+
+<file path=ppt/diagrams/drawing1.xml><?xml version="1.0" encoding="utf-8"?>
+<dsp:drawing xmlns:dgm="http://schemas.openxmlformats.org/drawingml/2006/diagram" xmlns:dsp="http://schemas.microsoft.com/office/drawing/2008/diagram" xmlns:a="http://schemas.openxmlformats.org/drawingml/2006/main">
+  <dsp:spTree>
+    <dsp:nvGrpSpPr>
+      <dsp:cNvPr id="0" name=""/>
+      <dsp:cNvGrpSpPr/>
+    </dsp:nvGrpSpPr>
+    <dsp:grpSpPr/>
+    <dsp:sp modelId="{BEE2EAB8-C57D-4A98-A8AB-E1C87B77A6F5}">
+      <dsp:nvSpPr>
+        <dsp:cNvPr id="0" name=""/>
+        <dsp:cNvSpPr/>
+      </dsp:nvSpPr>
+      <dsp:spPr>
+        <a:xfrm>
+          <a:off x="0" y="866576"/>
+          <a:ext cx="2543968" cy="1526381"/>
+        </a:xfrm>
+        <a:prstGeom prst="rect">
+          <a:avLst/>
+        </a:prstGeom>
+        <a:solidFill>
+          <a:schemeClr val="accent1">
+            <a:hueOff val="0"/>
+            <a:satOff val="0"/>
+            <a:lumOff val="0"/>
+            <a:alphaOff val="0"/>
+          </a:schemeClr>
+        </a:solidFill>
+        <a:ln w="12700" cap="flat" cmpd="sng" algn="ctr">
+          <a:solidFill>
+            <a:schemeClr val="lt1">
+              <a:hueOff val="0"/>
+              <a:satOff val="0"/>
+              <a:lumOff val="0"/>
+              <a:alphaOff val="0"/>
+            </a:schemeClr>
+          </a:solidFill>
+          <a:prstDash val="solid"/>
+          <a:miter lim="800000"/>
+        </a:ln>
+        <a:effectLst/>
+      </dsp:spPr>
+      <dsp:style>
+        <a:lnRef idx="2">
+          <a:scrgbClr r="0" g="0" b="0"/>
+        </a:lnRef>
+        <a:fillRef idx="1">
+          <a:scrgbClr r="0" g="0" b="0"/>
+        </a:fillRef>
+        <a:effectRef idx="0">
+          <a:scrgbClr r="0" g="0" b="0"/>
+        </a:effectRef>
+        <a:fontRef idx="minor">
+          <a:schemeClr val="lt1"/>
+        </a:fontRef>
+      </dsp:style>
+      <dsp:txBody>
+        <a:bodyPr spcFirstLastPara="0" vert="horz" wrap="square" lIns="247650" tIns="247650" rIns="247650" bIns="247650" numCol="1" spcCol="1270" anchor="ctr" anchorCtr="0">
+          <a:noAutofit/>
+        </a:bodyPr>
+        <a:lstStyle/>
+        <a:p>
+          <a:pPr lvl="0" algn="ctr" defTabSz="2889250">
+            <a:lnSpc>
+              <a:spcPct val="90000"/>
+            </a:lnSpc>
+            <a:spcBef>
+              <a:spcPct val="0"/>
+            </a:spcBef>
+            <a:spcAft>
+              <a:spcPct val="35000"/>
+            </a:spcAft>
+          </a:pPr>
+          <a:endParaRPr lang="en-US" sz="6500" kern="1200"/>
+        </a:p>
+      </dsp:txBody>
+      <dsp:txXfrm>
+        <a:off x="0" y="866576"/>
+        <a:ext cx="2543968" cy="1526381"/>
+      </dsp:txXfrm>
+    </dsp:sp>
+    <dsp:sp modelId="{39942797-0D34-4F94-8531-CA1BA6CF0C47}">
+      <dsp:nvSpPr>
+        <dsp:cNvPr id="0" name=""/>
+        <dsp:cNvSpPr/>
+      </dsp:nvSpPr>
+      <dsp:spPr>
+        <a:xfrm>
+          <a:off x="2798365" y="866576"/>
+          <a:ext cx="2543968" cy="1526381"/>
+        </a:xfrm>
+        <a:prstGeom prst="rect">
+          <a:avLst/>
+        </a:prstGeom>
+        <a:solidFill>
+          <a:schemeClr val="accent1">
+            <a:hueOff val="0"/>
+            <a:satOff val="0"/>
+            <a:lumOff val="0"/>
+            <a:alphaOff val="0"/>
+          </a:schemeClr>
+        </a:solidFill>
+        <a:ln w="12700" cap="flat" cmpd="sng" algn="ctr">
+          <a:solidFill>
+            <a:schemeClr val="lt1">
+              <a:hueOff val="0"/>
+              <a:satOff val="0"/>
+              <a:lumOff val="0"/>
+              <a:alphaOff val="0"/>
+            </a:schemeClr>
+          </a:solidFill>
+          <a:prstDash val="solid"/>
+          <a:miter lim="800000"/>
+        </a:ln>
+        <a:effectLst/>
+      </dsp:spPr>
+      <dsp:style>
+        <a:lnRef idx="2">
+          <a:scrgbClr r="0" g="0" b="0"/>
+        </a:lnRef>
+        <a:fillRef idx="1">
+          <a:scrgbClr r="0" g="0" b="0"/>
+        </a:fillRef>
+        <a:effectRef idx="0">
+          <a:scrgbClr r="0" g="0" b="0"/>
+        </a:effectRef>
+        <a:fontRef idx="minor">
+          <a:schemeClr val="lt1"/>
+        </a:fontRef>
+      </dsp:style>
+      <dsp:txBody>
+        <a:bodyPr spcFirstLastPara="0" vert="horz" wrap="square" lIns="247650" tIns="247650" rIns="247650" bIns="247650" numCol="1" spcCol="1270" anchor="ctr" anchorCtr="0">
+          <a:noAutofit/>
+        </a:bodyPr>
+        <a:lstStyle/>
+        <a:p>
+          <a:pPr lvl="0" algn="ctr" defTabSz="2889250">
+            <a:lnSpc>
+              <a:spcPct val="90000"/>
+            </a:lnSpc>
+            <a:spcBef>
+              <a:spcPct val="0"/>
+            </a:spcBef>
+            <a:spcAft>
+              <a:spcPct val="35000"/>
+            </a:spcAft>
+          </a:pPr>
+          <a:endParaRPr lang="en-US" sz="6500" kern="1200"/>
+        </a:p>
+      </dsp:txBody>
+      <dsp:txXfrm>
+        <a:off x="2798365" y="866576"/>
+        <a:ext cx="2543968" cy="1526381"/>
+      </dsp:txXfrm>
+    </dsp:sp>
+    <dsp:sp modelId="{9F135FDF-9291-4230-9E1C-9F92A4FC7A9C}">
+      <dsp:nvSpPr>
+        <dsp:cNvPr id="0" name=""/>
+        <dsp:cNvSpPr/>
+      </dsp:nvSpPr>
+      <dsp:spPr>
+        <a:xfrm>
+          <a:off x="5596731" y="866576"/>
+          <a:ext cx="2543968" cy="1526381"/>
+        </a:xfrm>
+        <a:prstGeom prst="rect">
+          <a:avLst/>
+        </a:prstGeom>
+        <a:solidFill>
+          <a:schemeClr val="accent1">
+            <a:hueOff val="0"/>
+            <a:satOff val="0"/>
+            <a:lumOff val="0"/>
+            <a:alphaOff val="0"/>
+          </a:schemeClr>
+        </a:solidFill>
+        <a:ln w="12700" cap="flat" cmpd="sng" algn="ctr">
+          <a:solidFill>
+            <a:schemeClr val="lt1">
+              <a:hueOff val="0"/>
+              <a:satOff val="0"/>
+              <a:lumOff val="0"/>
+              <a:alphaOff val="0"/>
+            </a:schemeClr>
+          </a:solidFill>
+          <a:prstDash val="solid"/>
+          <a:miter lim="800000"/>
+        </a:ln>
+        <a:effectLst/>
+      </dsp:spPr>
+      <dsp:style>
+        <a:lnRef idx="2">
+          <a:scrgbClr r="0" g="0" b="0"/>
+        </a:lnRef>
+        <a:fillRef idx="1">
+          <a:scrgbClr r="0" g="0" b="0"/>
+        </a:fillRef>
+        <a:effectRef idx="0">
+          <a:scrgbClr r="0" g="0" b="0"/>
+        </a:effectRef>
+        <a:fontRef idx="minor">
+          <a:schemeClr val="lt1"/>
+        </a:fontRef>
+      </dsp:style>
+      <dsp:txBody>
+        <a:bodyPr spcFirstLastPara="0" vert="horz" wrap="square" lIns="247650" tIns="247650" rIns="247650" bIns="247650" numCol="1" spcCol="1270" anchor="ctr" anchorCtr="0">
+          <a:noAutofit/>
+        </a:bodyPr>
+        <a:lstStyle/>
+        <a:p>
+          <a:pPr lvl="0" algn="ctr" defTabSz="2889250">
+            <a:lnSpc>
+              <a:spcPct val="90000"/>
+            </a:lnSpc>
+            <a:spcBef>
+              <a:spcPct val="0"/>
+            </a:spcBef>
+            <a:spcAft>
+              <a:spcPct val="35000"/>
+            </a:spcAft>
+          </a:pPr>
+          <a:endParaRPr lang="en-US" sz="6500" kern="1200"/>
+        </a:p>
+      </dsp:txBody>
+      <dsp:txXfrm>
+        <a:off x="5596731" y="866576"/>
+        <a:ext cx="2543968" cy="1526381"/>
+      </dsp:txXfrm>
+    </dsp:sp>
+    <dsp:sp modelId="{EAF0E4B3-B362-4A5A-9F2E-B1CEF5D5BFD4}">
+      <dsp:nvSpPr>
+        <dsp:cNvPr id="0" name=""/>
+        <dsp:cNvSpPr/>
+      </dsp:nvSpPr>
+      <dsp:spPr>
+        <a:xfrm>
+          <a:off x="1399182" y="2647354"/>
+          <a:ext cx="2543968" cy="1526381"/>
+        </a:xfrm>
+        <a:prstGeom prst="rect">
+          <a:avLst/>
+        </a:prstGeom>
+        <a:solidFill>
+          <a:schemeClr val="accent1">
+            <a:hueOff val="0"/>
+            <a:satOff val="0"/>
+            <a:lumOff val="0"/>
+            <a:alphaOff val="0"/>
+          </a:schemeClr>
+        </a:solidFill>
+        <a:ln w="12700" cap="flat" cmpd="sng" algn="ctr">
+          <a:solidFill>
+            <a:schemeClr val="lt1">
+              <a:hueOff val="0"/>
+              <a:satOff val="0"/>
+              <a:lumOff val="0"/>
+              <a:alphaOff val="0"/>
+            </a:schemeClr>
+          </a:solidFill>
+          <a:prstDash val="solid"/>
+          <a:miter lim="800000"/>
+        </a:ln>
+        <a:effectLst/>
+      </dsp:spPr>
+      <dsp:style>
+        <a:lnRef idx="2">
+          <a:scrgbClr r="0" g="0" b="0"/>
+        </a:lnRef>
+        <a:fillRef idx="1">
+          <a:scrgbClr r="0" g="0" b="0"/>
+        </a:fillRef>
+        <a:effectRef idx="0">
+          <a:scrgbClr r="0" g="0" b="0"/>
+        </a:effectRef>
+        <a:fontRef idx="minor">
+          <a:schemeClr val="lt1"/>
+        </a:fontRef>
+      </dsp:style>
+      <dsp:txBody>
+        <a:bodyPr spcFirstLastPara="0" vert="horz" wrap="square" lIns="247650" tIns="247650" rIns="247650" bIns="247650" numCol="1" spcCol="1270" anchor="ctr" anchorCtr="0">
+          <a:noAutofit/>
+        </a:bodyPr>
+        <a:lstStyle/>
+        <a:p>
+          <a:pPr lvl="0" algn="ctr" defTabSz="2889250">
+            <a:lnSpc>
+              <a:spcPct val="90000"/>
+            </a:lnSpc>
+            <a:spcBef>
+              <a:spcPct val="0"/>
+            </a:spcBef>
+            <a:spcAft>
+              <a:spcPct val="35000"/>
+            </a:spcAft>
+          </a:pPr>
+          <a:endParaRPr lang="en-US" sz="6500" kern="1200"/>
+        </a:p>
+      </dsp:txBody>
+      <dsp:txXfrm>
+        <a:off x="1399182" y="2647354"/>
+        <a:ext cx="2543968" cy="1526381"/>
+      </dsp:txXfrm>
+    </dsp:sp>
+    <dsp:sp modelId="{369BEF8A-E838-4230-9356-27C4B6D21441}">
+      <dsp:nvSpPr>
+        <dsp:cNvPr id="0" name=""/>
+        <dsp:cNvSpPr/>
+      </dsp:nvSpPr>
+      <dsp:spPr>
+        <a:xfrm>
+          <a:off x="4197548" y="2647354"/>
+          <a:ext cx="2543968" cy="1526381"/>
+        </a:xfrm>
+        <a:prstGeom prst="rect">
+          <a:avLst/>
+        </a:prstGeom>
+        <a:solidFill>
+          <a:schemeClr val="accent1">
+            <a:hueOff val="0"/>
+            <a:satOff val="0"/>
+            <a:lumOff val="0"/>
+            <a:alphaOff val="0"/>
+          </a:schemeClr>
+        </a:solidFill>
+        <a:ln w="12700" cap="flat" cmpd="sng" algn="ctr">
+          <a:solidFill>
+            <a:schemeClr val="lt1">
+              <a:hueOff val="0"/>
+              <a:satOff val="0"/>
+              <a:lumOff val="0"/>
+              <a:alphaOff val="0"/>
+            </a:schemeClr>
+          </a:solidFill>
+          <a:prstDash val="solid"/>
+          <a:miter lim="800000"/>
+        </a:ln>
+        <a:effectLst/>
+      </dsp:spPr>
+      <dsp:style>
+        <a:lnRef idx="2">
+          <a:scrgbClr r="0" g="0" b="0"/>
+        </a:lnRef>
+        <a:fillRef idx="1">
+          <a:scrgbClr r="0" g="0" b="0"/>
+        </a:fillRef>
+        <a:effectRef idx="0">
+          <a:scrgbClr r="0" g="0" b="0"/>
+        </a:effectRef>
+        <a:fontRef idx="minor">
+          <a:schemeClr val="lt1"/>
+        </a:fontRef>
+      </dsp:style>
+      <dsp:txBody>
+        <a:bodyPr spcFirstLastPara="0" vert="horz" wrap="square" lIns="247650" tIns="247650" rIns="247650" bIns="247650" numCol="1" spcCol="1270" anchor="ctr" anchorCtr="0">
+          <a:noAutofit/>
+        </a:bodyPr>
+        <a:lstStyle/>
+        <a:p>
+          <a:pPr lvl="0" algn="ctr" defTabSz="2889250">
+            <a:lnSpc>
+              <a:spcPct val="90000"/>
+            </a:lnSpc>
+            <a:spcBef>
+              <a:spcPct val="0"/>
+            </a:spcBef>
+            <a:spcAft>
+              <a:spcPct val="35000"/>
+            </a:spcAft>
+          </a:pPr>
+          <a:endParaRPr lang="en-US" sz="6500" kern="1200"/>
+        </a:p>
+      </dsp:txBody>
+      <dsp:txXfrm>
+        <a:off x="4197548" y="2647354"/>
+        <a:ext cx="2543968" cy="1526381"/>
+      </dsp:txXfrm>
+    </dsp:sp>
+  </dsp:spTree>
+</dsp:drawing>
+</file>
+
+<file path=ppt/diagrams/layout1.xml><?xml version="1.0" encoding="utf-8"?>
+<dgm:layoutDef xmlns:dgm="http://schemas.openxmlformats.org/drawingml/2006/diagram" xmlns:a="http://schemas.openxmlformats.org/drawingml/2006/main" uniqueId="urn:microsoft.com/office/officeart/2005/8/layout/default">
+  <dgm:title val=""/>
+  <dgm:desc val=""/>
+  <dgm:catLst>
+    <dgm:cat type="list" pri="400"/>
+  </dgm:catLst>
+  <dgm:sampData>
+    <dgm:dataModel>
+      <dgm:ptLst>
+        <dgm:pt modelId="0" type="doc"/>
+        <dgm:pt modelId="1">
+          <dgm:prSet phldr="1"/>
+        </dgm:pt>
+        <dgm:pt modelId="2">
+          <dgm:prSet phldr="1"/>
+        </dgm:pt>
+        <dgm:pt modelId="3">
+          <dgm:prSet phldr="1"/>
+        </dgm:pt>
+        <dgm:pt modelId="4">
+          <dgm:prSet phldr="1"/>
+        </dgm:pt>
+        <dgm:pt modelId="5">
+          <dgm:prSet phldr="1"/>
+        </dgm:pt>
+      </dgm:ptLst>
+      <dgm:cxnLst>
+        <dgm:cxn modelId="6" srcId="0" destId="1" srcOrd="0" destOrd="0"/>
+        <dgm:cxn modelId="7" srcId="0" destId="2" srcOrd="1" destOrd="0"/>
+        <dgm:cxn modelId="8" srcId="0" destId="3" srcOrd="2" destOrd="0"/>
+        <dgm:cxn modelId="9" srcId="0" destId="4" srcOrd="3" destOrd="0"/>
+        <dgm:cxn modelId="10" srcId="0" destId="5" srcOrd="4" destOrd="0"/>
+      </dgm:cxnLst>
+      <dgm:bg/>
+      <dgm:whole/>
+    </dgm:dataModel>
+  </dgm:sampData>
+  <dgm:styleData>
+    <dgm:dataModel>
+      <dgm:ptLst>
+        <dgm:pt modelId="0" type="doc"/>
+        <dgm:pt modelId="1"/>
+        <dgm:pt modelId="2"/>
+      </dgm:ptLst>
+      <dgm:cxnLst>
+        <dgm:cxn modelId="3" srcId="0" destId="1" srcOrd="0" destOrd="0"/>
+        <dgm:cxn modelId="4" srcId="0" destId="2" srcOrd="1" destOrd="0"/>
+      </dgm:cxnLst>
+      <dgm:bg/>
+      <dgm:whole/>
+    </dgm:dataModel>
+  </dgm:styleData>
+  <dgm:clrData>
+    <dgm:dataModel>
+      <dgm:ptLst>
+        <dgm:pt modelId="0" type="doc"/>
+        <dgm:pt modelId="1"/>
+        <dgm:pt modelId="2"/>
+        <dgm:pt modelId="3"/>
+        <dgm:pt modelId="4"/>
+        <dgm:pt modelId="5"/>
+        <dgm:pt modelId="6"/>
+      </dgm:ptLst>
+      <dgm:cxnLst>
+        <dgm:cxn modelId="7" srcId="0" destId="1" srcOrd="0" destOrd="0"/>
+        <dgm:cxn modelId="8" srcId="0" destId="2" srcOrd="1" destOrd="0"/>
+        <dgm:cxn modelId="9" srcId="0" destId="3" srcOrd="2" destOrd="0"/>
+        <dgm:cxn modelId="10" srcId="0" destId="4" srcOrd="3" destOrd="0"/>
+        <dgm:cxn modelId="11" srcId="0" destId="5" srcOrd="4" destOrd="0"/>
+        <dgm:cxn modelId="12" srcId="0" destId="6" srcOrd="5" destOrd="0"/>
+      </dgm:cxnLst>
+      <dgm:bg/>
+      <dgm:whole/>
+    </dgm:dataModel>
+  </dgm:clrData>
+  <dgm:layoutNode name="diagram">
+    <dgm:varLst>
+      <dgm:dir/>
+      <dgm:resizeHandles val="exact"/>
+    </dgm:varLst>
+    <dgm:choose name="Name0">
+      <dgm:if name="Name1" func="var" arg="dir" op="equ" val="norm">
+        <dgm:alg type="snake">
+          <dgm:param type="grDir" val="tL"/>
+          <dgm:param type="flowDir" val="row"/>
+          <dgm:param type="contDir" val="sameDir"/>
+          <dgm:param type="off" val="ctr"/>
+        </dgm:alg>
+      </dgm:if>
+      <dgm:else name="Name2">
+        <dgm:alg type="snake">
+          <dgm:param type="grDir" val="tR"/>
+          <dgm:param type="flowDir" val="row"/>
+          <dgm:param type="contDir" val="sameDir"/>
+          <dgm:param type="off" val="ctr"/>
+        </dgm:alg>
+      </dgm:else>
+    </dgm:choose>
+    <dgm:shape xmlns:r="http://schemas.openxmlformats.org/officeDocument/2006/relationships" r:blip="">
+      <dgm:adjLst/>
+    </dgm:shape>
+    <dgm:presOf/>
+    <dgm:constrLst>
+      <dgm:constr type="w" for="ch" forName="node" refType="w"/>
+      <dgm:constr type="h" for="ch" forName="node" refType="w" refFor="ch" refForName="node" fact="0.6"/>
+      <dgm:constr type="w" for="ch" forName="sibTrans" refType="w" refFor="ch" refForName="node" fact="0.1"/>
+      <dgm:constr type="sp" refType="w" refFor="ch" refForName="sibTrans"/>
+      <dgm:constr type="primFontSz" for="ch" forName="node" op="equ" val="65"/>
+    </dgm:constrLst>
+    <dgm:ruleLst/>
+    <dgm:forEach name="Name3" axis="ch" ptType="node">
+      <dgm:layoutNode name="node">
+        <dgm:varLst>
+          <dgm:bulletEnabled val="1"/>
+        </dgm:varLst>
+        <dgm:alg type="tx"/>
+        <dgm:shape xmlns:r="http://schemas.openxmlformats.org/officeDocument/2006/relationships" type="rect" r:blip="">
+          <dgm:adjLst/>
+        </dgm:shape>
+        <dgm:presOf axis="desOrSelf" ptType="node"/>
+        <dgm:constrLst>
+          <dgm:constr type="lMarg" refType="primFontSz" fact="0.3"/>
+          <dgm:constr type="rMarg" refType="primFontSz" fact="0.3"/>
+          <dgm:constr type="tMarg" refType="primFontSz" fact="0.3"/>
+          <dgm:constr type="bMarg" refType="primFontSz" fact="0.3"/>
+        </dgm:constrLst>
+        <dgm:ruleLst>
+          <dgm:rule type="primFontSz" val="5" fact="NaN" max="NaN"/>
+        </dgm:ruleLst>
+      </dgm:layoutNode>
+      <dgm:forEach name="Name4" axis="followSib" ptType="sibTrans" cnt="1">
+        <dgm:layoutNode name="sibTrans">
+          <dgm:alg type="sp"/>
+          <dgm:shape xmlns:r="http://schemas.openxmlformats.org/officeDocument/2006/relationships" r:blip="">
+            <dgm:adjLst/>
+          </dgm:shape>
+          <dgm:presOf/>
+          <dgm:constrLst/>
+          <dgm:ruleLst/>
+        </dgm:layoutNode>
+      </dgm:forEach>
+    </dgm:forEach>
+  </dgm:layoutNode>
+</dgm:layoutDef>
+</file>
+
+<file path=ppt/diagrams/quickStyle1.xml><?xml version="1.0" encoding="utf-8"?>
+<dgm:styleDef xmlns:dgm="http://schemas.openxmlformats.org/drawingml/2006/diagram" xmlns:a="http://schemas.openxmlformats.org/drawingml/2006/main" uniqueId="urn:microsoft.com/office/officeart/2005/8/quickstyle/simple1">
+  <dgm:title val=""/>
+  <dgm:desc val=""/>
+  <dgm:catLst>
+    <dgm:cat type="simple" pri="10100"/>
+  </dgm:catLst>
+  <dgm:scene3d>
+    <a:camera prst="orthographicFront"/>
+    <a:lightRig rig="threePt" dir="t"/>
+  </dgm:scene3d>
+  <dgm:styleLbl name="node0">
+    <dgm:scene3d>
+      <a:camera prst="orthographicFront"/>
+      <a:lightRig rig="threePt" dir="t"/>
+    </dgm:scene3d>
+    <dgm:sp3d/>
+    <dgm:txPr/>
+    <dgm:style>
+      <a:lnRef idx="2">
+        <a:scrgbClr r="0" g="0" b="0"/>
+      </a:lnRef>
+      <a:fillRef idx="1">
+        <a:scrgbClr r="0" g="0" b="0"/>
+      </a:fillRef>
+      <a:effectRef idx="0">
+        <a:scrgbClr r="0" g="0" b="0"/>
+      </a:effectRef>
+      <a:fontRef idx="minor">
+        <a:schemeClr val="lt1"/>
+      </a:fontRef>
+    </dgm:style>
+  </dgm:styleLbl>
+  <dgm:styleLbl name="lnNode1">
+    <dgm:scene3d>
+      <a:camera prst="orthographicFront"/>
+      <a:lightRig rig="threePt" dir="t"/>
+    </dgm:scene3d>
+    <dgm:sp3d/>
+    <dgm:txPr/>
+    <dgm:style>
+      <a:lnRef idx="2">
+        <a:scrgbClr r="0" g="0" b="0"/>
+      </a:lnRef>
+      <a:fillRef idx="1">
+        <a:scrgbClr r="0" g="0" b="0"/>
+      </a:fillRef>
+      <a:effectRef idx="0">
+        <a:scrgbClr r="0" g="0" b="0"/>
+      </a:effectRef>
+      <a:fontRef idx="minor">
+        <a:schemeClr val="lt1"/>
+      </a:fontRef>
+    </dgm:style>
+  </dgm:styleLbl>
+  <dgm:styleLbl name="vennNode1">
+    <dgm:scene3d>
+      <a:camera prst="orthographicFront"/>
+      <a:lightRig rig="threePt" dir="t"/>
+    </dgm:scene3d>
+    <dgm:sp3d/>
+    <dgm:txPr/>
+    <dgm:style>
+      <a:lnRef idx="2">
+        <a:scrgbClr r="0" g="0" b="0"/>
+      </a:lnRef>
+      <a:fillRef idx="1">
+        <a:scrgbClr r="0" g="0" b="0"/>
+      </a:fillRef>
+      <a:effectRef idx="0">
+        <a:scrgbClr r="0" g="0" b="0"/>
+      </a:effectRef>
+      <a:fontRef idx="minor">
+        <a:schemeClr val="tx1"/>
+      </a:fontRef>
+    </dgm:style>
+  </dgm:styleLbl>
+  <dgm:styleLbl name="alignNode1">
+    <dgm:scene3d>
+      <a:camera prst="orthographicFront"/>
+      <a:lightRig rig="threePt" dir="t"/>
+    </dgm:scene3d>
+    <dgm:sp3d/>
+    <dgm:txPr/>
+    <dgm:style>
+      <a:lnRef idx="2">
+        <a:scrgbClr r="0" g="0" b="0"/>
+      </a:lnRef>
+      <a:fillRef idx="1">
+        <a:scrgbClr r="0" g="0" b="0"/>
+      </a:fillRef>
+      <a:effectRef idx="0">
+        <a:scrgbClr r="0" g="0" b="0"/>
+      </a:effectRef>
+      <a:fontRef idx="minor">
+        <a:schemeClr val="lt1"/>
+      </a:fontRef>
+    </dgm:style>
+  </dgm:styleLbl>
+  <dgm:styleLbl name="node1">
+    <dgm:scene3d>
+      <a:camera prst="orthographicFront"/>
+      <a:lightRig rig="threePt" dir="t"/>
+    </dgm:scene3d>
+    <dgm:sp3d/>
+    <dgm:txPr/>
+    <dgm:style>
+      <a:lnRef idx="2">
+        <a:scrgbClr r="0" g="0" b="0"/>
+      </a:lnRef>
+      <a:fillRef idx="1">
+        <a:scrgbClr r="0" g="0" b="0"/>
+      </a:fillRef>
+      <a:effectRef idx="0">
+        <a:scrgbClr r="0" g="0" b="0"/>
+      </a:effectRef>
+      <a:fontRef idx="minor">
+        <a:schemeClr val="lt1"/>
+      </a:fontRef>
+    </dgm:style>
+  </dgm:styleLbl>
+  <dgm:styleLbl name="node2">
+    <dgm:scene3d>
+      <a:camera prst="orthographicFront"/>
+      <a:lightRig rig="threePt" dir="t"/>
+    </dgm:scene3d>
+    <dgm:sp3d/>
+    <dgm:txPr/>
+    <dgm:style>
+      <a:lnRef idx="2">
+        <a:scrgbClr r="0" g="0" b="0"/>
+      </a:lnRef>
+      <a:fillRef idx="1">
+        <a:scrgbClr r="0" g="0" b="0"/>
+      </a:fillRef>
+      <a:effectRef idx="0">
+        <a:scrgbClr r="0" g="0" b="0"/>
+      </a:effectRef>
+      <a:fontRef idx="minor">
+        <a:schemeClr val="lt1"/>
+      </a:fontRef>
+    </dgm:style>
+  </dgm:styleLbl>
+  <dgm:styleLbl name="node3">
+    <dgm:scene3d>
+      <a:camera prst="orthographicFront"/>
+      <a:lightRig rig="threePt" dir="t"/>
+    </dgm:scene3d>
+    <dgm:sp3d/>
+    <dgm:txPr/>
+    <dgm:style>
+      <a:lnRef idx="2">
+        <a:scrgbClr r="0" g="0" b="0"/>
+      </a:lnRef>
+      <a:fillRef idx="1">
+        <a:scrgbClr r="0" g="0" b="0"/>
+      </a:fillRef>
+      <a:effectRef idx="0">
+        <a:scrgbClr r="0" g="0" b="0"/>
+      </a:effectRef>
+      <a:fontRef idx="minor">
+        <a:schemeClr val="lt1"/>
+      </a:fontRef>
+    </dgm:style>
+  </dgm:styleLbl>
+  <dgm:styleLbl name="node4">
+    <dgm:scene3d>
+      <a:camera prst="orthographicFront"/>
+      <a:lightRig rig="threePt" dir="t"/>
+    </dgm:scene3d>
+    <dgm:sp3d/>
+    <dgm:txPr/>
+    <dgm:style>
+      <a:lnRef idx="2">
+        <a:scrgbClr r="0" g="0" b="0"/>
+      </a:lnRef>
+      <a:fillRef idx="1">
+        <a:scrgbClr r="0" g="0" b="0"/>
+      </a:fillRef>
+      <a:effectRef idx="0">
+        <a:scrgbClr r="0" g="0" b="0"/>
+      </a:effectRef>
+      <a:fontRef idx="minor">
+        <a:schemeClr val="lt1"/>
+      </a:fontRef>
+    </dgm:style>
+  </dgm:styleLbl>
+  <dgm:styleLbl name="fgImgPlace1">
+    <dgm:scene3d>
+      <a:camera prst="orthographicFront"/>
+      <a:lightRig rig="threePt" dir="t"/>
+    </dgm:scene3d>
+    <dgm:sp3d/>
+    <dgm:txPr/>
+    <dgm:style>
+      <a:lnRef idx="2">
+        <a:scrgbClr r="0" g="0" b="0"/>
+      </a:lnRef>
+      <a:fillRef idx="1">
+        <a:scrgbClr r="0" g="0" b="0"/>
+      </a:fillRef>
+      <a:effectRef idx="0">
+        <a:scrgbClr r="0" g="0" b="0"/>
+      </a:effectRef>
+      <a:fontRef idx="minor"/>
+    </dgm:style>
+  </dgm:styleLbl>
+  <dgm:styleLbl name="alignImgPlace1">
+    <dgm:scene3d>
+      <a:camera prst="orthographicFront"/>
+      <a:lightRig rig="threePt" dir="t"/>
+    </dgm:scene3d>
+    <dgm:sp3d/>
+    <dgm:txPr/>
+    <dgm:style>
+      <a:lnRef idx="2">
+        <a:scrgbClr r="0" g="0" b="0"/>
+      </a:lnRef>
+      <a:fillRef idx="1">
+        <a:scrgbClr r="0" g="0" b="0"/>
+      </a:fillRef>
+      <a:effectRef idx="0">
+        <a:scrgbClr r="0" g="0" b="0"/>
+      </a:effectRef>
+      <a:fontRef idx="minor"/>
+    </dgm:style>
+  </dgm:styleLbl>
+  <dgm:styleLbl name="bgImgPlace1">
+    <dgm:scene3d>
+      <a:camera prst="orthographicFront"/>
+      <a:lightRig rig="threePt" dir="t"/>
+    </dgm:scene3d>
+    <dgm:sp3d/>
+    <dgm:txPr/>
+    <dgm:style>
+      <a:lnRef idx="2">
+        <a:scrgbClr r="0" g="0" b="0"/>
+      </a:lnRef>
+      <a:fillRef idx="1">
+        <a:scrgbClr r="0" g="0" b="0"/>
+      </a:fillRef>
+      <a:effectRef idx="0">
+        <a:scrgbClr r="0" g="0" b="0"/>
+      </a:effectRef>
+      <a:fontRef idx="minor"/>
+    </dgm:style>
+  </dgm:styleLbl>
+  <dgm:styleLbl name="sibTrans2D1">
+    <dgm:scene3d>
+      <a:camera prst="orthographicFront"/>
+      <a:lightRig rig="threePt" dir="t"/>
+    </dgm:scene3d>
+    <dgm:sp3d/>
+    <dgm:txPr/>
+    <dgm:style>
+      <a:lnRef idx="0">
+        <a:scrgbClr r="0" g="0" b="0"/>
+      </a:lnRef>
+      <a:fillRef idx="1">
+        <a:scrgbClr r="0" g="0" b="0"/>
+      </a:fillRef>
+      <a:effectRef idx="0">
+        <a:scrgbClr r="0" g="0" b="0"/>
+      </a:effectRef>
+      <a:fontRef idx="minor">
+        <a:schemeClr val="lt1"/>
+      </a:fontRef>
+    </dgm:style>
+  </dgm:styleLbl>
+  <dgm:styleLbl name="fgSibTrans2D1">
+    <dgm:scene3d>
+      <a:camera prst="orthographicFront"/>
+      <a:lightRig rig="threePt" dir="t"/>
+    </dgm:scene3d>
+    <dgm:sp3d/>
+    <dgm:txPr/>
+    <dgm:style>
+      <a:lnRef idx="0">
+        <a:scrgbClr r="0" g="0" b="0"/>
+      </a:lnRef>
+      <a:fillRef idx="1">
+        <a:scrgbClr r="0" g="0" b="0"/>
+      </a:fillRef>
+      <a:effectRef idx="0">
+        <a:scrgbClr r="0" g="0" b="0"/>
+      </a:effectRef>
+      <a:fontRef idx="minor">
+        <a:schemeClr val="lt1"/>
+      </a:fontRef>
+    </dgm:style>
+  </dgm:styleLbl>
+  <dgm:styleLbl name="bgSibTrans2D1">
+    <dgm:scene3d>
+      <a:camera prst="orthographicFront"/>
+      <a:lightRig rig="threePt" dir="t"/>
+    </dgm:scene3d>
+    <dgm:sp3d/>
+    <dgm:txPr/>
+    <dgm:style>
+      <a:lnRef idx="0">
+        <a:scrgbClr r="0" g="0" b="0"/>
+      </a:lnRef>
+      <a:fillRef idx="1">
+        <a:scrgbClr r="0" g="0" b="0"/>
+      </a:fillRef>
+      <a:effectRef idx="0">
+        <a:scrgbClr r="0" g="0" b="0"/>
+      </a:effectRef>
+      <a:fontRef idx="minor">
+        <a:schemeClr val="lt1"/>
+      </a:fontRef>
+    </dgm:style>
+  </dgm:styleLbl>
+  <dgm:styleLbl name="sibTrans1D1">
+    <dgm:scene3d>
+      <a:camera prst="orthographicFront"/>
+      <a:lightRig rig="threePt" dir="t"/>
+    </dgm:scene3d>
+    <dgm:sp3d/>
+    <dgm:txPr/>
+    <dgm:style>
+      <a:lnRef idx="1">
+        <a:scrgbClr r="0" g="0" b="0"/>
+      </a:lnRef>
+      <a:fillRef idx="0">
+        <a:scrgbClr r="0" g="0" b="0"/>
+      </a:fillRef>
+      <a:effectRef idx="0">
+        <a:scrgbClr r="0" g="0" b="0"/>
+      </a:effectRef>
+      <a:fontRef idx="minor"/>
+    </dgm:style>
+  </dgm:styleLbl>
+  <dgm:styleLbl name="callout">
+    <dgm:scene3d>
+      <a:camera prst="orthographicFront"/>
+      <a:lightRig rig="threePt" dir="t"/>
+    </dgm:scene3d>
+    <dgm:sp3d/>
+    <dgm:txPr/>
+    <dgm:style>
+      <a:lnRef idx="2">
+        <a:scrgbClr r="0" g="0" b="0"/>
+      </a:lnRef>
+      <a:fillRef idx="1">
+        <a:scrgbClr r="0" g="0" b="0"/>
+      </a:fillRef>
+      <a:effectRef idx="0">
+        <a:scrgbClr r="0" g="0" b="0"/>
+      </a:effectRef>
+      <a:fontRef idx="minor"/>
+    </dgm:style>
+  </dgm:styleLbl>
+  <dgm:styleLbl name="asst0">
+    <dgm:scene3d>
+      <a:camera prst="orthographicFront"/>
+      <a:lightRig rig="threePt" dir="t"/>
+    </dgm:scene3d>
+    <dgm:sp3d/>
+    <dgm:txPr/>
+    <dgm:style>
+      <a:lnRef idx="2">
+        <a:scrgbClr r="0" g="0" b="0"/>
+      </a:lnRef>
+      <a:fillRef idx="1">
+        <a:scrgbClr r="0" g="0" b="0"/>
+      </a:fillRef>
+      <a:effectRef idx="0">
+        <a:scrgbClr r="0" g="0" b="0"/>
+      </a:effectRef>
+      <a:fontRef idx="minor">
+        <a:schemeClr val="lt1"/>
+      </a:fontRef>
+    </dgm:style>
+  </dgm:styleLbl>
+  <dgm:styleLbl name="asst1">
+    <dgm:scene3d>
+      <a:camera prst="orthographicFront"/>
+      <a:lightRig rig="threePt" dir="t"/>
+    </dgm:scene3d>
+    <dgm:sp3d/>
+    <dgm:txPr/>
+    <dgm:style>
+      <a:lnRef idx="2">
+        <a:scrgbClr r="0" g="0" b="0"/>
+      </a:lnRef>
+      <a:fillRef idx="1">
+        <a:scrgbClr r="0" g="0" b="0"/>
+      </a:fillRef>
+      <a:effectRef idx="0">
+        <a:scrgbClr r="0" g="0" b="0"/>
+      </a:effectRef>
+      <a:fontRef idx="minor">
+        <a:schemeClr val="lt1"/>
+      </a:fontRef>
+    </dgm:style>
+  </dgm:styleLbl>
+  <dgm:styleLbl name="asst2">
+    <dgm:scene3d>
+      <a:camera prst="orthographicFront"/>
+      <a:lightRig rig="threePt" dir="t"/>
+    </dgm:scene3d>
+    <dgm:sp3d/>
+    <dgm:txPr/>
+    <dgm:style>
+      <a:lnRef idx="2">
+        <a:scrgbClr r="0" g="0" b="0"/>
+      </a:lnRef>
+      <a:fillRef idx="1">
+        <a:scrgbClr r="0" g="0" b="0"/>
+      </a:fillRef>
+      <a:effectRef idx="0">
+        <a:scrgbClr r="0" g="0" b="0"/>
+      </a:effectRef>
+      <a:fontRef idx="minor">
+        <a:schemeClr val="lt1"/>
+      </a:fontRef>
+    </dgm:style>
+  </dgm:styleLbl>
+  <dgm:styleLbl name="asst3">
+    <dgm:scene3d>
+      <a:camera prst="orthographicFront"/>
+      <a:lightRig rig="threePt" dir="t"/>
+    </dgm:scene3d>
+    <dgm:sp3d/>
+    <dgm:txPr/>
+    <dgm:style>
+      <a:lnRef idx="2">
+        <a:scrgbClr r="0" g="0" b="0"/>
+      </a:lnRef>
+      <a:fillRef idx="1">
+        <a:scrgbClr r="0" g="0" b="0"/>
+      </a:fillRef>
+      <a:effectRef idx="0">
+        <a:scrgbClr r="0" g="0" b="0"/>
+      </a:effectRef>
+      <a:fontRef idx="minor">
+        <a:schemeClr val="lt1"/>
+      </a:fontRef>
+    </dgm:style>
+  </dgm:styleLbl>
+  <dgm:styleLbl name="asst4">
+    <dgm:scene3d>
+      <a:camera prst="orthographicFront"/>
+      <a:lightRig rig="threePt" dir="t"/>
+    </dgm:scene3d>
+    <dgm:sp3d/>
+    <dgm:txPr/>
+    <dgm:style>
+      <a:lnRef idx="2">
+        <a:scrgbClr r="0" g="0" b="0"/>
+      </a:lnRef>
+      <a:fillRef idx="1">
+        <a:scrgbClr r="0" g="0" b="0"/>
+      </a:fillRef>
+      <a:effectRef idx="0">
+        <a:scrgbClr r="0" g="0" b="0"/>
+      </a:effectRef>
+      <a:fontRef idx="minor">
+        <a:schemeClr val="lt1"/>
+      </a:fontRef>
+    </dgm:style>
+  </dgm:styleLbl>
+  <dgm:styleLbl name="parChTrans2D1">
+    <dgm:scene3d>
+      <a:camera prst="orthographicFront"/>
+      <a:lightRig rig="threePt" dir="t"/>
+    </dgm:scene3d>
+    <dgm:sp3d/>
+    <dgm:txPr/>
+    <dgm:style>
+      <a:lnRef idx="2">
+        <a:scrgbClr r="0" g="0" b="0"/>
+      </a:lnRef>
+      <a:fillRef idx="1">
+        <a:scrgbClr r="0" g="0" b="0"/>
+      </a:fillRef>
+      <a:effectRef idx="0">
+        <a:scrgbClr r="0" g="0" b="0"/>
+      </a:effectRef>
+      <a:fontRef idx="minor">
+        <a:schemeClr val="lt1"/>
+      </a:fontRef>
+    </dgm:style>
+  </dgm:styleLbl>
+  <dgm:styleLbl name="parChTrans2D2">
+    <dgm:scene3d>
+      <a:camera prst="orthographicFront"/>
+      <a:lightRig rig="threePt" dir="t"/>
+    </dgm:scene3d>
+    <dgm:sp3d/>
+    <dgm:txPr/>
+    <dgm:style>
+      <a:lnRef idx="2">
+        <a:scrgbClr r="0" g="0" b="0"/>
+      </a:lnRef>
+      <a:fillRef idx="1">
+        <a:scrgbClr r="0" g="0" b="0"/>
+      </a:fillRef>
+      <a:effectRef idx="0">
+        <a:scrgbClr r="0" g="0" b="0"/>
+      </a:effectRef>
+      <a:fontRef idx="minor">
+        <a:schemeClr val="lt1"/>
+      </a:fontRef>
+    </dgm:style>
+  </dgm:styleLbl>
+  <dgm:styleLbl name="parChTrans2D3">
+    <dgm:scene3d>
+      <a:camera prst="orthographicFront"/>
+      <a:lightRig rig="threePt" dir="t"/>
+    </dgm:scene3d>
+    <dgm:sp3d/>
+    <dgm:txPr/>
+    <dgm:style>
+      <a:lnRef idx="2">
+        <a:scrgbClr r="0" g="0" b="0"/>
+      </a:lnRef>
+      <a:fillRef idx="1">
+        <a:scrgbClr r="0" g="0" b="0"/>
+      </a:fillRef>
+      <a:effectRef idx="0">
+        <a:scrgbClr r="0" g="0" b="0"/>
+      </a:effectRef>
+      <a:fontRef idx="minor">
+        <a:schemeClr val="lt1"/>
+      </a:fontRef>
+    </dgm:style>
+  </dgm:styleLbl>
+  <dgm:styleLbl name="parChTrans2D4">
+    <dgm:scene3d>
+      <a:camera prst="orthographicFront"/>
+      <a:lightRig rig="threePt" dir="t"/>
+    </dgm:scene3d>
+    <dgm:sp3d/>
+    <dgm:txPr/>
+    <dgm:style>
+      <a:lnRef idx="2">
+        <a:scrgbClr r="0" g="0" b="0"/>
+      </a:lnRef>
+      <a:fillRef idx="1">
+        <a:scrgbClr r="0" g="0" b="0"/>
+      </a:fillRef>
+      <a:effectRef idx="0">
+        <a:scrgbClr r="0" g="0" b="0"/>
+      </a:effectRef>
+      <a:fontRef idx="minor">
+        <a:schemeClr val="lt1"/>
+      </a:fontRef>
+    </dgm:style>
+  </dgm:styleLbl>
+  <dgm:styleLbl name="parChTrans1D1">
+    <dgm:scene3d>
+      <a:camera prst="orthographicFront"/>
+      <a:lightRig rig="threePt" dir="t"/>
+    </dgm:scene3d>
+    <dgm:sp3d/>
+    <dgm:txPr/>
+    <dgm:style>
+      <a:lnRef idx="2">
+        <a:scrgbClr r="0" g="0" b="0"/>
+      </a:lnRef>
+      <a:fillRef idx="0">
+        <a:scrgbClr r="0" g="0" b="0"/>
+      </a:fillRef>
+      <a:effectRef idx="0">
+        <a:scrgbClr r="0" g="0" b="0"/>
+      </a:effectRef>
+      <a:fontRef idx="minor"/>
+    </dgm:style>
+  </dgm:styleLbl>
+  <dgm:styleLbl name="parChTrans1D2">
+    <dgm:scene3d>
+      <a:camera prst="orthographicFront"/>
+      <a:lightRig rig="threePt" dir="t"/>
+    </dgm:scene3d>
+    <dgm:sp3d/>
+    <dgm:txPr/>
+    <dgm:style>
+      <a:lnRef idx="2">
+        <a:scrgbClr r="0" g="0" b="0"/>
+      </a:lnRef>
+      <a:fillRef idx="0">
+        <a:scrgbClr r="0" g="0" b="0"/>
+      </a:fillRef>
+      <a:effectRef idx="0">
+        <a:scrgbClr r="0" g="0" b="0"/>
+      </a:effectRef>
+      <a:fontRef idx="minor"/>
+    </dgm:style>
+  </dgm:styleLbl>
+  <dgm:styleLbl name="parChTrans1D3">
+    <dgm:scene3d>
+      <a:camera prst="orthographicFront"/>
+      <a:lightRig rig="threePt" dir="t"/>
+    </dgm:scene3d>
+    <dgm:sp3d/>
+    <dgm:txPr/>
+    <dgm:style>
+      <a:lnRef idx="2">
+        <a:scrgbClr r="0" g="0" b="0"/>
+      </a:lnRef>
+      <a:fillRef idx="0">
+        <a:scrgbClr r="0" g="0" b="0"/>
+      </a:fillRef>
+      <a:effectRef idx="0">
+        <a:scrgbClr r="0" g="0" b="0"/>
+      </a:effectRef>
+      <a:fontRef idx="minor"/>
+    </dgm:style>
+  </dgm:styleLbl>
+  <dgm:styleLbl name="parChTrans1D4">
+    <dgm:scene3d>
+      <a:camera prst="orthographicFront"/>
+      <a:lightRig rig="threePt" dir="t"/>
+    </dgm:scene3d>
+    <dgm:sp3d/>
+    <dgm:txPr/>
+    <dgm:style>
+      <a:lnRef idx="2">
+        <a:scrgbClr r="0" g="0" b="0"/>
+      </a:lnRef>
+      <a:fillRef idx="0">
+        <a:scrgbClr r="0" g="0" b="0"/>
+      </a:fillRef>
+      <a:effectRef idx="0">
+        <a:scrgbClr r="0" g="0" b="0"/>
+      </a:effectRef>
+      <a:fontRef idx="minor"/>
+    </dgm:style>
+  </dgm:styleLbl>
+  <dgm:styleLbl name="fgAcc1">
+    <dgm:scene3d>
+      <a:camera prst="orthographicFront"/>
+      <a:lightRig rig="threePt" dir="t"/>
+    </dgm:scene3d>
+    <dgm:sp3d/>
+    <dgm:txPr/>
+    <dgm:style>
+      <a:lnRef idx="2">
+        <a:scrgbClr r="0" g="0" b="0"/>
+      </a:lnRef>
+      <a:fillRef idx="1">
+        <a:scrgbClr r="0" g="0" b="0"/>
+      </a:fillRef>
+      <a:effectRef idx="0">
+        <a:scrgbClr r="0" g="0" b="0"/>
+      </a:effectRef>
+      <a:fontRef idx="minor"/>
+    </dgm:style>
+  </dgm:styleLbl>
+  <dgm:styleLbl name="conFgAcc1">
+    <dgm:scene3d>
+      <a:camera prst="orthographicFront"/>
+      <a:lightRig rig="threePt" dir="t"/>
+    </dgm:scene3d>
+    <dgm:sp3d/>
+    <dgm:txPr/>
+    <dgm:style>
+      <a:lnRef idx="2">
+        <a:scrgbClr r="0" g="0" b="0"/>
+      </a:lnRef>
+      <a:fillRef idx="1">
+        <a:scrgbClr r="0" g="0" b="0"/>
+      </a:fillRef>
+      <a:effectRef idx="0">
+        <a:scrgbClr r="0" g="0" b="0"/>
+      </a:effectRef>
+      <a:fontRef idx="minor"/>
+    </dgm:style>
+  </dgm:styleLbl>
+  <dgm:styleLbl name="alignAcc1">
+    <dgm:scene3d>
+      <a:camera prst="orthographicFront"/>
+      <a:lightRig rig="threePt" dir="t"/>
+    </dgm:scene3d>
+    <dgm:sp3d/>
+    <dgm:txPr/>
+    <dgm:style>
+      <a:lnRef idx="2">
+        <a:scrgbClr r="0" g="0" b="0"/>
+      </a:lnRef>
+      <a:fillRef idx="1">
+        <a:scrgbClr r="0" g="0" b="0"/>
+      </a:fillRef>
+      <a:effectRef idx="0">
+        <a:scrgbClr r="0" g="0" b="0"/>
+      </a:effectRef>
+      <a:fontRef idx="minor"/>
+    </dgm:style>
+  </dgm:styleLbl>
+  <dgm:styleLbl name="trAlignAcc1">
+    <dgm:scene3d>
+      <a:camera prst="orthographicFront"/>
+      <a:lightRig rig="threePt" dir="t"/>
+    </dgm:scene3d>
+    <dgm:sp3d/>
+    <dgm:txPr/>
+    <dgm:style>
+      <a:lnRef idx="1">
+        <a:scrgbClr r="0" g="0" b="0"/>
+      </a:lnRef>
+      <a:fillRef idx="1">
+        <a:scrgbClr r="0" g="0" b="0"/>
+      </a:fillRef>
+      <a:effectRef idx="0">
+        <a:scrgbClr r="0" g="0" b="0"/>
+      </a:effectRef>
+      <a:fontRef idx="minor"/>
+    </dgm:style>
+  </dgm:styleLbl>
+  <dgm:styleLbl name="bgAcc1">
+    <dgm:scene3d>
+      <a:camera prst="orthographicFront"/>
+      <a:lightRig rig="threePt" dir="t"/>
+    </dgm:scene3d>
+    <dgm:sp3d/>
+    <dgm:txPr/>
+    <dgm:style>
+      <a:lnRef idx="2">
+        <a:scrgbClr r="0" g="0" b="0"/>
+      </a:lnRef>
+      <a:fillRef idx="1">
+        <a:scrgbClr r="0" g="0" b="0"/>
+      </a:fillRef>
+      <a:effectRef idx="0">
+        <a:scrgbClr r="0" g="0" b="0"/>
+      </a:effectRef>
+      <a:fontRef idx="minor"/>
+    </dgm:style>
+  </dgm:styleLbl>
+  <dgm:styleLbl name="solidFgAcc1">
+    <dgm:scene3d>
+      <a:camera prst="orthographicFront"/>
+      <a:lightRig rig="threePt" dir="t"/>
+    </dgm:scene3d>
+    <dgm:sp3d/>
+    <dgm:txPr/>
+    <dgm:style>
+      <a:lnRef idx="2">
+        <a:scrgbClr r="0" g="0" b="0"/>
+      </a:lnRef>
+      <a:fillRef idx="1">
+        <a:scrgbClr r="0" g="0" b="0"/>
+      </a:fillRef>
+      <a:effectRef idx="0">
+        <a:scrgbClr r="0" g="0" b="0"/>
+      </a:effectRef>
+      <a:fontRef idx="minor"/>
+    </dgm:style>
+  </dgm:styleLbl>
+  <dgm:styleLbl name="solidAlignAcc1">
+    <dgm:scene3d>
+      <a:camera prst="orthographicFront"/>
+      <a:lightRig rig="threePt" dir="t"/>
+    </dgm:scene3d>
+    <dgm:sp3d/>
+    <dgm:txPr/>
+    <dgm:style>
+      <a:lnRef idx="2">
+        <a:scrgbClr r="0" g="0" b="0"/>
+      </a:lnRef>
+      <a:fillRef idx="1">
+        <a:scrgbClr r="0" g="0" b="0"/>
+      </a:fillRef>
+      <a:effectRef idx="0">
+        <a:scrgbClr r="0" g="0" b="0"/>
+      </a:effectRef>
+      <a:fontRef idx="minor"/>
+    </dgm:style>
+  </dgm:styleLbl>
+  <dgm:styleLbl name="solidBgAcc1">
+    <dgm:scene3d>
+      <a:camera prst="orthographicFront"/>
+      <a:lightRig rig="threePt" dir="t"/>
+    </dgm:scene3d>
+    <dgm:sp3d/>
+    <dgm:txPr/>
+    <dgm:style>
+      <a:lnRef idx="2">
+        <a:scrgbClr r="0" g="0" b="0"/>
+      </a:lnRef>
+      <a:fillRef idx="1">
+        <a:scrgbClr r="0" g="0" b="0"/>
+      </a:fillRef>
+      <a:effectRef idx="0">
+        <a:scrgbClr r="0" g="0" b="0"/>
+      </a:effectRef>
+      <a:fontRef idx="minor"/>
+    </dgm:style>
+  </dgm:styleLbl>
+  <dgm:styleLbl name="fgAccFollowNode1">
+    <dgm:scene3d>
+      <a:camera prst="orthographicFront"/>
+      <a:lightRig rig="threePt" dir="t"/>
+    </dgm:scene3d>
+    <dgm:sp3d/>
+    <dgm:txPr/>
+    <dgm:style>
+      <a:lnRef idx="2">
+        <a:scrgbClr r="0" g="0" b="0"/>
+      </a:lnRef>
+      <a:fillRef idx="1">
+        <a:scrgbClr r="0" g="0" b="0"/>
+      </a:fillRef>
+      <a:effectRef idx="0">
+        <a:scrgbClr r="0" g="0" b="0"/>
+      </a:effectRef>
+      <a:fontRef idx="minor"/>
+    </dgm:style>
+  </dgm:styleLbl>
+  <dgm:styleLbl name="alignAccFollowNode1">
+    <dgm:scene3d>
+      <a:camera prst="orthographicFront"/>
+      <a:lightRig rig="threePt" dir="t"/>
+    </dgm:scene3d>
+    <dgm:sp3d/>
+    <dgm:txPr/>
+    <dgm:style>
+      <a:lnRef idx="2">
+        <a:scrgbClr r="0" g="0" b="0"/>
+      </a:lnRef>
+      <a:fillRef idx="1">
+        <a:scrgbClr r="0" g="0" b="0"/>
+      </a:fillRef>
+      <a:effectRef idx="0">
+        <a:scrgbClr r="0" g="0" b="0"/>
+      </a:effectRef>
+      <a:fontRef idx="minor"/>
+    </dgm:style>
+  </dgm:styleLbl>
+  <dgm:styleLbl name="bgAccFollowNode1">
+    <dgm:scene3d>
+      <a:camera prst="orthographicFront"/>
+      <a:lightRig rig="threePt" dir="t"/>
+    </dgm:scene3d>
+    <dgm:sp3d/>
+    <dgm:txPr/>
+    <dgm:style>
+      <a:lnRef idx="2">
+        <a:scrgbClr r="0" g="0" b="0"/>
+      </a:lnRef>
+      <a:fillRef idx="1">
+        <a:scrgbClr r="0" g="0" b="0"/>
+      </a:fillRef>
+      <a:effectRef idx="0">
+        <a:scrgbClr r="0" g="0" b="0"/>
+      </a:effectRef>
+      <a:fontRef idx="minor"/>
+    </dgm:style>
+  </dgm:styleLbl>
+  <dgm:styleLbl name="fgAcc0">
+    <dgm:scene3d>
+      <a:camera prst="orthographicFront"/>
+      <a:lightRig rig="threePt" dir="t"/>
+    </dgm:scene3d>
+    <dgm:sp3d/>
+    <dgm:txPr/>
+    <dgm:style>
+      <a:lnRef idx="2">
+        <a:scrgbClr r="0" g="0" b="0"/>
+      </a:lnRef>
+      <a:fillRef idx="1">
+        <a:scrgbClr r="0" g="0" b="0"/>
+      </a:fillRef>
+      <a:effectRef idx="0">
+        <a:scrgbClr r="0" g="0" b="0"/>
+      </a:effectRef>
+      <a:fontRef idx="minor"/>
+    </dgm:style>
+  </dgm:styleLbl>
+  <dgm:styleLbl name="fgAcc2">
+    <dgm:scene3d>
+      <a:camera prst="orthographicFront"/>
+      <a:lightRig rig="threePt" dir="t"/>
+    </dgm:scene3d>
+    <dgm:sp3d/>
+    <dgm:txPr/>
+    <dgm:style>
+      <a:lnRef idx="2">
+        <a:scrgbClr r="0" g="0" b="0"/>
+      </a:lnRef>
+      <a:fillRef idx="1">
+        <a:scrgbClr r="0" g="0" b="0"/>
+      </a:fillRef>
+      <a:effectRef idx="0">
+        <a:scrgbClr r="0" g="0" b="0"/>
+      </a:effectRef>
+      <a:fontRef idx="minor"/>
+    </dgm:style>
+  </dgm:styleLbl>
+  <dgm:styleLbl name="fgAcc3">
+    <dgm:scene3d>
+      <a:camera prst="orthographicFront"/>
+      <a:lightRig rig="threePt" dir="t"/>
+    </dgm:scene3d>
+    <dgm:sp3d/>
+    <dgm:txPr/>
+    <dgm:style>
+      <a:lnRef idx="2">
+        <a:scrgbClr r="0" g="0" b="0"/>
+      </a:lnRef>
+      <a:fillRef idx="1">
+        <a:scrgbClr r="0" g="0" b="0"/>
+      </a:fillRef>
+      <a:effectRef idx="0">
+        <a:scrgbClr r="0" g="0" b="0"/>
+      </a:effectRef>
+      <a:fontRef idx="minor"/>
+    </dgm:style>
+  </dgm:styleLbl>
+  <dgm:styleLbl name="fgAcc4">
+    <dgm:scene3d>
+      <a:camera prst="orthographicFront"/>
+      <a:lightRig rig="threePt" dir="t"/>
+    </dgm:scene3d>
+    <dgm:sp3d/>
+    <dgm:txPr/>
+    <dgm:style>
+      <a:lnRef idx="2">
+        <a:scrgbClr r="0" g="0" b="0"/>
+      </a:lnRef>
+      <a:fillRef idx="1">
+        <a:scrgbClr r="0" g="0" b="0"/>
+      </a:fillRef>
+      <a:effectRef idx="0">
+        <a:scrgbClr r="0" g="0" b="0"/>
+      </a:effectRef>
+      <a:fontRef idx="minor"/>
+    </dgm:style>
+  </dgm:styleLbl>
+  <dgm:styleLbl name="bgShp">
+    <dgm:scene3d>
+      <a:camera prst="orthographicFront"/>
+      <a:lightRig rig="threePt" dir="t"/>
+    </dgm:scene3d>
+    <dgm:sp3d/>
+    <dgm:txPr/>
+    <dgm:style>
+      <a:lnRef idx="0">
+        <a:scrgbClr r="0" g="0" b="0"/>
+      </a:lnRef>
+      <a:fillRef idx="1">
+        <a:scrgbClr r="0" g="0" b="0"/>
+      </a:fillRef>
+      <a:effectRef idx="0">
+        <a:scrgbClr r="0" g="0" b="0"/>
+      </a:effectRef>
+      <a:fontRef idx="minor"/>
+    </dgm:style>
+  </dgm:styleLbl>
+  <dgm:styleLbl name="dkBgShp">
+    <dgm:scene3d>
+      <a:camera prst="orthographicFront"/>
+      <a:lightRig rig="threePt" dir="t"/>
+    </dgm:scene3d>
+    <dgm:sp3d/>
+    <dgm:txPr/>
+    <dgm:style>
+      <a:lnRef idx="0">
+        <a:scrgbClr r="0" g="0" b="0"/>
+      </a:lnRef>
+      <a:fillRef idx="1">
+        <a:scrgbClr r="0" g="0" b="0"/>
+      </a:fillRef>
+      <a:effectRef idx="0">
+        <a:scrgbClr r="0" g="0" b="0"/>
+      </a:effectRef>
+      <a:fontRef idx="minor"/>
+    </dgm:style>
+  </dgm:styleLbl>
+  <dgm:styleLbl name="trBgShp">
+    <dgm:scene3d>
+      <a:camera prst="orthographicFront"/>
+      <a:lightRig rig="threePt" dir="t"/>
+    </dgm:scene3d>
+    <dgm:sp3d/>
+    <dgm:txPr/>
+    <dgm:style>
+      <a:lnRef idx="0">
+        <a:scrgbClr r="0" g="0" b="0"/>
+      </a:lnRef>
+      <a:fillRef idx="1">
+        <a:scrgbClr r="0" g="0" b="0"/>
+      </a:fillRef>
+      <a:effectRef idx="0">
+        <a:scrgbClr r="0" g="0" b="0"/>
+      </a:effectRef>
+      <a:fontRef idx="minor"/>
+    </dgm:style>
+  </dgm:styleLbl>
+  <dgm:styleLbl name="fgShp">
+    <dgm:scene3d>
+      <a:camera prst="orthographicFront"/>
+      <a:lightRig rig="threePt" dir="t"/>
+    </dgm:scene3d>
+    <dgm:sp3d/>
+    <dgm:txPr/>
+    <dgm:style>
+      <a:lnRef idx="2">
+        <a:scrgbClr r="0" g="0" b="0"/>
+      </a:lnRef>
+      <a:fillRef idx="1">
+        <a:scrgbClr r="0" g="0" b="0"/>
+      </a:fillRef>
+      <a:effectRef idx="0">
+        <a:scrgbClr r="0" g="0" b="0"/>
+      </a:effectRef>
+      <a:fontRef idx="minor"/>
+    </dgm:style>
+  </dgm:styleLbl>
+  <dgm:styleLbl name="revTx">
+    <dgm:scene3d>
+      <a:camera prst="orthographicFront"/>
+      <a:lightRig rig="threePt" dir="t"/>
+    </dgm:scene3d>
+    <dgm:sp3d/>
+    <dgm:txPr/>
+    <dgm:style>
+      <a:lnRef idx="0">
+        <a:scrgbClr r="0" g="0" b="0"/>
+      </a:lnRef>
+      <a:fillRef idx="0">
+        <a:scrgbClr r="0" g="0" b="0"/>
+      </a:fillRef>
+      <a:effectRef idx="0">
+        <a:scrgbClr r="0" g="0" b="0"/>
+      </a:effectRef>
+      <a:fontRef idx="minor"/>
+    </dgm:style>
+  </dgm:styleLbl>
+</dgm:styleDef>
+</file>
+
 <file path=ppt/handoutMasters/handoutMaster1.xml><?xml version="1.0" encoding="utf-8"?>
 <p:handoutMaster xmlns:a="http://schemas.openxmlformats.org/drawingml/2006/main" xmlns:r="http://schemas.openxmlformats.org/officeDocument/2006/relationships" xmlns:p="http://schemas.openxmlformats.org/presentationml/2006/main">
   <p:cSld>
@@ -325,7 +2945,7 @@
           <a:p>
             <a:fld id="{591856B5-DBB9-4441-88DE-CB517EB5316D}" type="datetimeFigureOut">
               <a:rPr lang="en-US" smtClean="0"/>
-              <a:t>3/6/2016</a:t>
+              <a:t>3/11/2016</a:t>
             </a:fld>
             <a:endParaRPr lang="en-US"/>
           </a:p>
@@ -490,7 +3110,7 @@
           <a:p>
             <a:fld id="{9ACC0006-E0DB-4AAE-A8B5-E047F04D786F}" type="datetimeFigureOut">
               <a:rPr lang="de-DE" smtClean="0"/>
-              <a:t>06.03.2016</a:t>
+              <a:t>11.03.2016</a:t>
             </a:fld>
             <a:endParaRPr lang="de-DE"/>
           </a:p>
@@ -1112,7 +3732,7 @@
   </p:timing>
   <p:extLst mod="1">
     <p:ext uri="{DCECCB84-F9BA-43D5-87BE-67443E8EF086}">
-      <p15:sldGuideLst xmlns="" xmlns:p15="http://schemas.microsoft.com/office/powerpoint/2012/main">
+      <p15:sldGuideLst xmlns:p15="http://schemas.microsoft.com/office/powerpoint/2012/main" xmlns="">
         <p15:guide id="1" pos="385">
           <p15:clr>
             <a:srgbClr val="FBAE40"/>
@@ -1445,7 +4065,7 @@
   </p:timing>
   <p:extLst mod="1">
     <p:ext uri="{DCECCB84-F9BA-43D5-87BE-67443E8EF086}">
-      <p15:sldGuideLst xmlns="" xmlns:p15="http://schemas.microsoft.com/office/powerpoint/2012/main">
+      <p15:sldGuideLst xmlns:p15="http://schemas.microsoft.com/office/powerpoint/2012/main" xmlns="">
         <p15:guide id="1" pos="340">
           <p15:clr>
             <a:srgbClr val="FBAE40"/>
@@ -1826,7 +4446,7 @@
   </p:timing>
   <p:extLst mod="1">
     <p:ext uri="{DCECCB84-F9BA-43D5-87BE-67443E8EF086}">
-      <p15:sldGuideLst xmlns="" xmlns:p15="http://schemas.microsoft.com/office/powerpoint/2012/main">
+      <p15:sldGuideLst xmlns:p15="http://schemas.microsoft.com/office/powerpoint/2012/main" xmlns="">
         <p15:guide id="1" pos="340">
           <p15:clr>
             <a:srgbClr val="FBAE40"/>
@@ -2288,7 +4908,7 @@
   </p:timing>
   <p:extLst mod="1">
     <p:ext uri="{DCECCB84-F9BA-43D5-87BE-67443E8EF086}">
-      <p15:sldGuideLst xmlns="" xmlns:p15="http://schemas.microsoft.com/office/powerpoint/2012/main">
+      <p15:sldGuideLst xmlns:p15="http://schemas.microsoft.com/office/powerpoint/2012/main" xmlns="">
         <p15:guide id="1" pos="340">
           <p15:clr>
             <a:srgbClr val="FBAE40"/>
@@ -5156,7 +7776,7 @@
   </p:timing>
   <p:extLst mod="1">
     <p:ext uri="{DCECCB84-F9BA-43D5-87BE-67443E8EF086}">
-      <p15:sldGuideLst xmlns="" xmlns:p15="http://schemas.microsoft.com/office/powerpoint/2012/main">
+      <p15:sldGuideLst xmlns:p15="http://schemas.microsoft.com/office/powerpoint/2012/main" xmlns="">
         <p15:guide id="1" pos="385">
           <p15:clr>
             <a:srgbClr val="FBAE40"/>
@@ -10173,7 +12793,7 @@
   </p:timing>
   <p:extLst mod="1">
     <p:ext uri="{DCECCB84-F9BA-43D5-87BE-67443E8EF086}">
-      <p15:sldGuideLst xmlns="" xmlns:p15="http://schemas.microsoft.com/office/powerpoint/2012/main">
+      <p15:sldGuideLst xmlns:p15="http://schemas.microsoft.com/office/powerpoint/2012/main" xmlns="">
         <p15:guide id="1" pos="385">
           <p15:clr>
             <a:srgbClr val="FBAE40"/>
@@ -16063,7 +18683,7 @@
   </p:timing>
   <p:extLst mod="1">
     <p:ext uri="{DCECCB84-F9BA-43D5-87BE-67443E8EF086}">
-      <p15:sldGuideLst xmlns="" xmlns:p15="http://schemas.microsoft.com/office/powerpoint/2012/main">
+      <p15:sldGuideLst xmlns:p15="http://schemas.microsoft.com/office/powerpoint/2012/main" xmlns="">
         <p15:guide id="1" pos="340">
           <p15:clr>
             <a:srgbClr val="FBAE40"/>
@@ -23564,7 +26184,7 @@
   </p:timing>
   <p:extLst mod="1">
     <p:ext uri="{DCECCB84-F9BA-43D5-87BE-67443E8EF086}">
-      <p15:sldGuideLst xmlns="" xmlns:p15="http://schemas.microsoft.com/office/powerpoint/2012/main">
+      <p15:sldGuideLst xmlns:p15="http://schemas.microsoft.com/office/powerpoint/2012/main" xmlns="">
         <p15:guide id="1" pos="340">
           <p15:clr>
             <a:srgbClr val="FBAE40"/>
@@ -36534,7 +39154,7 @@
   </p:timing>
   <p:extLst mod="1">
     <p:ext uri="{DCECCB84-F9BA-43D5-87BE-67443E8EF086}">
-      <p15:sldGuideLst xmlns="" xmlns:p15="http://schemas.microsoft.com/office/powerpoint/2012/main">
+      <p15:sldGuideLst xmlns:p15="http://schemas.microsoft.com/office/powerpoint/2012/main" xmlns="">
         <p15:guide id="1" pos="340">
           <p15:clr>
             <a:srgbClr val="FBAE40"/>
@@ -37001,7 +39621,7 @@
   </p:timing>
   <p:extLst mod="1">
     <p:ext uri="{DCECCB84-F9BA-43D5-87BE-67443E8EF086}">
-      <p15:sldGuideLst xmlns="" xmlns:p15="http://schemas.microsoft.com/office/powerpoint/2012/main">
+      <p15:sldGuideLst xmlns:p15="http://schemas.microsoft.com/office/powerpoint/2012/main" xmlns="">
         <p15:guide id="1" pos="340">
           <p15:clr>
             <a:srgbClr val="FBAE40"/>
@@ -37263,7 +39883,7 @@
   </p:timing>
   <p:extLst mod="1">
     <p:ext uri="{DCECCB84-F9BA-43D5-87BE-67443E8EF086}">
-      <p15:sldGuideLst xmlns="" xmlns:p15="http://schemas.microsoft.com/office/powerpoint/2012/main">
+      <p15:sldGuideLst xmlns:p15="http://schemas.microsoft.com/office/powerpoint/2012/main" xmlns="">
         <p15:guide id="1" pos="340">
           <p15:clr>
             <a:srgbClr val="FBAE40"/>
@@ -37606,7 +40226,7 @@
   </p:timing>
   <p:extLst mod="1">
     <p:ext uri="{DCECCB84-F9BA-43D5-87BE-67443E8EF086}">
-      <p15:sldGuideLst xmlns="" xmlns:p15="http://schemas.microsoft.com/office/powerpoint/2012/main">
+      <p15:sldGuideLst xmlns:p15="http://schemas.microsoft.com/office/powerpoint/2012/main" xmlns="">
         <p15:guide id="1" pos="340">
           <p15:clr>
             <a:srgbClr val="FBAE40"/>
@@ -38122,7 +40742,7 @@
   </p:txStyles>
   <p:extLst mod="1">
     <p:ext uri="{27BBF7A9-308A-43DC-89C8-2F10F3537804}">
-      <p15:sldGuideLst xmlns="" xmlns:p15="http://schemas.microsoft.com/office/powerpoint/2012/main">
+      <p15:sldGuideLst xmlns:p15="http://schemas.microsoft.com/office/powerpoint/2012/main" xmlns="">
         <p15:guide id="1" pos="385">
           <p15:clr>
             <a:srgbClr val="F26B43"/>
@@ -39668,919 +42288,6 @@
 </p:sld>
 </file>
 
-<file path=ppt/slides/slide10.xml><?xml version="1.0" encoding="utf-8"?>
-<p:sld xmlns:a="http://schemas.openxmlformats.org/drawingml/2006/main" xmlns:r="http://schemas.openxmlformats.org/officeDocument/2006/relationships" xmlns:p="http://schemas.openxmlformats.org/presentationml/2006/main">
-  <p:cSld>
-    <p:spTree>
-      <p:nvGrpSpPr>
-        <p:cNvPr id="1" name=""/>
-        <p:cNvGrpSpPr/>
-        <p:nvPr/>
-      </p:nvGrpSpPr>
-      <p:grpSpPr>
-        <a:xfrm>
-          <a:off x="0" y="0"/>
-          <a:ext cx="0" cy="0"/>
-          <a:chOff x="0" y="0"/>
-          <a:chExt cx="0" cy="0"/>
-        </a:xfrm>
-      </p:grpSpPr>
-      <p:sp>
-        <p:nvSpPr>
-          <p:cNvPr id="2" name="Titel 1"/>
-          <p:cNvSpPr>
-            <a:spLocks noGrp="1"/>
-          </p:cNvSpPr>
-          <p:nvPr>
-            <p:ph type="title"/>
-          </p:nvPr>
-        </p:nvSpPr>
-        <p:spPr/>
-        <p:txBody>
-          <a:bodyPr/>
-          <a:lstStyle/>
-          <a:p>
-            <a:r>
-              <a:rPr lang="en-US" dirty="0" smtClean="0"/>
-              <a:t>Architecture – front-end</a:t>
-            </a:r>
-            <a:endParaRPr lang="en-US" dirty="0"/>
-          </a:p>
-        </p:txBody>
-      </p:sp>
-      <p:sp>
-        <p:nvSpPr>
-          <p:cNvPr id="3" name="Untertitel 2"/>
-          <p:cNvSpPr>
-            <a:spLocks noGrp="1"/>
-          </p:cNvSpPr>
-          <p:nvPr>
-            <p:ph type="subTitle" idx="1"/>
-          </p:nvPr>
-        </p:nvSpPr>
-        <p:spPr/>
-        <p:txBody>
-          <a:bodyPr/>
-          <a:lstStyle/>
-          <a:p>
-            <a:endParaRPr lang="en-US"/>
-          </a:p>
-        </p:txBody>
-      </p:sp>
-      <p:sp>
-        <p:nvSpPr>
-          <p:cNvPr id="4" name="Textplatzhalter 3"/>
-          <p:cNvSpPr>
-            <a:spLocks noGrp="1"/>
-          </p:cNvSpPr>
-          <p:nvPr>
-            <p:ph type="body" sz="quarter" idx="13"/>
-          </p:nvPr>
-        </p:nvSpPr>
-        <p:spPr/>
-        <p:txBody>
-          <a:bodyPr/>
-          <a:lstStyle/>
-          <a:p>
-            <a:endParaRPr lang="en-US"/>
-          </a:p>
-        </p:txBody>
-      </p:sp>
-      <p:sp>
-        <p:nvSpPr>
-          <p:cNvPr id="5" name="Textplatzhalter 4"/>
-          <p:cNvSpPr>
-            <a:spLocks noGrp="1"/>
-          </p:cNvSpPr>
-          <p:nvPr>
-            <p:ph type="body" sz="quarter" idx="14"/>
-          </p:nvPr>
-        </p:nvSpPr>
-        <p:spPr/>
-        <p:txBody>
-          <a:bodyPr/>
-          <a:lstStyle/>
-          <a:p>
-            <a:endParaRPr lang="en-US"/>
-          </a:p>
-        </p:txBody>
-      </p:sp>
-    </p:spTree>
-    <p:extLst>
-      <p:ext uri="{BB962C8B-B14F-4D97-AF65-F5344CB8AC3E}">
-        <p14:creationId xmlns:p14="http://schemas.microsoft.com/office/powerpoint/2010/main" val="1546084730"/>
-      </p:ext>
-    </p:extLst>
-  </p:cSld>
-  <p:clrMapOvr>
-    <a:masterClrMapping/>
-  </p:clrMapOvr>
-  <p:timing>
-    <p:tnLst>
-      <p:par>
-        <p:cTn id="1" dur="indefinite" restart="never" nodeType="tmRoot"/>
-      </p:par>
-    </p:tnLst>
-  </p:timing>
-</p:sld>
-</file>
-
-<file path=ppt/slides/slide11.xml><?xml version="1.0" encoding="utf-8"?>
-<p:sld xmlns:a="http://schemas.openxmlformats.org/drawingml/2006/main" xmlns:r="http://schemas.openxmlformats.org/officeDocument/2006/relationships" xmlns:p="http://schemas.openxmlformats.org/presentationml/2006/main">
-  <p:cSld>
-    <p:spTree>
-      <p:nvGrpSpPr>
-        <p:cNvPr id="1" name=""/>
-        <p:cNvGrpSpPr/>
-        <p:nvPr/>
-      </p:nvGrpSpPr>
-      <p:grpSpPr>
-        <a:xfrm>
-          <a:off x="0" y="0"/>
-          <a:ext cx="0" cy="0"/>
-          <a:chOff x="0" y="0"/>
-          <a:chExt cx="0" cy="0"/>
-        </a:xfrm>
-      </p:grpSpPr>
-      <p:sp>
-        <p:nvSpPr>
-          <p:cNvPr id="2" name="Titel 1"/>
-          <p:cNvSpPr>
-            <a:spLocks noGrp="1"/>
-          </p:cNvSpPr>
-          <p:nvPr>
-            <p:ph type="title"/>
-          </p:nvPr>
-        </p:nvSpPr>
-        <p:spPr/>
-        <p:txBody>
-          <a:bodyPr/>
-          <a:lstStyle/>
-          <a:p>
-            <a:r>
-              <a:rPr lang="en-US" dirty="0" smtClean="0"/>
-              <a:t>Performance and scalability</a:t>
-            </a:r>
-            <a:endParaRPr lang="en-US" dirty="0"/>
-          </a:p>
-        </p:txBody>
-      </p:sp>
-      <p:sp>
-        <p:nvSpPr>
-          <p:cNvPr id="3" name="Untertitel 2"/>
-          <p:cNvSpPr>
-            <a:spLocks noGrp="1"/>
-          </p:cNvSpPr>
-          <p:nvPr>
-            <p:ph type="subTitle" idx="1"/>
-          </p:nvPr>
-        </p:nvSpPr>
-        <p:spPr/>
-        <p:txBody>
-          <a:bodyPr/>
-          <a:lstStyle/>
-          <a:p>
-            <a:endParaRPr lang="en-US"/>
-          </a:p>
-        </p:txBody>
-      </p:sp>
-      <p:sp>
-        <p:nvSpPr>
-          <p:cNvPr id="4" name="Textplatzhalter 3"/>
-          <p:cNvSpPr>
-            <a:spLocks noGrp="1"/>
-          </p:cNvSpPr>
-          <p:nvPr>
-            <p:ph type="body" sz="quarter" idx="13"/>
-          </p:nvPr>
-        </p:nvSpPr>
-        <p:spPr/>
-        <p:txBody>
-          <a:bodyPr/>
-          <a:lstStyle/>
-          <a:p>
-            <a:endParaRPr lang="en-US"/>
-          </a:p>
-        </p:txBody>
-      </p:sp>
-      <p:sp>
-        <p:nvSpPr>
-          <p:cNvPr id="5" name="Textplatzhalter 4"/>
-          <p:cNvSpPr>
-            <a:spLocks noGrp="1"/>
-          </p:cNvSpPr>
-          <p:nvPr>
-            <p:ph type="body" sz="quarter" idx="14"/>
-          </p:nvPr>
-        </p:nvSpPr>
-        <p:spPr/>
-        <p:txBody>
-          <a:bodyPr/>
-          <a:lstStyle/>
-          <a:p>
-            <a:endParaRPr lang="en-US"/>
-          </a:p>
-        </p:txBody>
-      </p:sp>
-    </p:spTree>
-    <p:extLst>
-      <p:ext uri="{BB962C8B-B14F-4D97-AF65-F5344CB8AC3E}">
-        <p14:creationId xmlns:p14="http://schemas.microsoft.com/office/powerpoint/2010/main" val="1857351706"/>
-      </p:ext>
-    </p:extLst>
-  </p:cSld>
-  <p:clrMapOvr>
-    <a:masterClrMapping/>
-  </p:clrMapOvr>
-  <p:timing>
-    <p:tnLst>
-      <p:par>
-        <p:cTn id="1" dur="indefinite" restart="never" nodeType="tmRoot"/>
-      </p:par>
-    </p:tnLst>
-  </p:timing>
-</p:sld>
-</file>
-
-<file path=ppt/slides/slide12.xml><?xml version="1.0" encoding="utf-8"?>
-<p:sld xmlns:a="http://schemas.openxmlformats.org/drawingml/2006/main" xmlns:r="http://schemas.openxmlformats.org/officeDocument/2006/relationships" xmlns:p="http://schemas.openxmlformats.org/presentationml/2006/main">
-  <p:cSld>
-    <p:spTree>
-      <p:nvGrpSpPr>
-        <p:cNvPr id="1" name=""/>
-        <p:cNvGrpSpPr/>
-        <p:nvPr/>
-      </p:nvGrpSpPr>
-      <p:grpSpPr>
-        <a:xfrm>
-          <a:off x="0" y="0"/>
-          <a:ext cx="0" cy="0"/>
-          <a:chOff x="0" y="0"/>
-          <a:chExt cx="0" cy="0"/>
-        </a:xfrm>
-      </p:grpSpPr>
-      <p:sp>
-        <p:nvSpPr>
-          <p:cNvPr id="2" name="Titel 1"/>
-          <p:cNvSpPr>
-            <a:spLocks noGrp="1"/>
-          </p:cNvSpPr>
-          <p:nvPr>
-            <p:ph type="title"/>
-          </p:nvPr>
-        </p:nvSpPr>
-        <p:spPr/>
-        <p:txBody>
-          <a:bodyPr/>
-          <a:lstStyle/>
-          <a:p>
-            <a:r>
-              <a:rPr lang="en-US" dirty="0" smtClean="0"/>
-              <a:t>Security</a:t>
-            </a:r>
-            <a:endParaRPr lang="en-US" dirty="0"/>
-          </a:p>
-        </p:txBody>
-      </p:sp>
-      <p:sp>
-        <p:nvSpPr>
-          <p:cNvPr id="3" name="Untertitel 2"/>
-          <p:cNvSpPr>
-            <a:spLocks noGrp="1"/>
-          </p:cNvSpPr>
-          <p:nvPr>
-            <p:ph type="subTitle" idx="1"/>
-          </p:nvPr>
-        </p:nvSpPr>
-        <p:spPr/>
-        <p:txBody>
-          <a:bodyPr/>
-          <a:lstStyle/>
-          <a:p>
-            <a:endParaRPr lang="en-US"/>
-          </a:p>
-        </p:txBody>
-      </p:sp>
-      <p:sp>
-        <p:nvSpPr>
-          <p:cNvPr id="4" name="Textplatzhalter 3"/>
-          <p:cNvSpPr>
-            <a:spLocks noGrp="1"/>
-          </p:cNvSpPr>
-          <p:nvPr>
-            <p:ph type="body" sz="quarter" idx="13"/>
-          </p:nvPr>
-        </p:nvSpPr>
-        <p:spPr/>
-        <p:txBody>
-          <a:bodyPr/>
-          <a:lstStyle/>
-          <a:p>
-            <a:endParaRPr lang="en-US"/>
-          </a:p>
-        </p:txBody>
-      </p:sp>
-      <p:sp>
-        <p:nvSpPr>
-          <p:cNvPr id="5" name="Textplatzhalter 4"/>
-          <p:cNvSpPr>
-            <a:spLocks noGrp="1"/>
-          </p:cNvSpPr>
-          <p:nvPr>
-            <p:ph type="body" sz="quarter" idx="14"/>
-          </p:nvPr>
-        </p:nvSpPr>
-        <p:spPr/>
-        <p:txBody>
-          <a:bodyPr/>
-          <a:lstStyle/>
-          <a:p>
-            <a:endParaRPr lang="en-US"/>
-          </a:p>
-        </p:txBody>
-      </p:sp>
-    </p:spTree>
-    <p:extLst>
-      <p:ext uri="{BB962C8B-B14F-4D97-AF65-F5344CB8AC3E}">
-        <p14:creationId xmlns:p14="http://schemas.microsoft.com/office/powerpoint/2010/main" val="2015300029"/>
-      </p:ext>
-    </p:extLst>
-  </p:cSld>
-  <p:clrMapOvr>
-    <a:masterClrMapping/>
-  </p:clrMapOvr>
-  <p:timing>
-    <p:tnLst>
-      <p:par>
-        <p:cTn id="1" dur="indefinite" restart="never" nodeType="tmRoot"/>
-      </p:par>
-    </p:tnLst>
-  </p:timing>
-</p:sld>
-</file>
-
-<file path=ppt/slides/slide13.xml><?xml version="1.0" encoding="utf-8"?>
-<p:sld xmlns:a="http://schemas.openxmlformats.org/drawingml/2006/main" xmlns:r="http://schemas.openxmlformats.org/officeDocument/2006/relationships" xmlns:p="http://schemas.openxmlformats.org/presentationml/2006/main">
-  <p:cSld>
-    <p:spTree>
-      <p:nvGrpSpPr>
-        <p:cNvPr id="1" name=""/>
-        <p:cNvGrpSpPr/>
-        <p:nvPr/>
-      </p:nvGrpSpPr>
-      <p:grpSpPr>
-        <a:xfrm>
-          <a:off x="0" y="0"/>
-          <a:ext cx="0" cy="0"/>
-          <a:chOff x="0" y="0"/>
-          <a:chExt cx="0" cy="0"/>
-        </a:xfrm>
-      </p:grpSpPr>
-      <p:sp>
-        <p:nvSpPr>
-          <p:cNvPr id="2" name="Titel 1"/>
-          <p:cNvSpPr>
-            <a:spLocks noGrp="1"/>
-          </p:cNvSpPr>
-          <p:nvPr>
-            <p:ph type="title"/>
-          </p:nvPr>
-        </p:nvSpPr>
-        <p:spPr/>
-        <p:txBody>
-          <a:bodyPr/>
-          <a:lstStyle/>
-          <a:p>
-            <a:r>
-              <a:rPr lang="en-US" dirty="0" smtClean="0"/>
-              <a:t>Quality</a:t>
-            </a:r>
-            <a:endParaRPr lang="en-US" dirty="0"/>
-          </a:p>
-        </p:txBody>
-      </p:sp>
-      <p:sp>
-        <p:nvSpPr>
-          <p:cNvPr id="3" name="Untertitel 2"/>
-          <p:cNvSpPr>
-            <a:spLocks noGrp="1"/>
-          </p:cNvSpPr>
-          <p:nvPr>
-            <p:ph type="subTitle" idx="1"/>
-          </p:nvPr>
-        </p:nvSpPr>
-        <p:spPr/>
-        <p:txBody>
-          <a:bodyPr/>
-          <a:lstStyle/>
-          <a:p>
-            <a:endParaRPr lang="en-US"/>
-          </a:p>
-        </p:txBody>
-      </p:sp>
-      <p:sp>
-        <p:nvSpPr>
-          <p:cNvPr id="4" name="Textplatzhalter 3"/>
-          <p:cNvSpPr>
-            <a:spLocks noGrp="1"/>
-          </p:cNvSpPr>
-          <p:nvPr>
-            <p:ph type="body" sz="quarter" idx="13"/>
-          </p:nvPr>
-        </p:nvSpPr>
-        <p:spPr/>
-        <p:txBody>
-          <a:bodyPr/>
-          <a:lstStyle/>
-          <a:p>
-            <a:endParaRPr lang="en-US"/>
-          </a:p>
-        </p:txBody>
-      </p:sp>
-      <p:sp>
-        <p:nvSpPr>
-          <p:cNvPr id="5" name="Textplatzhalter 4"/>
-          <p:cNvSpPr>
-            <a:spLocks noGrp="1"/>
-          </p:cNvSpPr>
-          <p:nvPr>
-            <p:ph type="body" sz="quarter" idx="14"/>
-          </p:nvPr>
-        </p:nvSpPr>
-        <p:spPr/>
-        <p:txBody>
-          <a:bodyPr/>
-          <a:lstStyle/>
-          <a:p>
-            <a:endParaRPr lang="en-US"/>
-          </a:p>
-        </p:txBody>
-      </p:sp>
-    </p:spTree>
-    <p:extLst>
-      <p:ext uri="{BB962C8B-B14F-4D97-AF65-F5344CB8AC3E}">
-        <p14:creationId xmlns:p14="http://schemas.microsoft.com/office/powerpoint/2010/main" val="4144335553"/>
-      </p:ext>
-    </p:extLst>
-  </p:cSld>
-  <p:clrMapOvr>
-    <a:masterClrMapping/>
-  </p:clrMapOvr>
-  <p:timing>
-    <p:tnLst>
-      <p:par>
-        <p:cTn id="1" dur="indefinite" restart="never" nodeType="tmRoot"/>
-      </p:par>
-    </p:tnLst>
-  </p:timing>
-</p:sld>
-</file>
-
-<file path=ppt/slides/slide14.xml><?xml version="1.0" encoding="utf-8"?>
-<p:sld xmlns:a="http://schemas.openxmlformats.org/drawingml/2006/main" xmlns:r="http://schemas.openxmlformats.org/officeDocument/2006/relationships" xmlns:p="http://schemas.openxmlformats.org/presentationml/2006/main">
-  <p:cSld>
-    <p:spTree>
-      <p:nvGrpSpPr>
-        <p:cNvPr id="1" name=""/>
-        <p:cNvGrpSpPr/>
-        <p:nvPr/>
-      </p:nvGrpSpPr>
-      <p:grpSpPr>
-        <a:xfrm>
-          <a:off x="0" y="0"/>
-          <a:ext cx="0" cy="0"/>
-          <a:chOff x="0" y="0"/>
-          <a:chExt cx="0" cy="0"/>
-        </a:xfrm>
-      </p:grpSpPr>
-      <p:sp>
-        <p:nvSpPr>
-          <p:cNvPr id="2" name="Titel 1"/>
-          <p:cNvSpPr>
-            <a:spLocks noGrp="1"/>
-          </p:cNvSpPr>
-          <p:nvPr>
-            <p:ph type="title"/>
-          </p:nvPr>
-        </p:nvSpPr>
-        <p:spPr/>
-        <p:txBody>
-          <a:bodyPr/>
-          <a:lstStyle/>
-          <a:p>
-            <a:r>
-              <a:rPr lang="en-US" dirty="0" smtClean="0"/>
-              <a:t>Release management</a:t>
-            </a:r>
-            <a:endParaRPr lang="en-US" dirty="0"/>
-          </a:p>
-        </p:txBody>
-      </p:sp>
-      <p:sp>
-        <p:nvSpPr>
-          <p:cNvPr id="3" name="Untertitel 2"/>
-          <p:cNvSpPr>
-            <a:spLocks noGrp="1"/>
-          </p:cNvSpPr>
-          <p:nvPr>
-            <p:ph type="subTitle" idx="1"/>
-          </p:nvPr>
-        </p:nvSpPr>
-        <p:spPr/>
-        <p:txBody>
-          <a:bodyPr/>
-          <a:lstStyle/>
-          <a:p>
-            <a:endParaRPr lang="en-US"/>
-          </a:p>
-        </p:txBody>
-      </p:sp>
-      <p:sp>
-        <p:nvSpPr>
-          <p:cNvPr id="4" name="Textplatzhalter 3"/>
-          <p:cNvSpPr>
-            <a:spLocks noGrp="1"/>
-          </p:cNvSpPr>
-          <p:nvPr>
-            <p:ph type="body" sz="quarter" idx="13"/>
-          </p:nvPr>
-        </p:nvSpPr>
-        <p:spPr/>
-        <p:txBody>
-          <a:bodyPr/>
-          <a:lstStyle/>
-          <a:p>
-            <a:endParaRPr lang="en-US"/>
-          </a:p>
-        </p:txBody>
-      </p:sp>
-      <p:sp>
-        <p:nvSpPr>
-          <p:cNvPr id="5" name="Textplatzhalter 4"/>
-          <p:cNvSpPr>
-            <a:spLocks noGrp="1"/>
-          </p:cNvSpPr>
-          <p:nvPr>
-            <p:ph type="body" sz="quarter" idx="14"/>
-          </p:nvPr>
-        </p:nvSpPr>
-        <p:spPr/>
-        <p:txBody>
-          <a:bodyPr/>
-          <a:lstStyle/>
-          <a:p>
-            <a:endParaRPr lang="en-US"/>
-          </a:p>
-        </p:txBody>
-      </p:sp>
-    </p:spTree>
-    <p:extLst>
-      <p:ext uri="{BB962C8B-B14F-4D97-AF65-F5344CB8AC3E}">
-        <p14:creationId xmlns:p14="http://schemas.microsoft.com/office/powerpoint/2010/main" val="1943730539"/>
-      </p:ext>
-    </p:extLst>
-  </p:cSld>
-  <p:clrMapOvr>
-    <a:masterClrMapping/>
-  </p:clrMapOvr>
-  <p:timing>
-    <p:tnLst>
-      <p:par>
-        <p:cTn id="1" dur="indefinite" restart="never" nodeType="tmRoot"/>
-      </p:par>
-    </p:tnLst>
-  </p:timing>
-</p:sld>
-</file>
-
-<file path=ppt/slides/slide15.xml><?xml version="1.0" encoding="utf-8"?>
-<p:sld xmlns:a="http://schemas.openxmlformats.org/drawingml/2006/main" xmlns:r="http://schemas.openxmlformats.org/officeDocument/2006/relationships" xmlns:p="http://schemas.openxmlformats.org/presentationml/2006/main">
-  <p:cSld>
-    <p:spTree>
-      <p:nvGrpSpPr>
-        <p:cNvPr id="1" name=""/>
-        <p:cNvGrpSpPr/>
-        <p:nvPr/>
-      </p:nvGrpSpPr>
-      <p:grpSpPr>
-        <a:xfrm>
-          <a:off x="0" y="0"/>
-          <a:ext cx="0" cy="0"/>
-          <a:chOff x="0" y="0"/>
-          <a:chExt cx="0" cy="0"/>
-        </a:xfrm>
-      </p:grpSpPr>
-      <p:sp>
-        <p:nvSpPr>
-          <p:cNvPr id="2" name="Titel 1"/>
-          <p:cNvSpPr>
-            <a:spLocks noGrp="1"/>
-          </p:cNvSpPr>
-          <p:nvPr>
-            <p:ph type="title"/>
-          </p:nvPr>
-        </p:nvSpPr>
-        <p:spPr/>
-        <p:txBody>
-          <a:bodyPr/>
-          <a:lstStyle/>
-          <a:p>
-            <a:r>
-              <a:rPr lang="en-US" dirty="0" smtClean="0"/>
-              <a:t>Next steps – how to proceed</a:t>
-            </a:r>
-            <a:endParaRPr lang="en-US" dirty="0"/>
-          </a:p>
-        </p:txBody>
-      </p:sp>
-      <p:sp>
-        <p:nvSpPr>
-          <p:cNvPr id="3" name="Untertitel 2"/>
-          <p:cNvSpPr>
-            <a:spLocks noGrp="1"/>
-          </p:cNvSpPr>
-          <p:nvPr>
-            <p:ph type="subTitle" idx="1"/>
-          </p:nvPr>
-        </p:nvSpPr>
-        <p:spPr/>
-        <p:txBody>
-          <a:bodyPr/>
-          <a:lstStyle/>
-          <a:p>
-            <a:endParaRPr lang="en-US"/>
-          </a:p>
-        </p:txBody>
-      </p:sp>
-      <p:sp>
-        <p:nvSpPr>
-          <p:cNvPr id="4" name="Textplatzhalter 3"/>
-          <p:cNvSpPr>
-            <a:spLocks noGrp="1"/>
-          </p:cNvSpPr>
-          <p:nvPr>
-            <p:ph type="body" sz="quarter" idx="13"/>
-          </p:nvPr>
-        </p:nvSpPr>
-        <p:spPr/>
-        <p:txBody>
-          <a:bodyPr/>
-          <a:lstStyle/>
-          <a:p>
-            <a:endParaRPr lang="en-US"/>
-          </a:p>
-        </p:txBody>
-      </p:sp>
-      <p:sp>
-        <p:nvSpPr>
-          <p:cNvPr id="5" name="Textplatzhalter 4"/>
-          <p:cNvSpPr>
-            <a:spLocks noGrp="1"/>
-          </p:cNvSpPr>
-          <p:nvPr>
-            <p:ph type="body" sz="quarter" idx="14"/>
-          </p:nvPr>
-        </p:nvSpPr>
-        <p:spPr/>
-        <p:txBody>
-          <a:bodyPr/>
-          <a:lstStyle/>
-          <a:p>
-            <a:endParaRPr lang="en-US"/>
-          </a:p>
-        </p:txBody>
-      </p:sp>
-    </p:spTree>
-    <p:extLst>
-      <p:ext uri="{BB962C8B-B14F-4D97-AF65-F5344CB8AC3E}">
-        <p14:creationId xmlns:p14="http://schemas.microsoft.com/office/powerpoint/2010/main" val="591312378"/>
-      </p:ext>
-    </p:extLst>
-  </p:cSld>
-  <p:clrMapOvr>
-    <a:masterClrMapping/>
-  </p:clrMapOvr>
-  <p:timing>
-    <p:tnLst>
-      <p:par>
-        <p:cTn id="1" dur="indefinite" restart="never" nodeType="tmRoot"/>
-      </p:par>
-    </p:tnLst>
-  </p:timing>
-</p:sld>
-</file>
-
-<file path=ppt/slides/slide16.xml><?xml version="1.0" encoding="utf-8"?>
-<p:sld xmlns:a="http://schemas.openxmlformats.org/drawingml/2006/main" xmlns:r="http://schemas.openxmlformats.org/officeDocument/2006/relationships" xmlns:p="http://schemas.openxmlformats.org/presentationml/2006/main">
-  <p:cSld>
-    <p:spTree>
-      <p:nvGrpSpPr>
-        <p:cNvPr id="1" name=""/>
-        <p:cNvGrpSpPr/>
-        <p:nvPr/>
-      </p:nvGrpSpPr>
-      <p:grpSpPr>
-        <a:xfrm>
-          <a:off x="0" y="0"/>
-          <a:ext cx="0" cy="0"/>
-          <a:chOff x="0" y="0"/>
-          <a:chExt cx="0" cy="0"/>
-        </a:xfrm>
-      </p:grpSpPr>
-      <p:sp>
-        <p:nvSpPr>
-          <p:cNvPr id="2" name="Titel 1"/>
-          <p:cNvSpPr>
-            <a:spLocks noGrp="1"/>
-          </p:cNvSpPr>
-          <p:nvPr>
-            <p:ph type="title"/>
-          </p:nvPr>
-        </p:nvSpPr>
-        <p:spPr/>
-        <p:txBody>
-          <a:bodyPr/>
-          <a:lstStyle/>
-          <a:p>
-            <a:r>
-              <a:rPr lang="en-US" dirty="0" smtClean="0"/>
-              <a:t>Thank you</a:t>
-            </a:r>
-            <a:endParaRPr lang="en-US" dirty="0"/>
-          </a:p>
-        </p:txBody>
-      </p:sp>
-      <p:sp>
-        <p:nvSpPr>
-          <p:cNvPr id="4" name="Textplatzhalter 3"/>
-          <p:cNvSpPr>
-            <a:spLocks noGrp="1"/>
-          </p:cNvSpPr>
-          <p:nvPr>
-            <p:ph type="body" sz="quarter" idx="13"/>
-          </p:nvPr>
-        </p:nvSpPr>
-        <p:spPr/>
-        <p:txBody>
-          <a:bodyPr/>
-          <a:lstStyle/>
-          <a:p>
-            <a:endParaRPr lang="en-US"/>
-          </a:p>
-        </p:txBody>
-      </p:sp>
-      <p:sp>
-        <p:nvSpPr>
-          <p:cNvPr id="5" name="Textplatzhalter 4"/>
-          <p:cNvSpPr>
-            <a:spLocks noGrp="1"/>
-          </p:cNvSpPr>
-          <p:nvPr>
-            <p:ph type="body" sz="quarter" idx="14"/>
-          </p:nvPr>
-        </p:nvSpPr>
-        <p:spPr/>
-        <p:txBody>
-          <a:bodyPr/>
-          <a:lstStyle/>
-          <a:p>
-            <a:endParaRPr lang="en-US"/>
-          </a:p>
-        </p:txBody>
-      </p:sp>
-    </p:spTree>
-    <p:extLst>
-      <p:ext uri="{BB962C8B-B14F-4D97-AF65-F5344CB8AC3E}">
-        <p14:creationId xmlns:p14="http://schemas.microsoft.com/office/powerpoint/2010/main" val="999641166"/>
-      </p:ext>
-    </p:extLst>
-  </p:cSld>
-  <p:clrMapOvr>
-    <a:masterClrMapping/>
-  </p:clrMapOvr>
-  <p:timing>
-    <p:tnLst>
-      <p:par>
-        <p:cTn id="1" dur="indefinite" restart="never" nodeType="tmRoot"/>
-      </p:par>
-    </p:tnLst>
-  </p:timing>
-</p:sld>
-</file>
-
-<file path=ppt/slides/slide17.xml><?xml version="1.0" encoding="utf-8"?>
-<p:sld xmlns:a="http://schemas.openxmlformats.org/drawingml/2006/main" xmlns:r="http://schemas.openxmlformats.org/officeDocument/2006/relationships" xmlns:p="http://schemas.openxmlformats.org/presentationml/2006/main">
-  <p:cSld>
-    <p:spTree>
-      <p:nvGrpSpPr>
-        <p:cNvPr id="1" name=""/>
-        <p:cNvGrpSpPr/>
-        <p:nvPr/>
-      </p:nvGrpSpPr>
-      <p:grpSpPr>
-        <a:xfrm>
-          <a:off x="0" y="0"/>
-          <a:ext cx="0" cy="0"/>
-          <a:chOff x="0" y="0"/>
-          <a:chExt cx="0" cy="0"/>
-        </a:xfrm>
-      </p:grpSpPr>
-      <p:sp>
-        <p:nvSpPr>
-          <p:cNvPr id="2" name="Titel 1"/>
-          <p:cNvSpPr>
-            <a:spLocks noGrp="1"/>
-          </p:cNvSpPr>
-          <p:nvPr>
-            <p:ph type="title"/>
-          </p:nvPr>
-        </p:nvSpPr>
-        <p:spPr/>
-        <p:txBody>
-          <a:bodyPr/>
-          <a:lstStyle/>
-          <a:p>
-            <a:endParaRPr lang="en-US" dirty="0"/>
-          </a:p>
-        </p:txBody>
-      </p:sp>
-      <p:sp>
-        <p:nvSpPr>
-          <p:cNvPr id="3" name="Untertitel 2"/>
-          <p:cNvSpPr>
-            <a:spLocks noGrp="1"/>
-          </p:cNvSpPr>
-          <p:nvPr>
-            <p:ph type="subTitle" idx="1"/>
-          </p:nvPr>
-        </p:nvSpPr>
-        <p:spPr/>
-        <p:txBody>
-          <a:bodyPr/>
-          <a:lstStyle/>
-          <a:p>
-            <a:endParaRPr lang="en-US" dirty="0"/>
-          </a:p>
-        </p:txBody>
-      </p:sp>
-      <p:sp>
-        <p:nvSpPr>
-          <p:cNvPr id="4" name="Textplatzhalter 3"/>
-          <p:cNvSpPr>
-            <a:spLocks noGrp="1"/>
-          </p:cNvSpPr>
-          <p:nvPr>
-            <p:ph type="body" sz="quarter" idx="13"/>
-          </p:nvPr>
-        </p:nvSpPr>
-        <p:spPr/>
-        <p:txBody>
-          <a:bodyPr/>
-          <a:lstStyle/>
-          <a:p>
-            <a:endParaRPr lang="en-US"/>
-          </a:p>
-        </p:txBody>
-      </p:sp>
-      <p:sp>
-        <p:nvSpPr>
-          <p:cNvPr id="5" name="Textplatzhalter 4"/>
-          <p:cNvSpPr>
-            <a:spLocks noGrp="1"/>
-          </p:cNvSpPr>
-          <p:nvPr>
-            <p:ph type="body" sz="quarter" idx="14"/>
-          </p:nvPr>
-        </p:nvSpPr>
-        <p:spPr/>
-        <p:txBody>
-          <a:bodyPr/>
-          <a:lstStyle/>
-          <a:p>
-            <a:endParaRPr lang="en-US"/>
-          </a:p>
-        </p:txBody>
-      </p:sp>
-    </p:spTree>
-    <p:extLst>
-      <p:ext uri="{BB962C8B-B14F-4D97-AF65-F5344CB8AC3E}">
-        <p14:creationId xmlns:p14="http://schemas.microsoft.com/office/powerpoint/2010/main" val="195485606"/>
-      </p:ext>
-    </p:extLst>
-  </p:cSld>
-  <p:clrMapOvr>
-    <a:masterClrMapping/>
-  </p:clrMapOvr>
-  <p:timing>
-    <p:tnLst>
-      <p:par>
-        <p:cTn id="1" dur="indefinite" restart="never" nodeType="tmRoot"/>
-      </p:par>
-    </p:tnLst>
-  </p:timing>
-</p:sld>
-</file>
-
 <file path=ppt/slides/slide2.xml><?xml version="1.0" encoding="utf-8"?>
 <p:sld xmlns:a="http://schemas.openxmlformats.org/drawingml/2006/main" xmlns:r="http://schemas.openxmlformats.org/officeDocument/2006/relationships" xmlns:p="http://schemas.openxmlformats.org/presentationml/2006/main">
   <p:cSld>
@@ -40600,7 +42307,7 @@
       </p:grpSpPr>
       <p:sp>
         <p:nvSpPr>
-          <p:cNvPr id="2" name="Titel 1"/>
+          <p:cNvPr id="3" name="Titel 2"/>
           <p:cNvSpPr>
             <a:spLocks noGrp="1"/>
           </p:cNvSpPr>
@@ -40610,33 +42317,30 @@
         </p:nvSpPr>
         <p:spPr/>
         <p:txBody>
-          <a:bodyPr>
-            <a:normAutofit/>
-          </a:bodyPr>
+          <a:bodyPr/>
           <a:lstStyle/>
           <a:p>
             <a:r>
-              <a:rPr lang="en-US" dirty="0" smtClean="0"/>
+              <a:rPr lang="en-US" dirty="0"/>
               <a:t>Information architects</a:t>
             </a:r>
-            <a:endParaRPr lang="en-US" dirty="0"/>
-          </a:p>
-        </p:txBody>
-      </p:sp>
-      <p:sp>
-        <p:nvSpPr>
-          <p:cNvPr id="4" name="Textplatzhalter 3"/>
+          </a:p>
+        </p:txBody>
+      </p:sp>
+      <p:sp>
+        <p:nvSpPr>
+          <p:cNvPr id="4" name="Untertitel 3"/>
           <p:cNvSpPr>
             <a:spLocks noGrp="1"/>
           </p:cNvSpPr>
           <p:nvPr>
-            <p:ph type="body" sz="quarter" idx="13"/>
+            <p:ph type="subTitle" idx="10"/>
           </p:nvPr>
         </p:nvSpPr>
         <p:spPr>
           <a:xfrm>
-            <a:off x="381000" y="4800600"/>
-            <a:ext cx="5181600" cy="312417"/>
+            <a:off x="76200" y="5105400"/>
+            <a:ext cx="6248400" cy="1066800"/>
           </a:xfrm>
         </p:spPr>
         <p:txBody>
@@ -40644,41 +42348,43 @@
           <a:lstStyle/>
           <a:p>
             <a:r>
-              <a:rPr lang="en-US" sz="2400" dirty="0" smtClean="0"/>
+              <a:rPr lang="en-US" sz="3200" dirty="0"/>
               <a:t>Boris </a:t>
             </a:r>
             <a:r>
-              <a:rPr lang="en-US" sz="2400" dirty="0" err="1" smtClean="0"/>
+              <a:rPr lang="en-US" sz="3200" dirty="0" err="1"/>
               <a:t>Gligorijevi</a:t>
             </a:r>
             <a:r>
-              <a:rPr lang="sr-Latn-RS" sz="2400" dirty="0" smtClean="0"/>
+              <a:rPr lang="sr-Latn-RS" sz="3200" dirty="0"/>
               <a:t>ć</a:t>
             </a:r>
           </a:p>
           <a:p>
             <a:r>
-              <a:rPr lang="sr-Latn-RS" sz="2400" dirty="0" smtClean="0"/>
+              <a:rPr lang="sr-Latn-RS" sz="2800" dirty="0"/>
               <a:t>IT</a:t>
             </a:r>
             <a:r>
-              <a:rPr lang="en-US" sz="2400" dirty="0" smtClean="0"/>
+              <a:rPr lang="en-US" sz="2800" dirty="0"/>
               <a:t>-Consultant / Software Architect</a:t>
             </a:r>
-            <a:endParaRPr lang="sr-Latn-RS" sz="2400" dirty="0" smtClean="0"/>
-          </a:p>
-          <a:p>
-            <a:endParaRPr lang="en-US" dirty="0"/>
+            <a:endParaRPr lang="sr-Latn-RS" sz="2800" dirty="0"/>
+          </a:p>
+          <a:p>
+            <a:endParaRPr lang="en-US" sz="3200" dirty="0"/>
           </a:p>
         </p:txBody>
       </p:sp>
       <p:pic>
         <p:nvPicPr>
-          <p:cNvPr id="1026" name="Picture 2" descr="C:\Users\prodyna\Desktop\0004903.jpg"/>
+          <p:cNvPr id="5" name="Picture 2" descr="C:\Users\prodyna\Desktop\0004903.jpg"/>
           <p:cNvPicPr>
-            <a:picLocks noChangeAspect="1" noChangeArrowheads="1"/>
+            <a:picLocks noGrp="1" noChangeAspect="1" noChangeArrowheads="1"/>
           </p:cNvPicPr>
-          <p:nvPr/>
+          <p:nvPr>
+            <p:ph idx="1"/>
+          </p:nvPr>
         </p:nvPicPr>
         <p:blipFill>
           <a:blip r:embed="rId2">
@@ -40695,7 +42401,7 @@
         </p:blipFill>
         <p:spPr bwMode="auto">
           <a:xfrm>
-            <a:off x="6248400" y="3124200"/>
+            <a:off x="6438900" y="3467100"/>
             <a:ext cx="2552700" cy="2552700"/>
           </a:xfrm>
           <a:prstGeom prst="rect">
@@ -40716,7 +42422,7 @@
     </p:spTree>
     <p:extLst>
       <p:ext uri="{BB962C8B-B14F-4D97-AF65-F5344CB8AC3E}">
-        <p14:creationId xmlns:p14="http://schemas.microsoft.com/office/powerpoint/2010/main" val="2670978137"/>
+        <p14:creationId xmlns:p14="http://schemas.microsoft.com/office/powerpoint/2010/main" val="1802322414"/>
       </p:ext>
     </p:extLst>
   </p:cSld>
@@ -40752,12 +42458,12 @@
       </p:grpSpPr>
       <p:sp>
         <p:nvSpPr>
-          <p:cNvPr id="3" name="Titel 2"/>
+          <p:cNvPr id="2" name="Untertitel 1"/>
           <p:cNvSpPr>
             <a:spLocks noGrp="1"/>
           </p:cNvSpPr>
           <p:nvPr>
-            <p:ph type="title"/>
+            <p:ph type="subTitle" idx="1"/>
           </p:nvPr>
         </p:nvSpPr>
         <p:spPr/>
@@ -40767,107 +42473,54 @@
           <a:p>
             <a:r>
               <a:rPr lang="en-US" dirty="0"/>
-              <a:t>Information architects</a:t>
-            </a:r>
-          </a:p>
-        </p:txBody>
-      </p:sp>
-      <p:sp>
-        <p:nvSpPr>
-          <p:cNvPr id="4" name="Untertitel 3"/>
-          <p:cNvSpPr>
-            <a:spLocks noGrp="1"/>
-          </p:cNvSpPr>
-          <p:nvPr>
-            <p:ph type="subTitle" idx="10"/>
-          </p:nvPr>
-        </p:nvSpPr>
-        <p:spPr>
-          <a:xfrm>
-            <a:off x="76200" y="5105400"/>
-            <a:ext cx="6248400" cy="1066800"/>
-          </a:xfrm>
-        </p:spPr>
-        <p:txBody>
-          <a:bodyPr/>
-          <a:lstStyle/>
-          <a:p>
-            <a:r>
-              <a:rPr lang="en-US" sz="3200" dirty="0"/>
-              <a:t>Boris </a:t>
-            </a:r>
-            <a:r>
-              <a:rPr lang="en-US" sz="3200" dirty="0" err="1"/>
-              <a:t>Gligorijevi</a:t>
-            </a:r>
-            <a:r>
-              <a:rPr lang="sr-Latn-RS" sz="3200" dirty="0"/>
-              <a:t>ć</a:t>
-            </a:r>
-          </a:p>
-          <a:p>
-            <a:r>
-              <a:rPr lang="sr-Latn-RS" sz="2800" dirty="0"/>
-              <a:t>IT</a:t>
-            </a:r>
-            <a:r>
-              <a:rPr lang="en-US" sz="2800" dirty="0"/>
-              <a:t>-Consultant / Software Architect</a:t>
-            </a:r>
-            <a:endParaRPr lang="sr-Latn-RS" sz="2800" dirty="0"/>
-          </a:p>
-          <a:p>
-            <a:endParaRPr lang="en-US" sz="3200" dirty="0"/>
-          </a:p>
-        </p:txBody>
-      </p:sp>
-      <p:pic>
-        <p:nvPicPr>
-          <p:cNvPr id="5" name="Picture 2" descr="C:\Users\prodyna\Desktop\0004903.jpg"/>
-          <p:cNvPicPr>
-            <a:picLocks noGrp="1" noChangeAspect="1" noChangeArrowheads="1"/>
-          </p:cNvPicPr>
-          <p:nvPr>
-            <p:ph idx="1"/>
-          </p:nvPr>
-        </p:nvPicPr>
-        <p:blipFill>
-          <a:blip r:embed="rId2">
-            <a:extLst>
-              <a:ext uri="{28A0092B-C50C-407E-A947-70E740481C1C}">
-                <a14:useLocalDpi xmlns:a14="http://schemas.microsoft.com/office/drawing/2010/main" val="0"/>
-              </a:ext>
-            </a:extLst>
-          </a:blip>
-          <a:srcRect/>
-          <a:stretch>
-            <a:fillRect/>
-          </a:stretch>
-        </p:blipFill>
-        <p:spPr bwMode="auto">
-          <a:xfrm>
-            <a:off x="6438900" y="3467100"/>
-            <a:ext cx="2552700" cy="2552700"/>
-          </a:xfrm>
-          <a:prstGeom prst="rect">
-            <a:avLst/>
-          </a:prstGeom>
-          <a:noFill/>
-          <a:extLst>
-            <a:ext uri="{909E8E84-426E-40DD-AFC4-6F175D3DCCD1}">
-              <a14:hiddenFill xmlns:a14="http://schemas.microsoft.com/office/drawing/2010/main">
-                <a:solidFill>
-                  <a:srgbClr val="FFFFFF"/>
-                </a:solidFill>
-              </a14:hiddenFill>
-            </a:ext>
-          </a:extLst>
-        </p:spPr>
-      </p:pic>
+              <a:t>Architecture overview</a:t>
+            </a:r>
+          </a:p>
+          <a:p>
+            <a:r>
+              <a:rPr lang="en-US" dirty="0"/>
+              <a:t>Performance and scalability</a:t>
+            </a:r>
+          </a:p>
+          <a:p>
+            <a:r>
+              <a:rPr lang="en-US" dirty="0"/>
+              <a:t>Security</a:t>
+            </a:r>
+          </a:p>
+          <a:p>
+            <a:r>
+              <a:rPr lang="en-US" dirty="0" smtClean="0"/>
+              <a:t>Quality</a:t>
+            </a:r>
+          </a:p>
+          <a:p>
+            <a:r>
+              <a:rPr lang="en-US" dirty="0" smtClean="0"/>
+              <a:t>Release management</a:t>
+            </a:r>
+            <a:endParaRPr lang="en-US" dirty="0"/>
+          </a:p>
+          <a:p>
+            <a:r>
+              <a:rPr lang="en-US" dirty="0"/>
+              <a:t>Next </a:t>
+            </a:r>
+            <a:r>
+              <a:rPr lang="en-US" dirty="0" smtClean="0"/>
+              <a:t>steps</a:t>
+            </a:r>
+            <a:endParaRPr lang="en-US" dirty="0"/>
+          </a:p>
+          <a:p>
+            <a:endParaRPr lang="en-US" dirty="0"/>
+          </a:p>
+        </p:txBody>
+      </p:sp>
     </p:spTree>
     <p:extLst>
       <p:ext uri="{BB962C8B-B14F-4D97-AF65-F5344CB8AC3E}">
-        <p14:creationId xmlns:p14="http://schemas.microsoft.com/office/powerpoint/2010/main" val="1802322414"/>
+        <p14:creationId xmlns:p14="http://schemas.microsoft.com/office/powerpoint/2010/main" val="618723212"/>
       </p:ext>
     </p:extLst>
   </p:cSld>
@@ -40903,12 +42556,12 @@
       </p:grpSpPr>
       <p:sp>
         <p:nvSpPr>
-          <p:cNvPr id="2" name="Untertitel 1"/>
+          <p:cNvPr id="2" name="Titel 1"/>
           <p:cNvSpPr>
             <a:spLocks noGrp="1"/>
           </p:cNvSpPr>
           <p:nvPr>
-            <p:ph type="subTitle" idx="1"/>
+            <p:ph type="title"/>
           </p:nvPr>
         </p:nvSpPr>
         <p:spPr/>
@@ -40918,54 +42571,176 @@
           <a:p>
             <a:r>
               <a:rPr lang="en-US" dirty="0"/>
-              <a:t>Architecture overview</a:t>
-            </a:r>
-          </a:p>
-          <a:p>
+              <a:t>Requirements </a:t>
+            </a:r>
+            <a:r>
+              <a:rPr lang="en-US" dirty="0" smtClean="0"/>
+              <a:t>- </a:t>
+            </a:r>
             <a:r>
               <a:rPr lang="en-US" dirty="0"/>
-              <a:t>Performance and scalability</a:t>
-            </a:r>
-          </a:p>
-          <a:p>
-            <a:r>
-              <a:rPr lang="en-US" dirty="0"/>
-              <a:t>Security</a:t>
-            </a:r>
-          </a:p>
-          <a:p>
-            <a:r>
-              <a:rPr lang="en-US" dirty="0" smtClean="0"/>
-              <a:t>Quality</a:t>
-            </a:r>
-          </a:p>
-          <a:p>
-            <a:r>
-              <a:rPr lang="en-US" dirty="0" smtClean="0"/>
-              <a:t>Release management</a:t>
-            </a:r>
-            <a:endParaRPr lang="en-US" dirty="0"/>
-          </a:p>
-          <a:p>
-            <a:r>
-              <a:rPr lang="en-US" dirty="0"/>
-              <a:t>Next </a:t>
-            </a:r>
-            <a:r>
-              <a:rPr lang="en-US" dirty="0" smtClean="0"/>
-              <a:t>steps</a:t>
-            </a:r>
-            <a:endParaRPr lang="en-US" dirty="0"/>
-          </a:p>
-          <a:p>
-            <a:endParaRPr lang="en-US" dirty="0"/>
+              <a:t>functional</a:t>
+            </a:r>
+          </a:p>
+        </p:txBody>
+      </p:sp>
+      <p:sp>
+        <p:nvSpPr>
+          <p:cNvPr id="3" name="Untertitel 2"/>
+          <p:cNvSpPr>
+            <a:spLocks noGrp="1"/>
+          </p:cNvSpPr>
+          <p:nvPr>
+            <p:ph type="subTitle" idx="10"/>
+          </p:nvPr>
+        </p:nvSpPr>
+        <p:spPr>
+          <a:xfrm>
+            <a:off x="533400" y="990600"/>
+            <a:ext cx="8153759" cy="395287"/>
+          </a:xfrm>
+        </p:spPr>
+        <p:txBody>
+          <a:bodyPr/>
+          <a:lstStyle/>
+          <a:p>
+            <a:endParaRPr lang="en-US" dirty="0" smtClean="0"/>
+          </a:p>
+          <a:p>
+            <a:pPr marL="457200" indent="-457200">
+              <a:buFont typeface="Wingdings" panose="05000000000000000000" pitchFamily="2" charset="2"/>
+              <a:buChar char="Ø"/>
+            </a:pPr>
+            <a:r>
+              <a:rPr lang="en-US" sz="2800" dirty="0" smtClean="0"/>
+              <a:t>User</a:t>
+            </a:r>
+            <a:r>
+              <a:rPr lang="en-US" sz="2800" dirty="0"/>
+              <a:t>:</a:t>
+            </a:r>
+          </a:p>
+          <a:p>
+            <a:pPr marL="457200" indent="-457200">
+              <a:buFont typeface="Arial" panose="020B0604020202020204" pitchFamily="34" charset="0"/>
+              <a:buChar char="•"/>
+            </a:pPr>
+            <a:r>
+              <a:rPr lang="en-US" sz="2800" dirty="0"/>
+              <a:t>See all votes created</a:t>
+            </a:r>
+          </a:p>
+          <a:p>
+            <a:pPr marL="457200" indent="-457200">
+              <a:buFont typeface="Arial" panose="020B0604020202020204" pitchFamily="34" charset="0"/>
+              <a:buChar char="•"/>
+            </a:pPr>
+            <a:r>
+              <a:rPr lang="en-US" sz="2800" dirty="0"/>
+              <a:t>Add or delete own votes</a:t>
+            </a:r>
+          </a:p>
+          <a:p>
+            <a:pPr marL="457200" indent="-457200">
+              <a:buFont typeface="Arial" panose="020B0604020202020204" pitchFamily="34" charset="0"/>
+              <a:buChar char="•"/>
+            </a:pPr>
+            <a:r>
+              <a:rPr lang="en-US" sz="2800" dirty="0"/>
+              <a:t>Results visible only after voting</a:t>
+            </a:r>
+          </a:p>
+          <a:p>
+            <a:pPr marL="457200" indent="-457200">
+              <a:buFont typeface="Arial" panose="020B0604020202020204" pitchFamily="34" charset="0"/>
+              <a:buChar char="•"/>
+            </a:pPr>
+            <a:r>
+              <a:rPr lang="en-US" sz="2800" dirty="0"/>
+              <a:t>Votes cannot be changed once </a:t>
+            </a:r>
+            <a:r>
+              <a:rPr lang="en-US" sz="2800" dirty="0" smtClean="0"/>
+              <a:t>voted</a:t>
+            </a:r>
+          </a:p>
+          <a:p>
+            <a:pPr marL="457200" indent="-457200">
+              <a:buFont typeface="Arial" panose="020B0604020202020204" pitchFamily="34" charset="0"/>
+              <a:buChar char="•"/>
+            </a:pPr>
+            <a:endParaRPr lang="en-US" sz="2800" dirty="0" smtClean="0"/>
+          </a:p>
+          <a:p>
+            <a:pPr marL="457200" indent="-457200">
+              <a:buFont typeface="Wingdings" panose="05000000000000000000" pitchFamily="2" charset="2"/>
+              <a:buChar char="Ø"/>
+            </a:pPr>
+            <a:r>
+              <a:rPr lang="en-US" sz="2800" dirty="0" smtClean="0"/>
+              <a:t>Administrator</a:t>
+            </a:r>
+            <a:r>
+              <a:rPr lang="en-US" sz="2800" dirty="0"/>
+              <a:t>:</a:t>
+            </a:r>
+          </a:p>
+          <a:p>
+            <a:pPr marL="457200" indent="-457200">
+              <a:buFont typeface="Arial" panose="020B0604020202020204" pitchFamily="34" charset="0"/>
+              <a:buChar char="•"/>
+            </a:pPr>
+            <a:r>
+              <a:rPr lang="en-US" sz="2800" dirty="0"/>
+              <a:t>Create, </a:t>
+            </a:r>
+            <a:r>
+              <a:rPr lang="en-US" sz="2800" dirty="0">
+                <a:solidFill>
+                  <a:schemeClr val="tx2"/>
+                </a:solidFill>
+              </a:rPr>
+              <a:t>edit</a:t>
+            </a:r>
+            <a:r>
+              <a:rPr lang="en-US" sz="2800" dirty="0"/>
+              <a:t> or delete any </a:t>
+            </a:r>
+            <a:r>
+              <a:rPr lang="en-US" sz="2800" dirty="0" smtClean="0"/>
+              <a:t>vote</a:t>
+            </a:r>
+          </a:p>
+          <a:p>
+            <a:pPr marL="457200" indent="-457200">
+              <a:buFont typeface="Arial" panose="020B0604020202020204" pitchFamily="34" charset="0"/>
+              <a:buChar char="•"/>
+            </a:pPr>
+            <a:endParaRPr lang="en-US" sz="2800" dirty="0" smtClean="0"/>
+          </a:p>
+          <a:p>
+            <a:pPr marL="457200" indent="-457200">
+              <a:buFont typeface="Wingdings" panose="05000000000000000000" pitchFamily="2" charset="2"/>
+              <a:buChar char="Ø"/>
+            </a:pPr>
+            <a:r>
+              <a:rPr lang="en-US" sz="2800" dirty="0"/>
+              <a:t>Secure REST API</a:t>
+            </a:r>
+          </a:p>
+          <a:p>
+            <a:pPr marL="457200" indent="-457200">
+              <a:buFont typeface="Arial" panose="020B0604020202020204" pitchFamily="34" charset="0"/>
+              <a:buChar char="•"/>
+            </a:pPr>
+            <a:endParaRPr lang="en-US" sz="3200" dirty="0"/>
           </a:p>
         </p:txBody>
       </p:sp>
     </p:spTree>
     <p:extLst>
       <p:ext uri="{BB962C8B-B14F-4D97-AF65-F5344CB8AC3E}">
-        <p14:creationId xmlns:p14="http://schemas.microsoft.com/office/powerpoint/2010/main" val="618723212"/>
+        <p14:creationId xmlns:p14="http://schemas.microsoft.com/office/powerpoint/2010/main" val="3291077196"/>
       </p:ext>
     </p:extLst>
   </p:cSld>
@@ -41016,8 +42791,13 @@
           <a:p>
             <a:r>
               <a:rPr lang="en-US" dirty="0"/>
-              <a:t>Requirements - functional</a:t>
-            </a:r>
+              <a:t>Requirements -</a:t>
+            </a:r>
+            <a:r>
+              <a:rPr lang="en-US" dirty="0" smtClean="0"/>
+              <a:t> non-functional</a:t>
+            </a:r>
+            <a:endParaRPr lang="en-US" dirty="0"/>
           </a:p>
         </p:txBody>
       </p:sp>
@@ -41044,96 +42824,96 @@
             <a:endParaRPr lang="en-US" dirty="0" smtClean="0"/>
           </a:p>
           <a:p>
-            <a:r>
-              <a:rPr lang="en-US" sz="3200" smtClean="0"/>
-              <a:t>User</a:t>
-            </a:r>
-            <a:r>
-              <a:rPr lang="en-US" sz="3200" dirty="0"/>
-              <a:t>:</a:t>
-            </a:r>
-          </a:p>
-          <a:p>
             <a:pPr marL="457200" indent="-457200">
-              <a:buFont typeface="Arial" panose="020B0604020202020204" pitchFamily="34" charset="0"/>
-              <a:buChar char="•"/>
+              <a:lnSpc>
+                <a:spcPct val="150000"/>
+              </a:lnSpc>
+              <a:buFont typeface="Wingdings" panose="05000000000000000000" pitchFamily="2" charset="2"/>
+              <a:buChar char="Ø"/>
             </a:pPr>
             <a:r>
-              <a:rPr lang="en-US" sz="3200" dirty="0"/>
-              <a:t>See all votes created</a:t>
+              <a:rPr lang="en-US" sz="3200" dirty="0" smtClean="0"/>
+              <a:t>Horizontal scalability</a:t>
             </a:r>
           </a:p>
           <a:p>
             <a:pPr marL="457200" indent="-457200">
-              <a:buFont typeface="Arial" panose="020B0604020202020204" pitchFamily="34" charset="0"/>
-              <a:buChar char="•"/>
+              <a:lnSpc>
+                <a:spcPct val="150000"/>
+              </a:lnSpc>
+              <a:buFont typeface="Wingdings" panose="05000000000000000000" pitchFamily="2" charset="2"/>
+              <a:buChar char="Ø"/>
             </a:pPr>
             <a:r>
-              <a:rPr lang="en-US" sz="3200" dirty="0"/>
-              <a:t>Add or delete own votes</a:t>
+              <a:rPr lang="en-US" sz="3200" dirty="0" smtClean="0"/>
+              <a:t>High availability (99,5%)</a:t>
             </a:r>
           </a:p>
           <a:p>
             <a:pPr marL="457200" indent="-457200">
-              <a:buFont typeface="Arial" panose="020B0604020202020204" pitchFamily="34" charset="0"/>
-              <a:buChar char="•"/>
+              <a:lnSpc>
+                <a:spcPct val="150000"/>
+              </a:lnSpc>
+              <a:buFont typeface="Wingdings" panose="05000000000000000000" pitchFamily="2" charset="2"/>
+              <a:buChar char="Ø"/>
             </a:pPr>
             <a:r>
-              <a:rPr lang="en-US" sz="3200" dirty="0"/>
-              <a:t>Results visible only after voting</a:t>
+              <a:rPr lang="en-US" sz="3200" dirty="0" smtClean="0"/>
+              <a:t>Real-time monitoring</a:t>
             </a:r>
           </a:p>
           <a:p>
             <a:pPr marL="457200" indent="-457200">
-              <a:buFont typeface="Arial" panose="020B0604020202020204" pitchFamily="34" charset="0"/>
-              <a:buChar char="•"/>
+              <a:lnSpc>
+                <a:spcPct val="150000"/>
+              </a:lnSpc>
+              <a:buFont typeface="Wingdings" panose="05000000000000000000" pitchFamily="2" charset="2"/>
+              <a:buChar char="Ø"/>
             </a:pPr>
             <a:r>
-              <a:rPr lang="en-US" sz="3200" dirty="0"/>
-              <a:t>Votes cannot be changed once voted</a:t>
-            </a:r>
-          </a:p>
-          <a:p>
-            <a:endParaRPr lang="en-US" sz="3200" dirty="0" smtClean="0"/>
-          </a:p>
-          <a:p>
-            <a:r>
               <a:rPr lang="en-US" sz="3200" dirty="0" smtClean="0"/>
-              <a:t>Administrator</a:t>
-            </a:r>
-            <a:r>
-              <a:rPr lang="en-US" sz="3200" dirty="0"/>
-              <a:t>:</a:t>
+              <a:t>Source code in GIT</a:t>
             </a:r>
           </a:p>
           <a:p>
             <a:pPr marL="457200" indent="-457200">
-              <a:buFont typeface="Arial" panose="020B0604020202020204" pitchFamily="34" charset="0"/>
-              <a:buChar char="•"/>
+              <a:lnSpc>
+                <a:spcPct val="150000"/>
+              </a:lnSpc>
+              <a:buFont typeface="Wingdings" panose="05000000000000000000" pitchFamily="2" charset="2"/>
+              <a:buChar char="Ø"/>
             </a:pPr>
             <a:r>
-              <a:rPr lang="en-US" sz="3200" dirty="0"/>
-              <a:t>Create, </a:t>
-            </a:r>
-            <a:r>
-              <a:rPr lang="en-US" sz="3200" dirty="0">
-                <a:solidFill>
-                  <a:schemeClr val="tx2"/>
-                </a:solidFill>
-              </a:rPr>
-              <a:t>edit</a:t>
-            </a:r>
-            <a:r>
-              <a:rPr lang="en-US" sz="3200" dirty="0"/>
-              <a:t> or delete any vote</a:t>
-            </a:r>
+              <a:rPr lang="en-US" sz="3200" dirty="0" smtClean="0"/>
+              <a:t>Single zip as end artifact</a:t>
+            </a:r>
+          </a:p>
+          <a:p>
+            <a:pPr marL="457200" indent="-457200">
+              <a:lnSpc>
+                <a:spcPct val="150000"/>
+              </a:lnSpc>
+              <a:buFont typeface="Wingdings" panose="05000000000000000000" pitchFamily="2" charset="2"/>
+              <a:buChar char="Ø"/>
+            </a:pPr>
+            <a:r>
+              <a:rPr lang="en-US" sz="3200" dirty="0" smtClean="0"/>
+              <a:t>All business methods tested</a:t>
+            </a:r>
+          </a:p>
+          <a:p>
+            <a:pPr marL="457200" indent="-457200">
+              <a:buFontTx/>
+              <a:buChar char="-"/>
+            </a:pPr>
+            <a:endParaRPr lang="en-US" sz="3200" dirty="0"/>
           </a:p>
         </p:txBody>
       </p:sp>
     </p:spTree>
     <p:extLst>
       <p:ext uri="{BB962C8B-B14F-4D97-AF65-F5344CB8AC3E}">
-        <p14:creationId xmlns:p14="http://schemas.microsoft.com/office/powerpoint/2010/main" val="3291077196"/>
+        <p14:creationId xmlns:p14="http://schemas.microsoft.com/office/powerpoint/2010/main" val="3435367106"/>
       </p:ext>
     </p:extLst>
   </p:cSld>
@@ -41167,9 +42947,34 @@
           <a:chExt cx="0" cy="0"/>
         </a:xfrm>
       </p:grpSpPr>
-      <p:sp>
-        <p:nvSpPr>
-          <p:cNvPr id="2" name="Titel 1"/>
+      <p:graphicFrame>
+        <p:nvGraphicFramePr>
+          <p:cNvPr id="5" name="Inhaltsplatzhalter 4"/>
+          <p:cNvGraphicFramePr>
+            <a:graphicFrameLocks noGrp="1"/>
+          </p:cNvGraphicFramePr>
+          <p:nvPr>
+            <p:ph idx="1"/>
+            <p:extLst>
+              <p:ext uri="{D42A27DB-BD31-4B8C-83A1-F6EECF244321}">
+                <p14:modId xmlns:p14="http://schemas.microsoft.com/office/powerpoint/2010/main" val="2826184139"/>
+              </p:ext>
+            </p:extLst>
+          </p:nvPr>
+        </p:nvGraphicFramePr>
+        <p:xfrm>
+          <a:off x="574675" y="1449388"/>
+          <a:ext cx="8140700" cy="5040312"/>
+        </p:xfrm>
+        <a:graphic>
+          <a:graphicData uri="http://schemas.openxmlformats.org/drawingml/2006/diagram">
+            <dgm:relIds xmlns:dgm="http://schemas.openxmlformats.org/drawingml/2006/diagram" xmlns:r="http://schemas.openxmlformats.org/officeDocument/2006/relationships" r:dm="rId2" r:lo="rId3" r:qs="rId4" r:cs="rId5"/>
+          </a:graphicData>
+        </a:graphic>
+      </p:graphicFrame>
+      <p:sp>
+        <p:nvSpPr>
+          <p:cNvPr id="3" name="Titel 2"/>
           <p:cNvSpPr>
             <a:spLocks noGrp="1"/>
           </p:cNvSpPr>
@@ -41183,118 +42988,77 @@
           <a:lstStyle/>
           <a:p>
             <a:r>
-              <a:rPr lang="en-US" dirty="0" smtClean="0"/>
-              <a:t>Requirements - functional</a:t>
-            </a:r>
-            <a:endParaRPr lang="en-US" dirty="0"/>
-          </a:p>
-        </p:txBody>
-      </p:sp>
-      <p:sp>
-        <p:nvSpPr>
-          <p:cNvPr id="3" name="Untertitel 2"/>
+              <a:rPr lang="en-US" smtClean="0"/>
+              <a:t>System architecture</a:t>
+            </a:r>
+            <a:endParaRPr lang="en-US"/>
+          </a:p>
+        </p:txBody>
+      </p:sp>
+      <p:sp>
+        <p:nvSpPr>
+          <p:cNvPr id="4" name="Untertitel 3"/>
           <p:cNvSpPr>
             <a:spLocks noGrp="1"/>
           </p:cNvSpPr>
           <p:nvPr>
-            <p:ph type="subTitle" idx="1"/>
+            <p:ph type="subTitle" idx="10"/>
           </p:nvPr>
         </p:nvSpPr>
         <p:spPr/>
         <p:txBody>
-          <a:bodyPr>
-            <a:noAutofit/>
-          </a:bodyPr>
+          <a:bodyPr/>
           <a:lstStyle/>
           <a:p>
-            <a:r>
-              <a:rPr lang="en-US" sz="3200" dirty="0" smtClean="0"/>
-              <a:t>User:</a:t>
-            </a:r>
-          </a:p>
-          <a:p>
-            <a:pPr marL="457200" indent="-457200">
-              <a:buFont typeface="Arial" panose="020B0604020202020204" pitchFamily="34" charset="0"/>
-              <a:buChar char="•"/>
-            </a:pPr>
-            <a:r>
-              <a:rPr lang="en-US" sz="3200" dirty="0" smtClean="0"/>
-              <a:t>See all votes created</a:t>
-            </a:r>
-          </a:p>
-          <a:p>
-            <a:pPr marL="457200" indent="-457200">
-              <a:buFont typeface="Arial" panose="020B0604020202020204" pitchFamily="34" charset="0"/>
-              <a:buChar char="•"/>
-            </a:pPr>
-            <a:r>
-              <a:rPr lang="en-US" sz="3200" dirty="0" smtClean="0"/>
-              <a:t>Add or delete own votes</a:t>
-            </a:r>
-          </a:p>
-          <a:p>
-            <a:pPr marL="457200" indent="-457200">
-              <a:buFont typeface="Arial" panose="020B0604020202020204" pitchFamily="34" charset="0"/>
-              <a:buChar char="•"/>
-            </a:pPr>
-            <a:r>
-              <a:rPr lang="en-US" sz="3200" dirty="0" smtClean="0"/>
-              <a:t>Results visible only after voting</a:t>
-            </a:r>
-          </a:p>
-          <a:p>
-            <a:pPr marL="457200" indent="-457200">
-              <a:buFont typeface="Arial" panose="020B0604020202020204" pitchFamily="34" charset="0"/>
-              <a:buChar char="•"/>
-            </a:pPr>
-            <a:r>
-              <a:rPr lang="en-US" sz="3200" dirty="0" smtClean="0"/>
-              <a:t>Votes cannot be changed once voted</a:t>
-            </a:r>
-          </a:p>
-          <a:p>
-            <a:r>
-              <a:rPr lang="en-US" sz="3200" dirty="0" smtClean="0"/>
-              <a:t>Administrator:</a:t>
-            </a:r>
-          </a:p>
-          <a:p>
-            <a:pPr marL="457200" indent="-457200">
-              <a:buFont typeface="Arial" panose="020B0604020202020204" pitchFamily="34" charset="0"/>
-              <a:buChar char="•"/>
-            </a:pPr>
-            <a:r>
-              <a:rPr lang="en-US" sz="3200" dirty="0" smtClean="0"/>
-              <a:t>Create, </a:t>
-            </a:r>
-            <a:r>
-              <a:rPr lang="en-US" sz="3200" dirty="0" smtClean="0">
+            <a:endParaRPr lang="en-US"/>
+          </a:p>
+        </p:txBody>
+      </p:sp>
+      <p:pic>
+        <p:nvPicPr>
+          <p:cNvPr id="2050" name="Picture 2" descr="C:\Users\prodyna\Desktop\overview_architecture.png"/>
+          <p:cNvPicPr>
+            <a:picLocks noChangeAspect="1" noChangeArrowheads="1"/>
+          </p:cNvPicPr>
+          <p:nvPr/>
+        </p:nvPicPr>
+        <p:blipFill>
+          <a:blip r:embed="rId7">
+            <a:extLst>
+              <a:ext uri="{28A0092B-C50C-407E-A947-70E740481C1C}">
+                <a14:useLocalDpi xmlns:a14="http://schemas.microsoft.com/office/drawing/2010/main" val="0"/>
+              </a:ext>
+            </a:extLst>
+          </a:blip>
+          <a:srcRect/>
+          <a:stretch>
+            <a:fillRect/>
+          </a:stretch>
+        </p:blipFill>
+        <p:spPr bwMode="auto">
+          <a:xfrm>
+            <a:off x="533400" y="1219200"/>
+            <a:ext cx="11430000" cy="4762500"/>
+          </a:xfrm>
+          <a:prstGeom prst="rect">
+            <a:avLst/>
+          </a:prstGeom>
+          <a:noFill/>
+          <a:extLst>
+            <a:ext uri="{909E8E84-426E-40DD-AFC4-6F175D3DCCD1}">
+              <a14:hiddenFill xmlns:a14="http://schemas.microsoft.com/office/drawing/2010/main">
                 <a:solidFill>
-                  <a:schemeClr val="tx2"/>
+                  <a:srgbClr val="FFFFFF"/>
                 </a:solidFill>
-              </a:rPr>
-              <a:t>edit</a:t>
-            </a:r>
-            <a:r>
-              <a:rPr lang="en-US" sz="3200" dirty="0" smtClean="0"/>
-              <a:t> or delete any vote</a:t>
-            </a:r>
-          </a:p>
-          <a:p>
-            <a:endParaRPr lang="en-US" sz="2800" dirty="0"/>
-          </a:p>
-          <a:p>
-            <a:endParaRPr lang="en-US" sz="2800" dirty="0" smtClean="0"/>
-          </a:p>
-          <a:p>
-            <a:endParaRPr lang="en-US" sz="2000" dirty="0"/>
-          </a:p>
-        </p:txBody>
-      </p:sp>
+              </a14:hiddenFill>
+            </a:ext>
+          </a:extLst>
+        </p:spPr>
+      </p:pic>
     </p:spTree>
     <p:extLst>
       <p:ext uri="{BB962C8B-B14F-4D97-AF65-F5344CB8AC3E}">
-        <p14:creationId xmlns:p14="http://schemas.microsoft.com/office/powerpoint/2010/main" val="3287143709"/>
+        <p14:creationId xmlns:p14="http://schemas.microsoft.com/office/powerpoint/2010/main" val="1159574120"/>
       </p:ext>
     </p:extLst>
   </p:cSld>
@@ -41330,7 +43094,91 @@
       </p:grpSpPr>
       <p:sp>
         <p:nvSpPr>
-          <p:cNvPr id="2" name="Titel 1"/>
+          <p:cNvPr id="2" name="Inhaltsplatzhalter 1"/>
+          <p:cNvSpPr>
+            <a:spLocks noGrp="1"/>
+          </p:cNvSpPr>
+          <p:nvPr>
+            <p:ph idx="1"/>
+          </p:nvPr>
+        </p:nvSpPr>
+        <p:spPr/>
+        <p:txBody>
+          <a:bodyPr/>
+          <a:lstStyle/>
+          <a:p>
+            <a:pPr>
+              <a:buFont typeface="Wingdings" panose="05000000000000000000" pitchFamily="2" charset="2"/>
+              <a:buChar char="Ø"/>
+            </a:pPr>
+            <a:r>
+              <a:rPr lang="en-US" dirty="0" smtClean="0"/>
+              <a:t>Back-end / system / network:</a:t>
+            </a:r>
+          </a:p>
+          <a:p>
+            <a:r>
+              <a:rPr lang="en-US" dirty="0" smtClean="0"/>
+              <a:t>Cluster of Tomcat nodes</a:t>
+            </a:r>
+          </a:p>
+          <a:p>
+            <a:r>
+              <a:rPr lang="en-US" dirty="0" smtClean="0"/>
+              <a:t>Cluster of MongoDB databases</a:t>
+            </a:r>
+          </a:p>
+          <a:p>
+            <a:r>
+              <a:rPr lang="en-US" dirty="0" smtClean="0"/>
+              <a:t>JDK8</a:t>
+            </a:r>
+          </a:p>
+          <a:p>
+            <a:r>
+              <a:rPr lang="en-US" dirty="0" smtClean="0"/>
+              <a:t>GZIP and optional partial responses for REST API</a:t>
+            </a:r>
+          </a:p>
+          <a:p>
+            <a:endParaRPr lang="en-US" dirty="0" smtClean="0"/>
+          </a:p>
+          <a:p>
+            <a:pPr>
+              <a:buFont typeface="Wingdings" panose="05000000000000000000" pitchFamily="2" charset="2"/>
+              <a:buChar char="Ø"/>
+            </a:pPr>
+            <a:r>
+              <a:rPr lang="en-US" dirty="0" smtClean="0"/>
+              <a:t>Front-end application:</a:t>
+            </a:r>
+          </a:p>
+          <a:p>
+            <a:r>
+              <a:rPr lang="en-US" dirty="0" err="1" smtClean="0"/>
+              <a:t>Minification</a:t>
+            </a:r>
+            <a:r>
+              <a:rPr lang="en-US" dirty="0" smtClean="0"/>
+              <a:t> of </a:t>
+            </a:r>
+            <a:r>
+              <a:rPr lang="en-US" dirty="0" err="1" smtClean="0"/>
+              <a:t>Javascript</a:t>
+            </a:r>
+            <a:r>
+              <a:rPr lang="en-US" dirty="0" smtClean="0"/>
+              <a:t>/CSS code</a:t>
+            </a:r>
+          </a:p>
+          <a:p>
+            <a:endParaRPr lang="en-US" dirty="0"/>
+          </a:p>
+        </p:txBody>
+      </p:sp>
+      <p:sp>
+        <p:nvSpPr>
+          <p:cNvPr id="3" name="Titel 2"/>
           <p:cNvSpPr>
             <a:spLocks noGrp="1"/>
           </p:cNvSpPr>
@@ -41345,7 +43193,7 @@
           <a:p>
             <a:r>
               <a:rPr lang="en-US" dirty="0" smtClean="0"/>
-              <a:t>Requirements – non-functional</a:t>
+              <a:t>Performance</a:t>
             </a:r>
             <a:endParaRPr lang="en-US" dirty="0"/>
           </a:p>
@@ -41353,89 +43201,27 @@
       </p:sp>
       <p:sp>
         <p:nvSpPr>
-          <p:cNvPr id="3" name="Untertitel 2"/>
+          <p:cNvPr id="4" name="Untertitel 3"/>
           <p:cNvSpPr>
             <a:spLocks noGrp="1"/>
           </p:cNvSpPr>
           <p:nvPr>
-            <p:ph type="subTitle" idx="1"/>
+            <p:ph type="subTitle" idx="10"/>
           </p:nvPr>
         </p:nvSpPr>
         <p:spPr/>
         <p:txBody>
-          <a:bodyPr>
-            <a:noAutofit/>
-          </a:bodyPr>
+          <a:bodyPr/>
           <a:lstStyle/>
           <a:p>
-            <a:pPr marL="457200" indent="-457200">
-              <a:buFontTx/>
-              <a:buChar char="-"/>
-            </a:pPr>
-            <a:endParaRPr lang="en-US" sz="2800" dirty="0" smtClean="0"/>
-          </a:p>
-          <a:p>
-            <a:pPr marL="457200" indent="-457200">
-              <a:buFontTx/>
-              <a:buChar char="-"/>
-            </a:pPr>
-            <a:r>
-              <a:rPr lang="en-US" sz="3600" dirty="0" smtClean="0"/>
-              <a:t>Must be horizontally scalable</a:t>
-            </a:r>
-          </a:p>
-          <a:p>
-            <a:pPr marL="457200" indent="-457200">
-              <a:buFontTx/>
-              <a:buChar char="-"/>
-            </a:pPr>
-            <a:r>
-              <a:rPr lang="en-US" sz="3600" dirty="0" smtClean="0"/>
-              <a:t>Highly available – 99.5%</a:t>
-            </a:r>
-          </a:p>
-          <a:p>
-            <a:pPr marL="457200" indent="-457200">
-              <a:buFontTx/>
-              <a:buChar char="-"/>
-            </a:pPr>
-            <a:r>
-              <a:rPr lang="en-US" sz="3600" dirty="0" smtClean="0"/>
-              <a:t>Real-time monitoring</a:t>
-            </a:r>
-          </a:p>
-          <a:p>
-            <a:pPr marL="457200" indent="-457200">
-              <a:buFontTx/>
-              <a:buChar char="-"/>
-            </a:pPr>
-            <a:r>
-              <a:rPr lang="en-US" sz="3600" dirty="0" smtClean="0"/>
-              <a:t>REST API (secure)</a:t>
-            </a:r>
-          </a:p>
-          <a:p>
-            <a:pPr marL="457200" indent="-457200">
-              <a:buFontTx/>
-              <a:buChar char="-"/>
-            </a:pPr>
-            <a:r>
-              <a:rPr lang="en-US" sz="3600" dirty="0" smtClean="0"/>
-              <a:t>Single artifact</a:t>
-            </a:r>
-          </a:p>
-          <a:p>
-            <a:endParaRPr lang="en-US" sz="2800" dirty="0" smtClean="0"/>
-          </a:p>
-          <a:p>
-            <a:endParaRPr lang="en-US" sz="2000" dirty="0"/>
+            <a:endParaRPr lang="en-US" dirty="0"/>
           </a:p>
         </p:txBody>
       </p:sp>
     </p:spTree>
     <p:extLst>
       <p:ext uri="{BB962C8B-B14F-4D97-AF65-F5344CB8AC3E}">
-        <p14:creationId xmlns:p14="http://schemas.microsoft.com/office/powerpoint/2010/main" val="2675488975"/>
+        <p14:creationId xmlns:p14="http://schemas.microsoft.com/office/powerpoint/2010/main" val="558452867"/>
       </p:ext>
     </p:extLst>
   </p:cSld>
@@ -41471,7 +43257,26 @@
       </p:grpSpPr>
       <p:sp>
         <p:nvSpPr>
-          <p:cNvPr id="2" name="Titel 1"/>
+          <p:cNvPr id="2" name="Inhaltsplatzhalter 1"/>
+          <p:cNvSpPr>
+            <a:spLocks noGrp="1"/>
+          </p:cNvSpPr>
+          <p:nvPr>
+            <p:ph idx="1"/>
+          </p:nvPr>
+        </p:nvSpPr>
+        <p:spPr/>
+        <p:txBody>
+          <a:bodyPr/>
+          <a:lstStyle/>
+          <a:p>
+            <a:endParaRPr lang="en-US" dirty="0"/>
+          </a:p>
+        </p:txBody>
+      </p:sp>
+      <p:sp>
+        <p:nvSpPr>
+          <p:cNvPr id="3" name="Titel 2"/>
           <p:cNvSpPr>
             <a:spLocks noGrp="1"/>
           </p:cNvSpPr>
@@ -41486,7 +43291,7 @@
           <a:p>
             <a:r>
               <a:rPr lang="en-US" dirty="0" smtClean="0"/>
-              <a:t>System architecture</a:t>
+              <a:t>Measuring performance</a:t>
             </a:r>
             <a:endParaRPr lang="en-US" dirty="0"/>
           </a:p>
@@ -41494,50 +43299,12 @@
       </p:sp>
       <p:sp>
         <p:nvSpPr>
-          <p:cNvPr id="3" name="Untertitel 2"/>
+          <p:cNvPr id="4" name="Untertitel 3"/>
           <p:cNvSpPr>
             <a:spLocks noGrp="1"/>
           </p:cNvSpPr>
           <p:nvPr>
-            <p:ph type="subTitle" idx="1"/>
-          </p:nvPr>
-        </p:nvSpPr>
-        <p:spPr/>
-        <p:txBody>
-          <a:bodyPr/>
-          <a:lstStyle/>
-          <a:p>
-            <a:endParaRPr lang="en-US" dirty="0"/>
-          </a:p>
-        </p:txBody>
-      </p:sp>
-      <p:sp>
-        <p:nvSpPr>
-          <p:cNvPr id="4" name="Textplatzhalter 3"/>
-          <p:cNvSpPr>
-            <a:spLocks noGrp="1"/>
-          </p:cNvSpPr>
-          <p:nvPr>
-            <p:ph type="body" sz="quarter" idx="13"/>
-          </p:nvPr>
-        </p:nvSpPr>
-        <p:spPr/>
-        <p:txBody>
-          <a:bodyPr/>
-          <a:lstStyle/>
-          <a:p>
-            <a:endParaRPr lang="en-US"/>
-          </a:p>
-        </p:txBody>
-      </p:sp>
-      <p:sp>
-        <p:nvSpPr>
-          <p:cNvPr id="5" name="Textplatzhalter 4"/>
-          <p:cNvSpPr>
-            <a:spLocks noGrp="1"/>
-          </p:cNvSpPr>
-          <p:nvPr>
-            <p:ph type="body" sz="quarter" idx="14"/>
+            <p:ph type="subTitle" idx="10"/>
           </p:nvPr>
         </p:nvSpPr>
         <p:spPr/>
@@ -41552,124 +43319,7 @@
     </p:spTree>
     <p:extLst>
       <p:ext uri="{BB962C8B-B14F-4D97-AF65-F5344CB8AC3E}">
-        <p14:creationId xmlns:p14="http://schemas.microsoft.com/office/powerpoint/2010/main" val="580258843"/>
-      </p:ext>
-    </p:extLst>
-  </p:cSld>
-  <p:clrMapOvr>
-    <a:masterClrMapping/>
-  </p:clrMapOvr>
-  <p:timing>
-    <p:tnLst>
-      <p:par>
-        <p:cTn id="1" dur="indefinite" restart="never" nodeType="tmRoot"/>
-      </p:par>
-    </p:tnLst>
-  </p:timing>
-</p:sld>
-</file>
-
-<file path=ppt/slides/slide9.xml><?xml version="1.0" encoding="utf-8"?>
-<p:sld xmlns:a="http://schemas.openxmlformats.org/drawingml/2006/main" xmlns:r="http://schemas.openxmlformats.org/officeDocument/2006/relationships" xmlns:p="http://schemas.openxmlformats.org/presentationml/2006/main">
-  <p:cSld>
-    <p:spTree>
-      <p:nvGrpSpPr>
-        <p:cNvPr id="1" name=""/>
-        <p:cNvGrpSpPr/>
-        <p:nvPr/>
-      </p:nvGrpSpPr>
-      <p:grpSpPr>
-        <a:xfrm>
-          <a:off x="0" y="0"/>
-          <a:ext cx="0" cy="0"/>
-          <a:chOff x="0" y="0"/>
-          <a:chExt cx="0" cy="0"/>
-        </a:xfrm>
-      </p:grpSpPr>
-      <p:sp>
-        <p:nvSpPr>
-          <p:cNvPr id="2" name="Titel 1"/>
-          <p:cNvSpPr>
-            <a:spLocks noGrp="1"/>
-          </p:cNvSpPr>
-          <p:nvPr>
-            <p:ph type="title"/>
-          </p:nvPr>
-        </p:nvSpPr>
-        <p:spPr/>
-        <p:txBody>
-          <a:bodyPr/>
-          <a:lstStyle/>
-          <a:p>
-            <a:r>
-              <a:rPr lang="en-US" dirty="0" smtClean="0"/>
-              <a:t>Architecture – back-end</a:t>
-            </a:r>
-            <a:endParaRPr lang="en-US" dirty="0"/>
-          </a:p>
-        </p:txBody>
-      </p:sp>
-      <p:sp>
-        <p:nvSpPr>
-          <p:cNvPr id="3" name="Untertitel 2"/>
-          <p:cNvSpPr>
-            <a:spLocks noGrp="1"/>
-          </p:cNvSpPr>
-          <p:nvPr>
-            <p:ph type="subTitle" idx="1"/>
-          </p:nvPr>
-        </p:nvSpPr>
-        <p:spPr/>
-        <p:txBody>
-          <a:bodyPr/>
-          <a:lstStyle/>
-          <a:p>
-            <a:endParaRPr lang="en-US" dirty="0"/>
-          </a:p>
-        </p:txBody>
-      </p:sp>
-      <p:sp>
-        <p:nvSpPr>
-          <p:cNvPr id="4" name="Textplatzhalter 3"/>
-          <p:cNvSpPr>
-            <a:spLocks noGrp="1"/>
-          </p:cNvSpPr>
-          <p:nvPr>
-            <p:ph type="body" sz="quarter" idx="13"/>
-          </p:nvPr>
-        </p:nvSpPr>
-        <p:spPr/>
-        <p:txBody>
-          <a:bodyPr/>
-          <a:lstStyle/>
-          <a:p>
-            <a:endParaRPr lang="en-US"/>
-          </a:p>
-        </p:txBody>
-      </p:sp>
-      <p:sp>
-        <p:nvSpPr>
-          <p:cNvPr id="5" name="Textplatzhalter 4"/>
-          <p:cNvSpPr>
-            <a:spLocks noGrp="1"/>
-          </p:cNvSpPr>
-          <p:nvPr>
-            <p:ph type="body" sz="quarter" idx="14"/>
-          </p:nvPr>
-        </p:nvSpPr>
-        <p:spPr/>
-        <p:txBody>
-          <a:bodyPr/>
-          <a:lstStyle/>
-          <a:p>
-            <a:endParaRPr lang="en-US"/>
-          </a:p>
-        </p:txBody>
-      </p:sp>
-    </p:spTree>
-    <p:extLst>
-      <p:ext uri="{BB962C8B-B14F-4D97-AF65-F5344CB8AC3E}">
-        <p14:creationId xmlns:p14="http://schemas.microsoft.com/office/powerpoint/2010/main" val="2362779985"/>
+        <p14:creationId xmlns:p14="http://schemas.microsoft.com/office/powerpoint/2010/main" val="3126458844"/>
       </p:ext>
     </p:extLst>
   </p:cSld>
@@ -41958,7 +43608,7 @@
   <a:extraClrSchemeLst/>
   <a:extLst>
     <a:ext uri="{05A4C25C-085E-4340-85A3-A5531E510DB2}">
-      <thm15:themeFamily xmlns="" xmlns:thm15="http://schemas.microsoft.com/office/thememl/2012/main" name="Office Theme" id="{62F939B6-93AF-4DB8-9C6B-D6C7DFDC589F}" vid="{4A3C46E8-61CC-4603-A589-7422A47A8E4A}"/>
+      <thm15:themeFamily xmlns:thm15="http://schemas.microsoft.com/office/thememl/2012/main" xmlns="" name="Office Theme" id="{62F939B6-93AF-4DB8-9C6B-D6C7DFDC589F}" vid="{4A3C46E8-61CC-4603-A589-7422A47A8E4A}"/>
     </a:ext>
   </a:extLst>
 </a:theme>
@@ -42159,7 +43809,7 @@
   <a:extraClrSchemeLst/>
   <a:extLst>
     <a:ext uri="{05A4C25C-085E-4340-85A3-A5531E510DB2}">
-      <thm15:themeFamily xmlns="" xmlns:thm15="http://schemas.microsoft.com/office/thememl/2012/main" name="Office Theme" id="{62F939B6-93AF-4DB8-9C6B-D6C7DFDC589F}" vid="{4A3C46E8-61CC-4603-A589-7422A47A8E4A}"/>
+      <thm15:themeFamily xmlns:thm15="http://schemas.microsoft.com/office/thememl/2012/main" xmlns="" name="Office Theme" id="{62F939B6-93AF-4DB8-9C6B-D6C7DFDC589F}" vid="{4A3C46E8-61CC-4603-A589-7422A47A8E4A}"/>
     </a:ext>
   </a:extLst>
 </a:theme>
@@ -42420,7 +44070,7 @@
   <a:extraClrSchemeLst/>
   <a:extLst>
     <a:ext uri="{05A4C25C-085E-4340-85A3-A5531E510DB2}">
-      <thm15:themeFamily xmlns="" xmlns:thm15="http://schemas.microsoft.com/office/thememl/2012/main" name="Office Theme" id="{62F939B6-93AF-4DB8-9C6B-D6C7DFDC589F}" vid="{4A3C46E8-61CC-4603-A589-7422A47A8E4A}"/>
+      <thm15:themeFamily xmlns:thm15="http://schemas.microsoft.com/office/thememl/2012/main" xmlns="" name="Office Theme" id="{62F939B6-93AF-4DB8-9C6B-D6C7DFDC589F}" vid="{4A3C46E8-61CC-4603-A589-7422A47A8E4A}"/>
     </a:ext>
   </a:extLst>
 </a:theme>
@@ -42681,7 +44331,7 @@
   <a:extraClrSchemeLst/>
   <a:extLst>
     <a:ext uri="{05A4C25C-085E-4340-85A3-A5531E510DB2}">
-      <thm15:themeFamily xmlns="" xmlns:thm15="http://schemas.microsoft.com/office/thememl/2012/main" name="Office Theme" id="{62F939B6-93AF-4DB8-9C6B-D6C7DFDC589F}" vid="{4A3C46E8-61CC-4603-A589-7422A47A8E4A}"/>
+      <thm15:themeFamily xmlns:thm15="http://schemas.microsoft.com/office/thememl/2012/main" xmlns="" name="Office Theme" id="{62F939B6-93AF-4DB8-9C6B-D6C7DFDC589F}" vid="{4A3C46E8-61CC-4603-A589-7422A47A8E4A}"/>
     </a:ext>
   </a:extLst>
 </a:theme>

--- a/PAC-presentation.pptx
+++ b/PAC-presentation.pptx
@@ -19,8 +19,9 @@
     <p:sldId id="262" r:id="rId13"/>
     <p:sldId id="263" r:id="rId14"/>
     <p:sldId id="264" r:id="rId15"/>
-    <p:sldId id="265" r:id="rId16"/>
-    <p:sldId id="266" r:id="rId17"/>
+    <p:sldId id="267" r:id="rId16"/>
+    <p:sldId id="269" r:id="rId17"/>
+    <p:sldId id="270" r:id="rId18"/>
   </p:sldIdLst>
   <p:sldSz cx="9144000" cy="5715000" type="screen16x10"/>
   <p:notesSz cx="7559675" cy="10691813"/>
@@ -9915,200 +9916,6 @@
           <a:bodyPr lIns="90000" tIns="45000" rIns="90000" bIns="45000"/>
           <a:lstStyle/>
           <a:p>
-            <a:pPr marL="457200" indent="-457200">
-              <a:lnSpc>
-                <a:spcPct val="100000"/>
-              </a:lnSpc>
-              <a:spcBef>
-                <a:spcPts val="600"/>
-              </a:spcBef>
-              <a:spcAft>
-                <a:spcPts val="600"/>
-              </a:spcAft>
-              <a:buFont typeface="Wingdings" panose="05000000000000000000" pitchFamily="2" charset="2"/>
-              <a:buChar char="ü"/>
-            </a:pPr>
-            <a:r>
-              <a:rPr lang="en-US" sz="3200" dirty="0">
-                <a:solidFill>
-                  <a:srgbClr val="383836"/>
-                </a:solidFill>
-                <a:latin typeface="Arial"/>
-              </a:rPr>
-              <a:t>High focus on Unit / Integration </a:t>
-            </a:r>
-            <a:r>
-              <a:rPr lang="en-US" sz="3200" dirty="0" smtClean="0">
-                <a:solidFill>
-                  <a:srgbClr val="383836"/>
-                </a:solidFill>
-                <a:latin typeface="Arial"/>
-              </a:rPr>
-              <a:t>tests</a:t>
-            </a:r>
-          </a:p>
-          <a:p>
-            <a:pPr marL="457200" indent="-457200">
-              <a:lnSpc>
-                <a:spcPct val="100000"/>
-              </a:lnSpc>
-              <a:spcBef>
-                <a:spcPts val="600"/>
-              </a:spcBef>
-              <a:spcAft>
-                <a:spcPts val="600"/>
-              </a:spcAft>
-              <a:buFont typeface="Wingdings" panose="05000000000000000000" pitchFamily="2" charset="2"/>
-              <a:buChar char="ü"/>
-            </a:pPr>
-            <a:r>
-              <a:rPr lang="en-US" sz="3200" dirty="0" smtClean="0">
-                <a:solidFill>
-                  <a:srgbClr val="383836"/>
-                </a:solidFill>
-                <a:latin typeface="DIN Next LT Pro Light Condensed"/>
-              </a:rPr>
-              <a:t>Continuous </a:t>
-            </a:r>
-            <a:r>
-              <a:rPr lang="en-US" sz="3200" dirty="0">
-                <a:solidFill>
-                  <a:srgbClr val="383836"/>
-                </a:solidFill>
-                <a:latin typeface="DIN Next LT Pro Light Condensed"/>
-              </a:rPr>
-              <a:t>integration</a:t>
-            </a:r>
-            <a:endParaRPr dirty="0"/>
-          </a:p>
-          <a:p>
-            <a:pPr marL="457200" indent="-457200">
-              <a:lnSpc>
-                <a:spcPct val="100000"/>
-              </a:lnSpc>
-              <a:spcBef>
-                <a:spcPts val="600"/>
-              </a:spcBef>
-              <a:spcAft>
-                <a:spcPts val="600"/>
-              </a:spcAft>
-              <a:buFont typeface="Wingdings" panose="05000000000000000000" pitchFamily="2" charset="2"/>
-              <a:buChar char="ü"/>
-            </a:pPr>
-            <a:r>
-              <a:rPr lang="en-US" sz="3200" dirty="0">
-                <a:solidFill>
-                  <a:srgbClr val="383836"/>
-                </a:solidFill>
-                <a:latin typeface="DIN Next LT Pro Light Condensed"/>
-              </a:rPr>
-              <a:t>Issue tracking tools</a:t>
-            </a:r>
-            <a:endParaRPr dirty="0"/>
-          </a:p>
-          <a:p>
-            <a:pPr marL="457200" indent="-457200">
-              <a:lnSpc>
-                <a:spcPct val="100000"/>
-              </a:lnSpc>
-              <a:spcBef>
-                <a:spcPts val="600"/>
-              </a:spcBef>
-              <a:spcAft>
-                <a:spcPts val="600"/>
-              </a:spcAft>
-              <a:buFont typeface="Wingdings" panose="05000000000000000000" pitchFamily="2" charset="2"/>
-              <a:buChar char="ü"/>
-            </a:pPr>
-            <a:r>
-              <a:rPr lang="en-US" sz="3200" dirty="0">
-                <a:solidFill>
-                  <a:srgbClr val="383836"/>
-                </a:solidFill>
-                <a:latin typeface="DIN Next LT Pro Light Condensed"/>
-              </a:rPr>
-              <a:t>Agile development process – </a:t>
-            </a:r>
-            <a:r>
-              <a:rPr lang="en-US" sz="3200" i="1" dirty="0">
-                <a:solidFill>
-                  <a:srgbClr val="383836"/>
-                </a:solidFill>
-                <a:latin typeface="DIN Next LT Pro Light Condensed"/>
-              </a:rPr>
-              <a:t>recommendation</a:t>
-            </a:r>
-            <a:r>
-              <a:rPr lang="en-US" sz="3200" dirty="0">
-                <a:solidFill>
-                  <a:srgbClr val="383836"/>
-                </a:solidFill>
-                <a:latin typeface="DIN Next LT Pro Light Condensed"/>
-              </a:rPr>
-              <a:t>: Scrum</a:t>
-            </a:r>
-            <a:endParaRPr dirty="0"/>
-          </a:p>
-          <a:p>
-            <a:pPr marL="457200" indent="-457200">
-              <a:lnSpc>
-                <a:spcPct val="100000"/>
-              </a:lnSpc>
-              <a:spcBef>
-                <a:spcPts val="600"/>
-              </a:spcBef>
-              <a:spcAft>
-                <a:spcPts val="600"/>
-              </a:spcAft>
-              <a:buFont typeface="Wingdings" panose="05000000000000000000" pitchFamily="2" charset="2"/>
-              <a:buChar char="ü"/>
-            </a:pPr>
-            <a:r>
-              <a:rPr lang="en-US" sz="3200" dirty="0">
-                <a:solidFill>
-                  <a:srgbClr val="383836"/>
-                </a:solidFill>
-                <a:latin typeface="DIN Next LT Pro Light Condensed"/>
-              </a:rPr>
-              <a:t>SonarCube for quality </a:t>
-            </a:r>
-            <a:r>
-              <a:rPr lang="en-US" sz="3200" dirty="0" smtClean="0">
-                <a:solidFill>
-                  <a:srgbClr val="383836"/>
-                </a:solidFill>
-                <a:latin typeface="DIN Next LT Pro Light Condensed"/>
-              </a:rPr>
-              <a:t>metrics</a:t>
-            </a:r>
-            <a:endParaRPr dirty="0" smtClean="0"/>
-          </a:p>
-          <a:p>
-            <a:pPr marL="457200" indent="-457200">
-              <a:lnSpc>
-                <a:spcPct val="100000"/>
-              </a:lnSpc>
-              <a:spcBef>
-                <a:spcPts val="600"/>
-              </a:spcBef>
-              <a:spcAft>
-                <a:spcPts val="600"/>
-              </a:spcAft>
-              <a:buFont typeface="Wingdings" panose="05000000000000000000" pitchFamily="2" charset="2"/>
-              <a:buChar char="ü"/>
-            </a:pPr>
-            <a:r>
-              <a:rPr lang="en-US" sz="3200" dirty="0" smtClean="0">
-                <a:solidFill>
-                  <a:srgbClr val="383836"/>
-                </a:solidFill>
-                <a:latin typeface="DIN Next LT Pro Light Condensed"/>
-              </a:rPr>
-              <a:t>Hallway usability testing</a:t>
-            </a:r>
-            <a:endParaRPr dirty="0" smtClean="0"/>
-          </a:p>
-          <a:p>
             <a:pPr>
               <a:lnSpc>
                 <a:spcPct val="100000"/>
@@ -10187,7 +9994,7 @@
               </a:lnSpc>
             </a:pPr>
             <a:r>
-              <a:rPr lang="en-US" sz="3600">
+              <a:rPr lang="en-US" sz="3600" dirty="0">
                 <a:solidFill>
                   <a:srgbClr val="383836"/>
                 </a:solidFill>
@@ -10195,11 +10002,310 @@
               </a:rPr>
               <a:t>Quality:</a:t>
             </a:r>
-            <a:endParaRPr/>
+            <a:endParaRPr dirty="0"/>
+          </a:p>
+        </p:txBody>
+      </p:sp>
+      <p:pic>
+        <p:nvPicPr>
+          <p:cNvPr id="1029" name="Picture 5"/>
+          <p:cNvPicPr>
+            <a:picLocks noChangeAspect="1" noChangeArrowheads="1"/>
+          </p:cNvPicPr>
+          <p:nvPr/>
+        </p:nvPicPr>
+        <p:blipFill>
+          <a:blip r:embed="rId2">
+            <a:extLst>
+              <a:ext uri="{28A0092B-C50C-407E-A947-70E740481C1C}">
+                <a14:useLocalDpi xmlns:a14="http://schemas.microsoft.com/office/drawing/2010/main" val="0"/>
+              </a:ext>
+            </a:extLst>
+          </a:blip>
+          <a:srcRect/>
+          <a:stretch>
+            <a:fillRect/>
+          </a:stretch>
+        </p:blipFill>
+        <p:spPr bwMode="auto">
+          <a:xfrm rot="250447">
+            <a:off x="3968439" y="182185"/>
+            <a:ext cx="5072740" cy="1833709"/>
+          </a:xfrm>
+          <a:prstGeom prst="rect">
+            <a:avLst/>
+          </a:prstGeom>
+          <a:noFill/>
+          <a:ln>
+            <a:noFill/>
+          </a:ln>
+          <a:extLst>
+            <a:ext uri="{909E8E84-426E-40DD-AFC4-6F175D3DCCD1}">
+              <a14:hiddenFill xmlns:a14="http://schemas.microsoft.com/office/drawing/2010/main">
+                <a:solidFill>
+                  <a:schemeClr val="accent1"/>
+                </a:solidFill>
+              </a14:hiddenFill>
+            </a:ext>
+            <a:ext uri="{91240B29-F687-4F45-9708-019B960494DF}">
+              <a14:hiddenLine xmlns:a14="http://schemas.microsoft.com/office/drawing/2010/main" w="9525">
+                <a:solidFill>
+                  <a:schemeClr val="tx1"/>
+                </a:solidFill>
+                <a:miter lim="800000"/>
+                <a:headEnd/>
+                <a:tailEnd/>
+              </a14:hiddenLine>
+            </a:ext>
+          </a:extLst>
+        </p:spPr>
+      </p:pic>
+      <p:pic>
+        <p:nvPicPr>
+          <p:cNvPr id="1031" name="Picture 7" descr="jira_logo.jpg (630×630)"/>
+          <p:cNvPicPr>
+            <a:picLocks noChangeAspect="1" noChangeArrowheads="1"/>
+          </p:cNvPicPr>
+          <p:nvPr/>
+        </p:nvPicPr>
+        <p:blipFill>
+          <a:blip r:embed="rId3" cstate="print">
+            <a:extLst>
+              <a:ext uri="{28A0092B-C50C-407E-A947-70E740481C1C}">
+                <a14:useLocalDpi xmlns:a14="http://schemas.microsoft.com/office/drawing/2010/main" val="0"/>
+              </a:ext>
+            </a:extLst>
+          </a:blip>
+          <a:srcRect/>
+          <a:stretch>
+            <a:fillRect/>
+          </a:stretch>
+        </p:blipFill>
+        <p:spPr bwMode="auto">
+          <a:xfrm>
+            <a:off x="2627784" y="539697"/>
+            <a:ext cx="1082118" cy="1082118"/>
+          </a:xfrm>
+          <a:prstGeom prst="rect">
+            <a:avLst/>
+          </a:prstGeom>
+          <a:noFill/>
+          <a:extLst>
+            <a:ext uri="{909E8E84-426E-40DD-AFC4-6F175D3DCCD1}">
+              <a14:hiddenFill xmlns:a14="http://schemas.microsoft.com/office/drawing/2010/main">
+                <a:solidFill>
+                  <a:srgbClr val="FFFFFF"/>
+                </a:solidFill>
+              </a14:hiddenFill>
+            </a:ext>
+          </a:extLst>
+        </p:spPr>
+      </p:pic>
+      <p:pic>
+        <p:nvPicPr>
+          <p:cNvPr id="1033" name="Picture 9"/>
+          <p:cNvPicPr>
+            <a:picLocks noChangeAspect="1" noChangeArrowheads="1"/>
+          </p:cNvPicPr>
+          <p:nvPr/>
+        </p:nvPicPr>
+        <p:blipFill>
+          <a:blip r:embed="rId4">
+            <a:extLst>
+              <a:ext uri="{28A0092B-C50C-407E-A947-70E740481C1C}">
+                <a14:useLocalDpi xmlns:a14="http://schemas.microsoft.com/office/drawing/2010/main" val="0"/>
+              </a:ext>
+            </a:extLst>
+          </a:blip>
+          <a:srcRect/>
+          <a:stretch>
+            <a:fillRect/>
+          </a:stretch>
+        </p:blipFill>
+        <p:spPr bwMode="auto">
+          <a:xfrm rot="592158">
+            <a:off x="5904644" y="3548628"/>
+            <a:ext cx="3114675" cy="1857375"/>
+          </a:xfrm>
+          <a:prstGeom prst="rect">
+            <a:avLst/>
+          </a:prstGeom>
+          <a:noFill/>
+          <a:ln>
+            <a:noFill/>
+          </a:ln>
+          <a:effectLst/>
+          <a:extLst>
+            <a:ext uri="{909E8E84-426E-40DD-AFC4-6F175D3DCCD1}">
+              <a14:hiddenFill xmlns:a14="http://schemas.microsoft.com/office/drawing/2010/main">
+                <a:solidFill>
+                  <a:schemeClr val="accent1"/>
+                </a:solidFill>
+              </a14:hiddenFill>
+            </a:ext>
+            <a:ext uri="{91240B29-F687-4F45-9708-019B960494DF}">
+              <a14:hiddenLine xmlns:a14="http://schemas.microsoft.com/office/drawing/2010/main" w="9525">
+                <a:solidFill>
+                  <a:schemeClr val="tx1"/>
+                </a:solidFill>
+                <a:miter lim="800000"/>
+                <a:headEnd/>
+                <a:tailEnd/>
+              </a14:hiddenLine>
+            </a:ext>
+            <a:ext uri="{AF507438-7753-43E0-B8FC-AC1667EBCBE1}">
+              <a14:hiddenEffects xmlns:a14="http://schemas.microsoft.com/office/drawing/2010/main">
+                <a:effectLst>
+                  <a:outerShdw dist="35921" dir="2700000" algn="ctr" rotWithShape="0">
+                    <a:schemeClr val="bg2"/>
+                  </a:outerShdw>
+                </a:effectLst>
+              </a14:hiddenEffects>
+            </a:ext>
+          </a:extLst>
+        </p:spPr>
+      </p:pic>
+      <p:pic>
+        <p:nvPicPr>
+          <p:cNvPr id="1034" name="Picture 10" descr="C:\Users\prodyna\Desktop\crucible_blue.png"/>
+          <p:cNvPicPr>
+            <a:picLocks noChangeAspect="1" noChangeArrowheads="1"/>
+          </p:cNvPicPr>
+          <p:nvPr/>
+        </p:nvPicPr>
+        <p:blipFill>
+          <a:blip r:embed="rId5" cstate="print">
+            <a:extLst>
+              <a:ext uri="{28A0092B-C50C-407E-A947-70E740481C1C}">
+                <a14:useLocalDpi xmlns:a14="http://schemas.microsoft.com/office/drawing/2010/main" val="0"/>
+              </a:ext>
+            </a:extLst>
+          </a:blip>
+          <a:srcRect/>
+          <a:stretch>
+            <a:fillRect/>
+          </a:stretch>
+        </p:blipFill>
+        <p:spPr bwMode="auto">
+          <a:xfrm>
+            <a:off x="-33516" y="4722291"/>
+            <a:ext cx="2013227" cy="511927"/>
+          </a:xfrm>
+          <a:prstGeom prst="rect">
+            <a:avLst/>
+          </a:prstGeom>
+          <a:noFill/>
+          <a:extLst>
+            <a:ext uri="{909E8E84-426E-40DD-AFC4-6F175D3DCCD1}">
+              <a14:hiddenFill xmlns:a14="http://schemas.microsoft.com/office/drawing/2010/main">
+                <a:solidFill>
+                  <a:srgbClr val="FFFFFF"/>
+                </a:solidFill>
+              </a14:hiddenFill>
+            </a:ext>
+          </a:extLst>
+        </p:spPr>
+      </p:pic>
+      <p:pic>
+        <p:nvPicPr>
+          <p:cNvPr id="1035" name="Picture 11"/>
+          <p:cNvPicPr>
+            <a:picLocks noChangeAspect="1" noChangeArrowheads="1"/>
+          </p:cNvPicPr>
+          <p:nvPr/>
+        </p:nvPicPr>
+        <p:blipFill>
+          <a:blip r:embed="rId6">
+            <a:extLst>
+              <a:ext uri="{28A0092B-C50C-407E-A947-70E740481C1C}">
+                <a14:useLocalDpi xmlns:a14="http://schemas.microsoft.com/office/drawing/2010/main" val="0"/>
+              </a:ext>
+            </a:extLst>
+          </a:blip>
+          <a:srcRect/>
+          <a:stretch>
+            <a:fillRect/>
+          </a:stretch>
+        </p:blipFill>
+        <p:spPr bwMode="auto">
+          <a:xfrm>
+            <a:off x="107504" y="1634083"/>
+            <a:ext cx="5792787" cy="3095625"/>
+          </a:xfrm>
+          <a:prstGeom prst="rect">
+            <a:avLst/>
+          </a:prstGeom>
+          <a:noFill/>
+          <a:ln>
+            <a:noFill/>
+          </a:ln>
+          <a:effectLst/>
+          <a:extLst>
+            <a:ext uri="{909E8E84-426E-40DD-AFC4-6F175D3DCCD1}">
+              <a14:hiddenFill xmlns:a14="http://schemas.microsoft.com/office/drawing/2010/main">
+                <a:solidFill>
+                  <a:schemeClr val="accent1"/>
+                </a:solidFill>
+              </a14:hiddenFill>
+            </a:ext>
+            <a:ext uri="{91240B29-F687-4F45-9708-019B960494DF}">
+              <a14:hiddenLine xmlns:a14="http://schemas.microsoft.com/office/drawing/2010/main" w="9525">
+                <a:solidFill>
+                  <a:schemeClr val="tx1"/>
+                </a:solidFill>
+                <a:miter lim="800000"/>
+                <a:headEnd/>
+                <a:tailEnd/>
+              </a14:hiddenLine>
+            </a:ext>
+            <a:ext uri="{AF507438-7753-43E0-B8FC-AC1667EBCBE1}">
+              <a14:hiddenEffects xmlns:a14="http://schemas.microsoft.com/office/drawing/2010/main">
+                <a:effectLst>
+                  <a:outerShdw dist="35921" dir="2700000" algn="ctr" rotWithShape="0">
+                    <a:schemeClr val="bg2"/>
+                  </a:outerShdw>
+                </a:effectLst>
+              </a14:hiddenEffects>
+            </a:ext>
+          </a:extLst>
+        </p:spPr>
+      </p:pic>
+      <p:sp>
+        <p:nvSpPr>
+          <p:cNvPr id="2" name="Textfeld 1"/>
+          <p:cNvSpPr txBox="1"/>
+          <p:nvPr/>
+        </p:nvSpPr>
+        <p:spPr>
+          <a:xfrm rot="1042585">
+            <a:off x="4587886" y="2657517"/>
+            <a:ext cx="4536819" cy="584775"/>
+          </a:xfrm>
+          <a:prstGeom prst="rect">
+            <a:avLst/>
+          </a:prstGeom>
+          <a:noFill/>
+        </p:spPr>
+        <p:txBody>
+          <a:bodyPr wrap="none" rtlCol="0">
+            <a:spAutoFit/>
+          </a:bodyPr>
+          <a:lstStyle/>
+          <a:p>
+            <a:r>
+              <a:rPr lang="en-US" sz="3200" dirty="0" smtClean="0"/>
+              <a:t>Hallway usability testing</a:t>
+            </a:r>
+            <a:endParaRPr lang="en-US" sz="3200" dirty="0"/>
           </a:p>
         </p:txBody>
       </p:sp>
     </p:spTree>
+    <p:extLst>
+      <p:ext uri="{BB962C8B-B14F-4D97-AF65-F5344CB8AC3E}">
+        <p14:creationId xmlns:p14="http://schemas.microsoft.com/office/powerpoint/2010/main" val="3513274701"/>
+      </p:ext>
+    </p:extLst>
   </p:cSld>
   <p:clrMapOvr>
     <a:masterClrMapping/>
@@ -10253,13 +10359,13 @@
       </p:grpSpPr>
       <p:sp>
         <p:nvSpPr>
-          <p:cNvPr id="281" name="CustomShape 1"/>
+          <p:cNvPr id="279" name="CustomShape 1"/>
           <p:cNvSpPr/>
           <p:nvPr/>
         </p:nvSpPr>
         <p:spPr>
           <a:xfrm>
-            <a:off x="467544" y="913284"/>
+            <a:off x="574560" y="1207800"/>
             <a:ext cx="8139960" cy="4199700"/>
           </a:xfrm>
           <a:prstGeom prst="rect">
@@ -10274,7 +10380,231 @@
           <a:bodyPr lIns="90000" tIns="45000" rIns="90000" bIns="45000"/>
           <a:lstStyle/>
           <a:p>
-            <a:pPr marL="457200" indent="-457200">
+            <a:pPr>
+              <a:lnSpc>
+                <a:spcPct val="100000"/>
+              </a:lnSpc>
+              <a:buFont typeface="StarSymbol"/>
+              <a:buChar char=""/>
+            </a:pPr>
+            <a:endParaRPr dirty="0"/>
+          </a:p>
+          <a:p>
+            <a:pPr>
+              <a:lnSpc>
+                <a:spcPct val="100000"/>
+              </a:lnSpc>
+              <a:buFont typeface="StarSymbol"/>
+              <a:buChar char=""/>
+            </a:pPr>
+            <a:endParaRPr dirty="0"/>
+          </a:p>
+          <a:p>
+            <a:pPr>
+              <a:lnSpc>
+                <a:spcPct val="100000"/>
+              </a:lnSpc>
+              <a:buFont typeface="StarSymbol"/>
+              <a:buChar char=""/>
+            </a:pPr>
+            <a:endParaRPr dirty="0"/>
+          </a:p>
+          <a:p>
+            <a:pPr>
+              <a:lnSpc>
+                <a:spcPct val="100000"/>
+              </a:lnSpc>
+              <a:buFont typeface="StarSymbol"/>
+              <a:buChar char=""/>
+            </a:pPr>
+            <a:endParaRPr dirty="0"/>
+          </a:p>
+          <a:p>
+            <a:pPr>
+              <a:lnSpc>
+                <a:spcPct val="100000"/>
+              </a:lnSpc>
+            </a:pPr>
+            <a:endParaRPr dirty="0"/>
+          </a:p>
+        </p:txBody>
+      </p:sp>
+      <p:sp>
+        <p:nvSpPr>
+          <p:cNvPr id="280" name="CustomShape 2"/>
+          <p:cNvSpPr/>
+          <p:nvPr/>
+        </p:nvSpPr>
+        <p:spPr>
+          <a:xfrm>
+            <a:off x="577800" y="247200"/>
+            <a:ext cx="8136720" cy="539100"/>
+          </a:xfrm>
+          <a:prstGeom prst="rect">
+            <a:avLst/>
+          </a:prstGeom>
+          <a:noFill/>
+          <a:ln>
+            <a:noFill/>
+          </a:ln>
+        </p:spPr>
+        <p:txBody>
+          <a:bodyPr lIns="90000" tIns="45000" rIns="90000" bIns="45000" anchor="ctr"/>
+          <a:lstStyle/>
+          <a:p>
+            <a:pPr>
+              <a:lnSpc>
+                <a:spcPct val="100000"/>
+              </a:lnSpc>
+            </a:pPr>
+            <a:r>
+              <a:rPr lang="en-US" sz="3600" dirty="0" smtClean="0">
+                <a:solidFill>
+                  <a:srgbClr val="383836"/>
+                </a:solidFill>
+                <a:latin typeface="DIN Next LT Pro Condensed"/>
+              </a:rPr>
+              <a:t>Application monitoring</a:t>
+            </a:r>
+            <a:endParaRPr dirty="0"/>
+          </a:p>
+        </p:txBody>
+      </p:sp>
+      <p:pic>
+        <p:nvPicPr>
+          <p:cNvPr id="3078" name="Picture 6"/>
+          <p:cNvPicPr>
+            <a:picLocks noChangeAspect="1" noChangeArrowheads="1"/>
+          </p:cNvPicPr>
+          <p:nvPr/>
+        </p:nvPicPr>
+        <p:blipFill>
+          <a:blip r:embed="rId2">
+            <a:extLst>
+              <a:ext uri="{28A0092B-C50C-407E-A947-70E740481C1C}">
+                <a14:useLocalDpi xmlns:a14="http://schemas.microsoft.com/office/drawing/2010/main" val="0"/>
+              </a:ext>
+            </a:extLst>
+          </a:blip>
+          <a:srcRect/>
+          <a:stretch>
+            <a:fillRect/>
+          </a:stretch>
+        </p:blipFill>
+        <p:spPr bwMode="auto">
+          <a:xfrm>
+            <a:off x="35496" y="1181350"/>
+            <a:ext cx="9039953" cy="3692374"/>
+          </a:xfrm>
+          <a:prstGeom prst="rect">
+            <a:avLst/>
+          </a:prstGeom>
+          <a:noFill/>
+          <a:ln>
+            <a:noFill/>
+          </a:ln>
+          <a:extLst>
+            <a:ext uri="{909E8E84-426E-40DD-AFC4-6F175D3DCCD1}">
+              <a14:hiddenFill xmlns:a14="http://schemas.microsoft.com/office/drawing/2010/main">
+                <a:solidFill>
+                  <a:schemeClr val="accent1"/>
+                </a:solidFill>
+              </a14:hiddenFill>
+            </a:ext>
+            <a:ext uri="{91240B29-F687-4F45-9708-019B960494DF}">
+              <a14:hiddenLine xmlns:a14="http://schemas.microsoft.com/office/drawing/2010/main" w="9525">
+                <a:solidFill>
+                  <a:schemeClr val="tx1"/>
+                </a:solidFill>
+                <a:miter lim="800000"/>
+                <a:headEnd/>
+                <a:tailEnd/>
+              </a14:hiddenLine>
+            </a:ext>
+          </a:extLst>
+        </p:spPr>
+      </p:pic>
+    </p:spTree>
+    <p:extLst>
+      <p:ext uri="{BB962C8B-B14F-4D97-AF65-F5344CB8AC3E}">
+        <p14:creationId xmlns:p14="http://schemas.microsoft.com/office/powerpoint/2010/main" val="1310643791"/>
+      </p:ext>
+    </p:extLst>
+  </p:cSld>
+  <p:clrMapOvr>
+    <a:masterClrMapping/>
+  </p:clrMapOvr>
+  <p:timing>
+    <p:tnLst>
+      <p:par>
+        <p:cTn id="1" dur="indefinite" restart="never" nodeType="tmRoot">
+          <p:childTnLst>
+            <p:seq>
+              <p:cTn id="2" nodeType="mainSeq"/>
+              <p:prevCondLst>
+                <p:cond evt="onPrev" delay="0">
+                  <p:tgtEl>
+                    <p:sldTgt/>
+                  </p:tgtEl>
+                </p:cond>
+              </p:prevCondLst>
+              <p:nextCondLst>
+                <p:cond evt="onNext" delay="0">
+                  <p:tgtEl>
+                    <p:sldTgt/>
+                  </p:tgtEl>
+                </p:cond>
+              </p:nextCondLst>
+            </p:seq>
+          </p:childTnLst>
+        </p:cTn>
+      </p:par>
+    </p:tnLst>
+  </p:timing>
+</p:sld>
+</file>
+
+<file path=ppt/slides/slide12.xml><?xml version="1.0" encoding="utf-8"?>
+<p:sld xmlns:a="http://schemas.openxmlformats.org/drawingml/2006/main" xmlns:r="http://schemas.openxmlformats.org/officeDocument/2006/relationships" xmlns:p="http://schemas.openxmlformats.org/presentationml/2006/main">
+  <p:cSld>
+    <p:spTree>
+      <p:nvGrpSpPr>
+        <p:cNvPr id="1" name=""/>
+        <p:cNvGrpSpPr/>
+        <p:nvPr/>
+      </p:nvGrpSpPr>
+      <p:grpSpPr>
+        <a:xfrm>
+          <a:off x="0" y="0"/>
+          <a:ext cx="0" cy="0"/>
+          <a:chOff x="0" y="0"/>
+          <a:chExt cx="0" cy="0"/>
+        </a:xfrm>
+      </p:grpSpPr>
+      <p:sp>
+        <p:nvSpPr>
+          <p:cNvPr id="281" name="CustomShape 1"/>
+          <p:cNvSpPr/>
+          <p:nvPr/>
+        </p:nvSpPr>
+        <p:spPr>
+          <a:xfrm>
+            <a:off x="107504" y="2519024"/>
+            <a:ext cx="3888432" cy="626508"/>
+          </a:xfrm>
+          <a:prstGeom prst="rect">
+            <a:avLst/>
+          </a:prstGeom>
+          <a:noFill/>
+          <a:ln>
+            <a:noFill/>
+          </a:ln>
+        </p:spPr>
+        <p:txBody>
+          <a:bodyPr lIns="90000" tIns="45000" rIns="90000" bIns="45000"/>
+          <a:lstStyle/>
+          <a:p>
+            <a:pPr>
               <a:lnSpc>
                 <a:spcPct val="100000"/>
               </a:lnSpc>
@@ -10284,18 +10614,7 @@
               <a:spcAft>
                 <a:spcPts val="300"/>
               </a:spcAft>
-              <a:buFont typeface="Wingdings" panose="05000000000000000000" pitchFamily="2" charset="2"/>
-              <a:buChar char="ü"/>
-            </a:pPr>
-            <a:r>
-              <a:rPr lang="en-US" sz="3200" dirty="0">
-                <a:solidFill>
-                  <a:srgbClr val="383836"/>
-                </a:solidFill>
-                <a:latin typeface="DIN Next LT Pro Light Condensed"/>
-              </a:rPr>
-              <a:t>Coding and naming </a:t>
-            </a:r>
+            </a:pPr>
             <a:r>
               <a:rPr lang="en-US" sz="3200" dirty="0" smtClean="0">
                 <a:solidFill>
@@ -10303,11 +10622,261 @@
                 </a:solidFill>
                 <a:latin typeface="DIN Next LT Pro Light Condensed"/>
               </a:rPr>
-              <a:t>conventions</a:t>
+              <a:t>Pair-programming</a:t>
             </a:r>
-          </a:p>
-          <a:p>
-            <a:pPr marL="457200" indent="-457200">
+            <a:endParaRPr dirty="0"/>
+          </a:p>
+          <a:p>
+            <a:pPr>
+              <a:lnSpc>
+                <a:spcPct val="100000"/>
+              </a:lnSpc>
+              <a:buFont typeface="StarSymbol"/>
+              <a:buChar char=""/>
+            </a:pPr>
+            <a:endParaRPr dirty="0"/>
+          </a:p>
+          <a:p>
+            <a:pPr>
+              <a:lnSpc>
+                <a:spcPct val="100000"/>
+              </a:lnSpc>
+              <a:buFont typeface="StarSymbol"/>
+              <a:buChar char=""/>
+            </a:pPr>
+            <a:endParaRPr dirty="0"/>
+          </a:p>
+          <a:p>
+            <a:pPr>
+              <a:lnSpc>
+                <a:spcPct val="100000"/>
+              </a:lnSpc>
+              <a:buFont typeface="StarSymbol"/>
+              <a:buChar char=""/>
+            </a:pPr>
+            <a:endParaRPr dirty="0"/>
+          </a:p>
+          <a:p>
+            <a:pPr>
+              <a:lnSpc>
+                <a:spcPct val="100000"/>
+              </a:lnSpc>
+            </a:pPr>
+            <a:endParaRPr dirty="0"/>
+          </a:p>
+        </p:txBody>
+      </p:sp>
+      <p:sp>
+        <p:nvSpPr>
+          <p:cNvPr id="282" name="CustomShape 2"/>
+          <p:cNvSpPr/>
+          <p:nvPr/>
+        </p:nvSpPr>
+        <p:spPr>
+          <a:xfrm>
+            <a:off x="577800" y="247200"/>
+            <a:ext cx="8136720" cy="539100"/>
+          </a:xfrm>
+          <a:prstGeom prst="rect">
+            <a:avLst/>
+          </a:prstGeom>
+          <a:noFill/>
+          <a:ln>
+            <a:noFill/>
+          </a:ln>
+        </p:spPr>
+        <p:txBody>
+          <a:bodyPr lIns="90000" tIns="45000" rIns="90000" bIns="45000" anchor="ctr"/>
+          <a:lstStyle/>
+          <a:p>
+            <a:pPr>
+              <a:lnSpc>
+                <a:spcPct val="100000"/>
+              </a:lnSpc>
+            </a:pPr>
+            <a:r>
+              <a:rPr lang="en-US" sz="3600">
+                <a:solidFill>
+                  <a:srgbClr val="383836"/>
+                </a:solidFill>
+                <a:latin typeface="DIN Next LT Pro Condensed"/>
+              </a:rPr>
+              <a:t>Development:</a:t>
+            </a:r>
+            <a:endParaRPr/>
+          </a:p>
+        </p:txBody>
+      </p:sp>
+      <p:pic>
+        <p:nvPicPr>
+          <p:cNvPr id="6146" name="Picture 2"/>
+          <p:cNvPicPr>
+            <a:picLocks noChangeAspect="1" noChangeArrowheads="1"/>
+          </p:cNvPicPr>
+          <p:nvPr/>
+        </p:nvPicPr>
+        <p:blipFill>
+          <a:blip r:embed="rId2">
+            <a:extLst>
+              <a:ext uri="{28A0092B-C50C-407E-A947-70E740481C1C}">
+                <a14:useLocalDpi xmlns:a14="http://schemas.microsoft.com/office/drawing/2010/main" val="0"/>
+              </a:ext>
+            </a:extLst>
+          </a:blip>
+          <a:srcRect/>
+          <a:stretch>
+            <a:fillRect/>
+          </a:stretch>
+        </p:blipFill>
+        <p:spPr bwMode="auto">
+          <a:xfrm rot="381052">
+            <a:off x="7289200" y="409228"/>
+            <a:ext cx="1425320" cy="1731764"/>
+          </a:xfrm>
+          <a:prstGeom prst="rect">
+            <a:avLst/>
+          </a:prstGeom>
+          <a:noFill/>
+          <a:ln>
+            <a:noFill/>
+          </a:ln>
+          <a:effectLst/>
+          <a:extLst>
+            <a:ext uri="{909E8E84-426E-40DD-AFC4-6F175D3DCCD1}">
+              <a14:hiddenFill xmlns:a14="http://schemas.microsoft.com/office/drawing/2010/main">
+                <a:solidFill>
+                  <a:schemeClr val="accent1"/>
+                </a:solidFill>
+              </a14:hiddenFill>
+            </a:ext>
+            <a:ext uri="{91240B29-F687-4F45-9708-019B960494DF}">
+              <a14:hiddenLine xmlns:a14="http://schemas.microsoft.com/office/drawing/2010/main" w="9525">
+                <a:solidFill>
+                  <a:schemeClr val="tx1"/>
+                </a:solidFill>
+                <a:miter lim="800000"/>
+                <a:headEnd/>
+                <a:tailEnd/>
+              </a14:hiddenLine>
+            </a:ext>
+            <a:ext uri="{AF507438-7753-43E0-B8FC-AC1667EBCBE1}">
+              <a14:hiddenEffects xmlns:a14="http://schemas.microsoft.com/office/drawing/2010/main">
+                <a:effectLst>
+                  <a:outerShdw dist="35921" dir="2700000" algn="ctr" rotWithShape="0">
+                    <a:schemeClr val="bg2"/>
+                  </a:outerShdw>
+                </a:effectLst>
+              </a14:hiddenEffects>
+            </a:ext>
+          </a:extLst>
+        </p:spPr>
+      </p:pic>
+      <p:pic>
+        <p:nvPicPr>
+          <p:cNvPr id="7170" name="Picture 2" descr="muppetspairprogramming.jpg (310×229)"/>
+          <p:cNvPicPr>
+            <a:picLocks noChangeAspect="1" noChangeArrowheads="1"/>
+          </p:cNvPicPr>
+          <p:nvPr/>
+        </p:nvPicPr>
+        <p:blipFill>
+          <a:blip r:embed="rId3">
+            <a:extLst>
+              <a:ext uri="{28A0092B-C50C-407E-A947-70E740481C1C}">
+                <a14:useLocalDpi xmlns:a14="http://schemas.microsoft.com/office/drawing/2010/main" val="0"/>
+              </a:ext>
+            </a:extLst>
+          </a:blip>
+          <a:srcRect/>
+          <a:stretch>
+            <a:fillRect/>
+          </a:stretch>
+        </p:blipFill>
+        <p:spPr bwMode="auto">
+          <a:xfrm>
+            <a:off x="323528" y="3145532"/>
+            <a:ext cx="2952750" cy="2181226"/>
+          </a:xfrm>
+          <a:prstGeom prst="rect">
+            <a:avLst/>
+          </a:prstGeom>
+          <a:noFill/>
+          <a:extLst>
+            <a:ext uri="{909E8E84-426E-40DD-AFC4-6F175D3DCCD1}">
+              <a14:hiddenFill xmlns:a14="http://schemas.microsoft.com/office/drawing/2010/main">
+                <a:solidFill>
+                  <a:srgbClr val="FFFFFF"/>
+                </a:solidFill>
+              </a14:hiddenFill>
+            </a:ext>
+          </a:extLst>
+        </p:spPr>
+      </p:pic>
+      <p:pic>
+        <p:nvPicPr>
+          <p:cNvPr id="7172" name="Picture 4" descr="tdd.png (200×200)"/>
+          <p:cNvPicPr>
+            <a:picLocks noChangeAspect="1" noChangeArrowheads="1"/>
+          </p:cNvPicPr>
+          <p:nvPr/>
+        </p:nvPicPr>
+        <p:blipFill>
+          <a:blip r:embed="rId4">
+            <a:extLst>
+              <a:ext uri="{28A0092B-C50C-407E-A947-70E740481C1C}">
+                <a14:useLocalDpi xmlns:a14="http://schemas.microsoft.com/office/drawing/2010/main" val="0"/>
+              </a:ext>
+            </a:extLst>
+          </a:blip>
+          <a:srcRect/>
+          <a:stretch>
+            <a:fillRect/>
+          </a:stretch>
+        </p:blipFill>
+        <p:spPr bwMode="auto">
+          <a:xfrm>
+            <a:off x="4499992" y="927278"/>
+            <a:ext cx="1905000" cy="1905000"/>
+          </a:xfrm>
+          <a:prstGeom prst="rect">
+            <a:avLst/>
+          </a:prstGeom>
+          <a:noFill/>
+          <a:extLst>
+            <a:ext uri="{909E8E84-426E-40DD-AFC4-6F175D3DCCD1}">
+              <a14:hiddenFill xmlns:a14="http://schemas.microsoft.com/office/drawing/2010/main">
+                <a:solidFill>
+                  <a:srgbClr val="FFFFFF"/>
+                </a:solidFill>
+              </a14:hiddenFill>
+            </a:ext>
+          </a:extLst>
+        </p:spPr>
+      </p:pic>
+      <p:sp>
+        <p:nvSpPr>
+          <p:cNvPr id="8" name="CustomShape 1"/>
+          <p:cNvSpPr/>
+          <p:nvPr/>
+        </p:nvSpPr>
+        <p:spPr>
+          <a:xfrm rot="21248967">
+            <a:off x="4809734" y="4714089"/>
+            <a:ext cx="3888432" cy="626508"/>
+          </a:xfrm>
+          <a:prstGeom prst="rect">
+            <a:avLst/>
+          </a:prstGeom>
+          <a:noFill/>
+          <a:ln>
+            <a:noFill/>
+          </a:ln>
+        </p:spPr>
+        <p:txBody>
+          <a:bodyPr lIns="90000" tIns="45000" rIns="90000" bIns="45000"/>
+          <a:lstStyle/>
+          <a:p>
+            <a:pPr>
               <a:lnSpc>
                 <a:spcPct val="100000"/>
               </a:lnSpc>
@@ -10317,8 +10886,261 @@
               <a:spcAft>
                 <a:spcPts val="300"/>
               </a:spcAft>
-              <a:buFont typeface="Wingdings" panose="05000000000000000000" pitchFamily="2" charset="2"/>
-              <a:buChar char="ü"/>
+            </a:pPr>
+            <a:r>
+              <a:rPr lang="en-US" sz="3200" dirty="0" smtClean="0">
+                <a:solidFill>
+                  <a:srgbClr val="383836"/>
+                </a:solidFill>
+                <a:latin typeface="DIN Next LT Pro Light Condensed"/>
+              </a:rPr>
+              <a:t>Naming conventions</a:t>
+            </a:r>
+            <a:endParaRPr dirty="0"/>
+          </a:p>
+          <a:p>
+            <a:pPr>
+              <a:lnSpc>
+                <a:spcPct val="100000"/>
+              </a:lnSpc>
+              <a:buFont typeface="StarSymbol"/>
+              <a:buChar char=""/>
+            </a:pPr>
+            <a:endParaRPr dirty="0"/>
+          </a:p>
+          <a:p>
+            <a:pPr>
+              <a:lnSpc>
+                <a:spcPct val="100000"/>
+              </a:lnSpc>
+              <a:buFont typeface="StarSymbol"/>
+              <a:buChar char=""/>
+            </a:pPr>
+            <a:endParaRPr dirty="0"/>
+          </a:p>
+          <a:p>
+            <a:pPr>
+              <a:lnSpc>
+                <a:spcPct val="100000"/>
+              </a:lnSpc>
+              <a:buFont typeface="StarSymbol"/>
+              <a:buChar char=""/>
+            </a:pPr>
+            <a:endParaRPr dirty="0"/>
+          </a:p>
+          <a:p>
+            <a:pPr>
+              <a:lnSpc>
+                <a:spcPct val="100000"/>
+              </a:lnSpc>
+            </a:pPr>
+            <a:endParaRPr dirty="0"/>
+          </a:p>
+        </p:txBody>
+      </p:sp>
+      <p:sp>
+        <p:nvSpPr>
+          <p:cNvPr id="9" name="CustomShape 1"/>
+          <p:cNvSpPr/>
+          <p:nvPr/>
+        </p:nvSpPr>
+        <p:spPr>
+          <a:xfrm rot="284841">
+            <a:off x="24991" y="1451744"/>
+            <a:ext cx="3888432" cy="626508"/>
+          </a:xfrm>
+          <a:prstGeom prst="rect">
+            <a:avLst/>
+          </a:prstGeom>
+          <a:noFill/>
+          <a:ln>
+            <a:noFill/>
+          </a:ln>
+        </p:spPr>
+        <p:txBody>
+          <a:bodyPr lIns="90000" tIns="45000" rIns="90000" bIns="45000"/>
+          <a:lstStyle/>
+          <a:p>
+            <a:pPr>
+              <a:lnSpc>
+                <a:spcPct val="100000"/>
+              </a:lnSpc>
+              <a:spcBef>
+                <a:spcPts val="300"/>
+              </a:spcBef>
+              <a:spcAft>
+                <a:spcPts val="300"/>
+              </a:spcAft>
+            </a:pPr>
+            <a:r>
+              <a:rPr lang="en-US" sz="3200" dirty="0" smtClean="0">
+                <a:solidFill>
+                  <a:srgbClr val="383836"/>
+                </a:solidFill>
+                <a:latin typeface="DIN Next LT Pro Light Condensed"/>
+              </a:rPr>
+              <a:t>Coding conventions</a:t>
+            </a:r>
+            <a:endParaRPr dirty="0"/>
+          </a:p>
+          <a:p>
+            <a:pPr>
+              <a:lnSpc>
+                <a:spcPct val="100000"/>
+              </a:lnSpc>
+              <a:buFont typeface="StarSymbol"/>
+              <a:buChar char=""/>
+            </a:pPr>
+            <a:endParaRPr dirty="0"/>
+          </a:p>
+          <a:p>
+            <a:pPr>
+              <a:lnSpc>
+                <a:spcPct val="100000"/>
+              </a:lnSpc>
+              <a:buFont typeface="StarSymbol"/>
+              <a:buChar char=""/>
+            </a:pPr>
+            <a:endParaRPr dirty="0"/>
+          </a:p>
+          <a:p>
+            <a:pPr>
+              <a:lnSpc>
+                <a:spcPct val="100000"/>
+              </a:lnSpc>
+              <a:buFont typeface="StarSymbol"/>
+              <a:buChar char=""/>
+            </a:pPr>
+            <a:endParaRPr dirty="0"/>
+          </a:p>
+          <a:p>
+            <a:pPr>
+              <a:lnSpc>
+                <a:spcPct val="100000"/>
+              </a:lnSpc>
+            </a:pPr>
+            <a:endParaRPr dirty="0"/>
+          </a:p>
+        </p:txBody>
+      </p:sp>
+      <p:sp>
+        <p:nvSpPr>
+          <p:cNvPr id="11" name="CustomShape 1"/>
+          <p:cNvSpPr/>
+          <p:nvPr/>
+        </p:nvSpPr>
+        <p:spPr>
+          <a:xfrm>
+            <a:off x="3400768" y="3952562"/>
+            <a:ext cx="3888432" cy="626508"/>
+          </a:xfrm>
+          <a:prstGeom prst="rect">
+            <a:avLst/>
+          </a:prstGeom>
+          <a:noFill/>
+          <a:ln>
+            <a:noFill/>
+          </a:ln>
+        </p:spPr>
+        <p:txBody>
+          <a:bodyPr lIns="90000" tIns="45000" rIns="90000" bIns="45000"/>
+          <a:lstStyle/>
+          <a:p>
+            <a:pPr>
+              <a:lnSpc>
+                <a:spcPct val="100000"/>
+              </a:lnSpc>
+              <a:spcBef>
+                <a:spcPts val="300"/>
+              </a:spcBef>
+              <a:spcAft>
+                <a:spcPts val="300"/>
+              </a:spcAft>
+            </a:pPr>
+            <a:r>
+              <a:rPr lang="en-US" sz="3200" dirty="0" smtClean="0">
+                <a:solidFill>
+                  <a:srgbClr val="383836"/>
+                </a:solidFill>
+                <a:latin typeface="DIN Next LT Pro Light Condensed"/>
+              </a:rPr>
+              <a:t>On-site workshops</a:t>
+            </a:r>
+            <a:endParaRPr dirty="0"/>
+          </a:p>
+          <a:p>
+            <a:pPr>
+              <a:lnSpc>
+                <a:spcPct val="100000"/>
+              </a:lnSpc>
+              <a:buFont typeface="StarSymbol"/>
+              <a:buChar char=""/>
+            </a:pPr>
+            <a:endParaRPr dirty="0"/>
+          </a:p>
+          <a:p>
+            <a:pPr>
+              <a:lnSpc>
+                <a:spcPct val="100000"/>
+              </a:lnSpc>
+              <a:buFont typeface="StarSymbol"/>
+              <a:buChar char=""/>
+            </a:pPr>
+            <a:endParaRPr dirty="0"/>
+          </a:p>
+          <a:p>
+            <a:pPr>
+              <a:lnSpc>
+                <a:spcPct val="100000"/>
+              </a:lnSpc>
+              <a:buFont typeface="StarSymbol"/>
+              <a:buChar char=""/>
+            </a:pPr>
+            <a:endParaRPr dirty="0"/>
+          </a:p>
+          <a:p>
+            <a:pPr>
+              <a:lnSpc>
+                <a:spcPct val="100000"/>
+              </a:lnSpc>
+            </a:pPr>
+            <a:endParaRPr dirty="0"/>
+          </a:p>
+        </p:txBody>
+      </p:sp>
+      <p:sp>
+        <p:nvSpPr>
+          <p:cNvPr id="12" name="CustomShape 1"/>
+          <p:cNvSpPr/>
+          <p:nvPr/>
+        </p:nvSpPr>
+        <p:spPr>
+          <a:xfrm rot="1369460">
+            <a:off x="5491629" y="3207383"/>
+            <a:ext cx="3888432" cy="626508"/>
+          </a:xfrm>
+          <a:prstGeom prst="rect">
+            <a:avLst/>
+          </a:prstGeom>
+          <a:noFill/>
+          <a:ln>
+            <a:noFill/>
+          </a:ln>
+        </p:spPr>
+        <p:txBody>
+          <a:bodyPr lIns="90000" tIns="45000" rIns="90000" bIns="45000"/>
+          <a:lstStyle/>
+          <a:p>
+            <a:pPr>
+              <a:lnSpc>
+                <a:spcPct val="100000"/>
+              </a:lnSpc>
+              <a:spcBef>
+                <a:spcPts val="300"/>
+              </a:spcBef>
+              <a:spcAft>
+                <a:spcPts val="300"/>
+              </a:spcAft>
             </a:pPr>
             <a:r>
               <a:rPr lang="en-US" sz="3200" dirty="0" smtClean="0">
@@ -10329,107 +11151,6 @@
               </a:rPr>
               <a:t>IDE formatters</a:t>
             </a:r>
-          </a:p>
-          <a:p>
-            <a:pPr marL="457200" indent="-457200">
-              <a:lnSpc>
-                <a:spcPct val="100000"/>
-              </a:lnSpc>
-              <a:spcBef>
-                <a:spcPts val="300"/>
-              </a:spcBef>
-              <a:spcAft>
-                <a:spcPts val="300"/>
-              </a:spcAft>
-              <a:buFont typeface="Wingdings" panose="05000000000000000000" pitchFamily="2" charset="2"/>
-              <a:buChar char="ü"/>
-            </a:pPr>
-            <a:r>
-              <a:rPr lang="en-US" sz="3200" dirty="0" smtClean="0">
-                <a:solidFill>
-                  <a:srgbClr val="383836"/>
-                </a:solidFill>
-                <a:latin typeface="DIN Next LT Pro Light Condensed"/>
-              </a:rPr>
-              <a:t>Development </a:t>
-            </a:r>
-            <a:r>
-              <a:rPr lang="en-US" sz="3200" dirty="0">
-                <a:solidFill>
-                  <a:srgbClr val="383836"/>
-                </a:solidFill>
-                <a:latin typeface="DIN Next LT Pro Light Condensed"/>
-              </a:rPr>
-              <a:t>setup via vagrant boxes = lower development costs</a:t>
-            </a:r>
-            <a:endParaRPr dirty="0"/>
-          </a:p>
-          <a:p>
-            <a:pPr marL="457200" indent="-457200">
-              <a:lnSpc>
-                <a:spcPct val="100000"/>
-              </a:lnSpc>
-              <a:spcBef>
-                <a:spcPts val="300"/>
-              </a:spcBef>
-              <a:spcAft>
-                <a:spcPts val="300"/>
-              </a:spcAft>
-              <a:buFont typeface="Wingdings" panose="05000000000000000000" pitchFamily="2" charset="2"/>
-              <a:buChar char="ü"/>
-            </a:pPr>
-            <a:r>
-              <a:rPr lang="en-US" sz="3200" i="1" dirty="0">
-                <a:solidFill>
-                  <a:srgbClr val="383836"/>
-                </a:solidFill>
-                <a:latin typeface="DIN Next LT Pro Light Condensed"/>
-              </a:rPr>
-              <a:t>Recommendation</a:t>
-            </a:r>
-            <a:r>
-              <a:rPr lang="en-US" sz="3200" dirty="0">
-                <a:solidFill>
-                  <a:srgbClr val="383836"/>
-                </a:solidFill>
-                <a:latin typeface="DIN Next LT Pro Light Condensed"/>
-              </a:rPr>
-              <a:t>: Pair-programming, TDD</a:t>
-            </a:r>
-            <a:endParaRPr dirty="0"/>
-          </a:p>
-          <a:p>
-            <a:pPr marL="457200" indent="-457200">
-              <a:lnSpc>
-                <a:spcPct val="100000"/>
-              </a:lnSpc>
-              <a:spcBef>
-                <a:spcPts val="300"/>
-              </a:spcBef>
-              <a:spcAft>
-                <a:spcPts val="300"/>
-              </a:spcAft>
-              <a:buFont typeface="Wingdings" panose="05000000000000000000" pitchFamily="2" charset="2"/>
-              <a:buChar char="ü"/>
-            </a:pPr>
-            <a:r>
-              <a:rPr lang="en-US" sz="3200" i="1" dirty="0">
-                <a:solidFill>
-                  <a:srgbClr val="383836"/>
-                </a:solidFill>
-                <a:latin typeface="DIN Next LT Pro Light Condensed"/>
-              </a:rPr>
-              <a:t>Recommendation</a:t>
-            </a:r>
-            <a:r>
-              <a:rPr lang="en-US" sz="3200" dirty="0">
-                <a:solidFill>
-                  <a:srgbClr val="383836"/>
-                </a:solidFill>
-                <a:latin typeface="DIN Next LT Pro Light Condensed"/>
-              </a:rPr>
-              <a:t>: Workshop 2-3 days with dev team on-site</a:t>
-            </a:r>
             <a:endParaRPr dirty="0"/>
           </a:p>
           <a:p>
@@ -10467,63 +11188,17 @@
               <a:lnSpc>
                 <a:spcPct val="100000"/>
               </a:lnSpc>
-              <a:buFont typeface="StarSymbol"/>
-              <a:buChar char=""/>
             </a:pPr>
             <a:endParaRPr dirty="0"/>
           </a:p>
-          <a:p>
-            <a:pPr>
-              <a:lnSpc>
-                <a:spcPct val="100000"/>
-              </a:lnSpc>
-            </a:pPr>
-            <a:endParaRPr dirty="0"/>
-          </a:p>
-        </p:txBody>
-      </p:sp>
-      <p:sp>
-        <p:nvSpPr>
-          <p:cNvPr id="282" name="CustomShape 2"/>
-          <p:cNvSpPr/>
-          <p:nvPr/>
-        </p:nvSpPr>
-        <p:spPr>
-          <a:xfrm>
-            <a:off x="577800" y="247200"/>
-            <a:ext cx="8136720" cy="539100"/>
-          </a:xfrm>
-          <a:prstGeom prst="rect">
-            <a:avLst/>
-          </a:prstGeom>
-          <a:noFill/>
-          <a:ln>
-            <a:noFill/>
-          </a:ln>
-        </p:spPr>
-        <p:txBody>
-          <a:bodyPr lIns="90000" tIns="45000" rIns="90000" bIns="45000" anchor="ctr"/>
-          <a:lstStyle/>
-          <a:p>
-            <a:pPr>
-              <a:lnSpc>
-                <a:spcPct val="100000"/>
-              </a:lnSpc>
-            </a:pPr>
-            <a:r>
-              <a:rPr lang="en-US" sz="3600">
-                <a:solidFill>
-                  <a:srgbClr val="383836"/>
-                </a:solidFill>
-                <a:latin typeface="DIN Next LT Pro Condensed"/>
-              </a:rPr>
-              <a:t>Development:</a:t>
-            </a:r>
-            <a:endParaRPr/>
-          </a:p>
         </p:txBody>
       </p:sp>
     </p:spTree>
+    <p:extLst>
+      <p:ext uri="{BB962C8B-B14F-4D97-AF65-F5344CB8AC3E}">
+        <p14:creationId xmlns:p14="http://schemas.microsoft.com/office/powerpoint/2010/main" val="1962863891"/>
+      </p:ext>
+    </p:extLst>
   </p:cSld>
   <p:clrMapOvr>
     <a:masterClrMapping/>
@@ -10922,11 +11597,20 @@
             <a:r>
               <a:rPr lang="en-US" sz="3000" dirty="0" smtClean="0">
                 <a:solidFill>
+                  <a:srgbClr val="92D050"/>
+                </a:solidFill>
+                <a:latin typeface="DIN Next LT Pro Condensed"/>
+              </a:rPr>
+              <a:t>See</a:t>
+            </a:r>
+            <a:r>
+              <a:rPr lang="en-US" sz="3000" dirty="0" smtClean="0">
+                <a:solidFill>
                   <a:srgbClr val="383836"/>
                 </a:solidFill>
                 <a:latin typeface="DIN Next LT Pro Condensed"/>
               </a:rPr>
-              <a:t>See </a:t>
+              <a:t> </a:t>
             </a:r>
             <a:r>
               <a:rPr lang="en-US" sz="3000" dirty="0">
@@ -10944,7 +11628,43 @@
                 </a:solidFill>
                 <a:latin typeface="DIN Next LT Pro Condensed"/>
               </a:rPr>
-              <a:t>votes / Add or delete own votes</a:t>
+              <a:t>votes / </a:t>
+            </a:r>
+            <a:r>
+              <a:rPr lang="en-US" sz="3000" dirty="0" smtClean="0">
+                <a:solidFill>
+                  <a:srgbClr val="92D050"/>
+                </a:solidFill>
+                <a:latin typeface="DIN Next LT Pro Condensed"/>
+              </a:rPr>
+              <a:t>Add</a:t>
+            </a:r>
+            <a:r>
+              <a:rPr lang="en-US" sz="3000" dirty="0" smtClean="0">
+                <a:solidFill>
+                  <a:srgbClr val="383836"/>
+                </a:solidFill>
+                <a:latin typeface="DIN Next LT Pro Condensed"/>
+              </a:rPr>
+              <a:t> or </a:t>
+            </a:r>
+            <a:r>
+              <a:rPr lang="en-US" sz="3000" dirty="0" smtClean="0">
+                <a:solidFill>
+                  <a:srgbClr val="92D050"/>
+                </a:solidFill>
+                <a:latin typeface="DIN Next LT Pro Condensed"/>
+              </a:rPr>
+              <a:t>delete</a:t>
+            </a:r>
+            <a:r>
+              <a:rPr lang="en-US" sz="3000" dirty="0" smtClean="0">
+                <a:solidFill>
+                  <a:srgbClr val="383836"/>
+                </a:solidFill>
+                <a:latin typeface="DIN Next LT Pro Condensed"/>
+              </a:rPr>
+              <a:t> own votes</a:t>
             </a:r>
             <a:endParaRPr sz="3000" dirty="0"/>
           </a:p>
@@ -10991,7 +11711,43 @@
                 </a:solidFill>
                 <a:latin typeface="DIN Next LT Pro Condensed"/>
               </a:rPr>
-              <a:t>Votes cannot be changed once </a:t>
+              <a:t>Votes </a:t>
+            </a:r>
+            <a:r>
+              <a:rPr lang="en-US" sz="3000" dirty="0">
+                <a:solidFill>
+                  <a:srgbClr val="92D050"/>
+                </a:solidFill>
+                <a:latin typeface="DIN Next LT Pro Condensed"/>
+              </a:rPr>
+              <a:t>cannot</a:t>
+            </a:r>
+            <a:r>
+              <a:rPr lang="en-US" sz="3000" dirty="0">
+                <a:solidFill>
+                  <a:srgbClr val="383836"/>
+                </a:solidFill>
+                <a:latin typeface="DIN Next LT Pro Condensed"/>
+              </a:rPr>
+              <a:t> be </a:t>
+            </a:r>
+            <a:r>
+              <a:rPr lang="en-US" sz="3000" dirty="0">
+                <a:solidFill>
+                  <a:srgbClr val="92D050"/>
+                </a:solidFill>
+                <a:latin typeface="DIN Next LT Pro Condensed"/>
+              </a:rPr>
+              <a:t>change</a:t>
+            </a:r>
+            <a:r>
+              <a:rPr lang="en-US" sz="3000" dirty="0">
+                <a:solidFill>
+                  <a:srgbClr val="383836"/>
+                </a:solidFill>
+                <a:latin typeface="DIN Next LT Pro Condensed"/>
+              </a:rPr>
+              <a:t>d once </a:t>
             </a:r>
             <a:r>
               <a:rPr lang="en-US" sz="3000" dirty="0" smtClean="0">
@@ -11048,11 +11804,11 @@
             <a:r>
               <a:rPr lang="en-US" sz="3000" dirty="0">
                 <a:solidFill>
-                  <a:srgbClr val="A0C52A"/>
+                  <a:srgbClr val="92D050"/>
                 </a:solidFill>
                 <a:latin typeface="DIN Next LT Pro Condensed"/>
               </a:rPr>
-              <a:t>edit</a:t>
+              <a:t>edit </a:t>
             </a:r>
             <a:r>
               <a:rPr lang="en-US" sz="3000" dirty="0">
@@ -11061,7 +11817,7 @@
                 </a:solidFill>
                 <a:latin typeface="DIN Next LT Pro Condensed"/>
               </a:rPr>
-              <a:t> or delete any vote</a:t>
+              <a:t>or delete any vote</a:t>
             </a:r>
             <a:endParaRPr sz="3000" dirty="0"/>
           </a:p>
@@ -11079,6 +11835,15 @@
                 <a:spcPct val="100000"/>
               </a:lnSpc>
             </a:pPr>
+            <a:r>
+              <a:rPr lang="en-US" sz="3000" dirty="0">
+                <a:solidFill>
+                  <a:srgbClr val="92D050"/>
+                </a:solidFill>
+                <a:latin typeface="DIN Next LT Pro Condensed"/>
+              </a:rPr>
+              <a:t>Secure</a:t>
+            </a:r>
             <a:r>
               <a:rPr lang="en-US" sz="3000" dirty="0">
                 <a:solidFill>
@@ -11086,7 +11851,7 @@
                 </a:solidFill>
                 <a:latin typeface="DIN Next LT Pro Condensed"/>
               </a:rPr>
-              <a:t>Secure REST API</a:t>
+              <a:t> REST API</a:t>
             </a:r>
             <a:endParaRPr sz="3000" dirty="0"/>
           </a:p>
@@ -11201,7 +11966,7 @@
         </p:nvSpPr>
         <p:spPr>
           <a:xfrm>
-            <a:off x="457200" y="697260"/>
+            <a:off x="457200" y="625252"/>
             <a:ext cx="7098120" cy="4420084"/>
           </a:xfrm>
           <a:prstGeom prst="rect">
@@ -11238,9 +12003,22 @@
                 </a:solidFill>
                 <a:latin typeface="DIN Next LT Pro Condensed"/>
               </a:rPr>
-              <a:t>Horizontal scalability</a:t>
+              <a:t>Horizontal </a:t>
             </a:r>
-            <a:endParaRPr sz="3200" dirty="0"/>
+            <a:r>
+              <a:rPr lang="en-US" sz="3200" dirty="0">
+                <a:solidFill>
+                  <a:srgbClr val="92D050"/>
+                </a:solidFill>
+                <a:latin typeface="DIN Next LT Pro Condensed"/>
+              </a:rPr>
+              <a:t>scalability</a:t>
+            </a:r>
+            <a:endParaRPr sz="3200" dirty="0">
+              <a:solidFill>
+                <a:srgbClr val="92D050"/>
+              </a:solidFill>
+            </a:endParaRPr>
           </a:p>
           <a:p>
             <a:pPr marL="457200" indent="-457200">
@@ -11258,7 +12036,25 @@
                 </a:solidFill>
                 <a:latin typeface="DIN Next LT Pro Condensed"/>
               </a:rPr>
-              <a:t>High availability (99,5%)</a:t>
+              <a:t>High availability (</a:t>
+            </a:r>
+            <a:r>
+              <a:rPr lang="en-US" sz="3200" dirty="0">
+                <a:solidFill>
+                  <a:srgbClr val="92D050"/>
+                </a:solidFill>
+                <a:latin typeface="DIN Next LT Pro Condensed"/>
+              </a:rPr>
+              <a:t>99,5</a:t>
+            </a:r>
+            <a:r>
+              <a:rPr lang="en-US" sz="3200" dirty="0">
+                <a:solidFill>
+                  <a:srgbClr val="383836"/>
+                </a:solidFill>
+                <a:latin typeface="DIN Next LT Pro Condensed"/>
+              </a:rPr>
+              <a:t>%)</a:t>
             </a:r>
             <a:endParaRPr sz="3200" dirty="0"/>
           </a:p>
@@ -11272,15 +12068,37 @@
               <a:buChar char="ü"/>
             </a:pPr>
             <a:r>
+              <a:rPr lang="en-US" sz="3200" dirty="0" smtClean="0">
+                <a:solidFill>
+                  <a:srgbClr val="383836"/>
+                </a:solidFill>
+                <a:latin typeface="DIN Next LT Pro Condensed"/>
+              </a:rPr>
+              <a:t>Source </a:t>
+            </a:r>
+            <a:r>
               <a:rPr lang="en-US" sz="3200" dirty="0">
                 <a:solidFill>
                   <a:srgbClr val="383836"/>
                 </a:solidFill>
                 <a:latin typeface="DIN Next LT Pro Condensed"/>
               </a:rPr>
-              <a:t>Real-time monitoring</a:t>
+              <a:t>code in </a:t>
             </a:r>
-            <a:endParaRPr sz="3200" dirty="0"/>
+            <a:r>
+              <a:rPr lang="en-US" sz="3200" dirty="0">
+                <a:solidFill>
+                  <a:srgbClr val="92D050"/>
+                </a:solidFill>
+                <a:latin typeface="DIN Next LT Pro Condensed"/>
+              </a:rPr>
+              <a:t>GIT</a:t>
+            </a:r>
+            <a:endParaRPr sz="3200" dirty="0">
+              <a:solidFill>
+                <a:srgbClr val="92D050"/>
+              </a:solidFill>
+            </a:endParaRPr>
           </a:p>
           <a:p>
             <a:pPr marL="457200" indent="-457200">
@@ -11294,13 +12112,59 @@
             <a:r>
               <a:rPr lang="en-US" sz="3200" dirty="0">
                 <a:solidFill>
+                  <a:srgbClr val="92D050"/>
+                </a:solidFill>
+                <a:latin typeface="DIN Next LT Pro Condensed"/>
+              </a:rPr>
+              <a:t>Single</a:t>
+            </a:r>
+            <a:r>
+              <a:rPr lang="en-US" sz="3200" dirty="0">
+                <a:solidFill>
                   <a:srgbClr val="383836"/>
                 </a:solidFill>
                 <a:latin typeface="DIN Next LT Pro Condensed"/>
               </a:rPr>
-              <a:t>Source code in GIT</a:t>
+              <a:t> </a:t>
             </a:r>
-            <a:endParaRPr sz="3200" dirty="0"/>
+            <a:r>
+              <a:rPr lang="en-US" sz="3200" dirty="0">
+                <a:solidFill>
+                  <a:srgbClr val="383836"/>
+                </a:solidFill>
+                <a:latin typeface="DIN Next LT Pro Condensed"/>
+              </a:rPr>
+              <a:t>zip</a:t>
+            </a:r>
+            <a:r>
+              <a:rPr lang="en-US" sz="3200" dirty="0">
+                <a:latin typeface="DIN Next LT Pro Condensed"/>
+              </a:rPr>
+              <a:t> </a:t>
+            </a:r>
+            <a:r>
+              <a:rPr lang="en-US" sz="3200" dirty="0">
+                <a:solidFill>
+                  <a:srgbClr val="383836"/>
+                </a:solidFill>
+                <a:latin typeface="DIN Next LT Pro Condensed"/>
+              </a:rPr>
+              <a:t>as end </a:t>
+            </a:r>
+            <a:r>
+              <a:rPr lang="en-US" sz="3200" dirty="0">
+                <a:solidFill>
+                  <a:srgbClr val="92D050"/>
+                </a:solidFill>
+                <a:latin typeface="DIN Next LT Pro Condensed"/>
+              </a:rPr>
+              <a:t>artifact</a:t>
+            </a:r>
+            <a:endParaRPr sz="3200" dirty="0">
+              <a:solidFill>
+                <a:srgbClr val="92D050"/>
+              </a:solidFill>
+            </a:endParaRPr>
           </a:p>
           <a:p>
             <a:pPr marL="457200" indent="-457200">
@@ -11318,9 +12182,17 @@
                 </a:solidFill>
                 <a:latin typeface="DIN Next LT Pro Condensed"/>
               </a:rPr>
-              <a:t>Single zip as end artifact</a:t>
+              <a:t>All business methods </a:t>
             </a:r>
-            <a:endParaRPr sz="3200" dirty="0"/>
+            <a:r>
+              <a:rPr lang="en-US" sz="3200" dirty="0" smtClean="0">
+                <a:solidFill>
+                  <a:srgbClr val="92D050"/>
+                </a:solidFill>
+                <a:latin typeface="DIN Next LT Pro Condensed"/>
+              </a:rPr>
+              <a:t>tested</a:t>
+            </a:r>
           </a:p>
           <a:p>
             <a:pPr marL="457200" indent="-457200">
@@ -11338,9 +12210,37 @@
                 </a:solidFill>
                 <a:latin typeface="DIN Next LT Pro Condensed"/>
               </a:rPr>
-              <a:t>All business methods tested</a:t>
+              <a:t>Real-time </a:t>
             </a:r>
-            <a:endParaRPr sz="3200" dirty="0"/>
+            <a:r>
+              <a:rPr lang="en-US" sz="3200" dirty="0">
+                <a:solidFill>
+                  <a:srgbClr val="92D050"/>
+                </a:solidFill>
+                <a:latin typeface="DIN Next LT Pro Condensed"/>
+              </a:rPr>
+              <a:t>monitoring</a:t>
+            </a:r>
+            <a:endParaRPr lang="en-US" sz="3200" dirty="0">
+              <a:solidFill>
+                <a:srgbClr val="92D050"/>
+              </a:solidFill>
+            </a:endParaRPr>
+          </a:p>
+          <a:p>
+            <a:pPr marL="457200" indent="-457200">
+              <a:lnSpc>
+                <a:spcPct val="150000"/>
+              </a:lnSpc>
+              <a:buSzPct val="100000"/>
+              <a:buFont typeface="Wingdings" panose="05000000000000000000" pitchFamily="2" charset="2"/>
+              <a:buChar char="ü"/>
+            </a:pPr>
+            <a:endParaRPr sz="3200" dirty="0">
+              <a:solidFill>
+                <a:srgbClr val="92D050"/>
+              </a:solidFill>
+            </a:endParaRPr>
           </a:p>
           <a:p>
             <a:pPr>
@@ -11572,7 +12472,7 @@
         </p:nvSpPr>
         <p:spPr>
           <a:xfrm>
-            <a:off x="577800" y="247200"/>
+            <a:off x="577800" y="193204"/>
             <a:ext cx="8136720" cy="539100"/>
           </a:xfrm>
           <a:prstGeom prst="rect">
@@ -11607,7 +12507,7 @@
       </p:sp>
       <p:pic>
         <p:nvPicPr>
-          <p:cNvPr id="5124" name="Picture 4"/>
+          <p:cNvPr id="4102" name="Picture 6"/>
           <p:cNvPicPr>
             <a:picLocks noChangeAspect="1" noChangeArrowheads="1"/>
           </p:cNvPicPr>
@@ -11923,7 +12823,7 @@
       </p:pic>
       <p:pic>
         <p:nvPicPr>
-          <p:cNvPr id="3074" name="Picture 2"/>
+          <p:cNvPr id="5122" name="Picture 2"/>
           <p:cNvPicPr>
             <a:picLocks noChangeAspect="1" noChangeArrowheads="1"/>
           </p:cNvPicPr>
@@ -11944,7 +12844,7 @@
         </p:blipFill>
         <p:spPr bwMode="auto">
           <a:xfrm>
-            <a:off x="5508104" y="824538"/>
+            <a:off x="5533975" y="830957"/>
             <a:ext cx="2638425" cy="2314575"/>
           </a:xfrm>
           <a:prstGeom prst="rect">
@@ -12312,7 +13212,7 @@
         </p:blipFill>
         <p:spPr bwMode="auto">
           <a:xfrm>
-            <a:off x="107504" y="941938"/>
+            <a:off x="318344" y="1024017"/>
             <a:ext cx="1805384" cy="1833483"/>
           </a:xfrm>
           <a:prstGeom prst="rect">
@@ -12483,13 +13383,61 @@
               <a:t>Secure REST API - JWT (RFC 7519 standard</a:t>
             </a:r>
             <a:r>
-              <a:rPr lang="en-US" sz="2800" dirty="0">
+              <a:rPr lang="en-US" sz="2800" dirty="0" smtClean="0">
                 <a:solidFill>
                   <a:srgbClr val="383836"/>
                 </a:solidFill>
                 <a:latin typeface="DIN Next LT Pro Light Condensed"/>
               </a:rPr>
-              <a:t>) </a:t>
+              <a:t>)</a:t>
+            </a:r>
+            <a:endParaRPr dirty="0"/>
+          </a:p>
+          <a:p>
+            <a:pPr>
+              <a:lnSpc>
+                <a:spcPct val="100000"/>
+              </a:lnSpc>
+            </a:pPr>
+            <a:endParaRPr lang="en-US" sz="3200" dirty="0" smtClean="0">
+              <a:solidFill>
+                <a:srgbClr val="383836"/>
+              </a:solidFill>
+              <a:latin typeface="DIN Next LT Pro Light Condensed"/>
+            </a:endParaRPr>
+          </a:p>
+          <a:p>
+            <a:pPr marL="457200" indent="-457200">
+              <a:lnSpc>
+                <a:spcPct val="100000"/>
+              </a:lnSpc>
+              <a:buFont typeface="Wingdings" panose="05000000000000000000" pitchFamily="2" charset="2"/>
+              <a:buChar char="ü"/>
+            </a:pPr>
+            <a:r>
+              <a:rPr lang="en-US" sz="3200" dirty="0" smtClean="0">
+                <a:solidFill>
+                  <a:srgbClr val="383836"/>
+                </a:solidFill>
+                <a:latin typeface="DIN Next LT Pro Light Condensed"/>
+              </a:rPr>
+              <a:t>HTTPS</a:t>
+            </a:r>
+          </a:p>
+          <a:p>
+            <a:pPr>
+              <a:lnSpc>
+                <a:spcPct val="100000"/>
+              </a:lnSpc>
+            </a:pPr>
+            <a:r>
+              <a:rPr lang="en-US" sz="3200" dirty="0" smtClean="0">
+                <a:solidFill>
+                  <a:srgbClr val="383836"/>
+                </a:solidFill>
+                <a:latin typeface="DIN Next LT Pro Light Condensed"/>
+              </a:rPr>
+              <a:t>   (</a:t>
             </a:r>
             <a:r>
               <a:rPr lang="en-US" sz="3200" dirty="0">
@@ -12498,9 +13446,14 @@
                 </a:solidFill>
                 <a:latin typeface="DIN Next LT Pro Light Condensed"/>
               </a:rPr>
-              <a:t>over HTTPS</a:t>
+              <a:t>TLS 1.2)</a:t>
             </a:r>
-            <a:endParaRPr dirty="0"/>
+            <a:endParaRPr lang="en-US" sz="3200" dirty="0" smtClean="0">
+              <a:solidFill>
+                <a:srgbClr val="383836"/>
+              </a:solidFill>
+              <a:latin typeface="DIN Next LT Pro Light Condensed"/>
+            </a:endParaRPr>
           </a:p>
           <a:p>
             <a:pPr>
